--- a/Shap_for_model_interpretation.pptx
+++ b/Shap_for_model_interpretation.pptx
@@ -5,7 +5,7 @@
     <p:sldMasterId id="2147483820" r:id="rId1"/>
   </p:sldMasterIdLst>
   <p:notesMasterIdLst>
-    <p:notesMasterId r:id="rId9"/>
+    <p:notesMasterId r:id="rId10"/>
   </p:notesMasterIdLst>
   <p:sldIdLst>
     <p:sldId id="256" r:id="rId2"/>
@@ -15,6 +15,7 @@
     <p:sldId id="260" r:id="rId6"/>
     <p:sldId id="261" r:id="rId7"/>
     <p:sldId id="262" r:id="rId8"/>
+    <p:sldId id="263" r:id="rId9"/>
   </p:sldIdLst>
   <p:sldSz cx="12192000" cy="6858000"/>
   <p:notesSz cx="6858000" cy="9144000"/>
@@ -4427,26 +4428,26 @@
         </p:nvSpPr>
         <p:spPr>
           <a:xfrm>
-            <a:off x="2209799" y="1884363"/>
+            <a:off x="1842599" y="1848363"/>
             <a:ext cx="8791575" cy="2387600"/>
           </a:xfrm>
         </p:spPr>
         <p:txBody>
           <a:bodyPr>
-            <a:normAutofit fontScale="90000"/>
+            <a:noAutofit/>
           </a:bodyPr>
           <a:lstStyle/>
           <a:p>
             <a:r>
-              <a:rPr lang="ru-RU" dirty="0"/>
+              <a:rPr lang="ru-RU" sz="4800" dirty="0"/>
               <a:t>Использование </a:t>
             </a:r>
             <a:r>
-              <a:rPr lang="en-US" dirty="0"/>
+              <a:rPr lang="en-US" sz="4800" dirty="0"/>
               <a:t>SHAP </a:t>
             </a:r>
             <a:r>
-              <a:rPr lang="ru-RU" dirty="0"/>
+              <a:rPr lang="ru-RU" sz="4800" dirty="0"/>
               <a:t>для интерпретации прогнозов моделей</a:t>
             </a:r>
           </a:p>
@@ -4462,6 +4463,13 @@
   <p:clrMapOvr>
     <a:masterClrMapping/>
   </p:clrMapOvr>
+  <p:timing>
+    <p:tnLst>
+      <p:par>
+        <p:cTn id="1" dur="indefinite" restart="never" nodeType="tmRoot"/>
+      </p:par>
+    </p:tnLst>
+  </p:timing>
 </p:sld>
 </file>
 
@@ -4655,6 +4663,13 @@
   <p:clrMapOvr>
     <a:masterClrMapping/>
   </p:clrMapOvr>
+  <p:timing>
+    <p:tnLst>
+      <p:par>
+        <p:cTn id="1" dur="indefinite" restart="never" nodeType="tmRoot"/>
+      </p:par>
+    </p:tnLst>
+  </p:timing>
 </p:sld>
 </file>
 
@@ -4783,6 +4798,10 @@
               </a:rPr>
               <a:t>)</a:t>
             </a:r>
+            <a:r>
+              <a:rPr lang="ru-RU" dirty="0"/>
+              <a:t/>
+            </a:r>
             <a:br>
               <a:rPr lang="ru-RU" dirty="0"/>
             </a:br>
@@ -4832,6 +4851,10 @@
               </a:rPr>
               <a:t>Cover</a:t>
             </a:r>
+            <a:r>
+              <a:rPr lang="ru-RU" dirty="0"/>
+              <a:t/>
+            </a:r>
             <a:br>
               <a:rPr lang="ru-RU" dirty="0"/>
             </a:br>
@@ -4866,6 +4889,16 @@
                 <a:latin typeface="-apple-system"/>
               </a:rPr>
               <a:t>Frequency</a:t>
+            </a:r>
+            <a:r>
+              <a:rPr lang="ru-RU" b="0" i="0" dirty="0">
+                <a:solidFill>
+                  <a:srgbClr val="111111"/>
+                </a:solidFill>
+                <a:effectLst/>
+                <a:latin typeface="-apple-system"/>
+              </a:rPr>
+              <a:t/>
             </a:r>
             <a:br>
               <a:rPr lang="ru-RU" b="0" i="0" dirty="0">
@@ -4910,6 +4943,13 @@
   <p:clrMapOvr>
     <a:masterClrMapping/>
   </p:clrMapOvr>
+  <p:timing>
+    <p:tnLst>
+      <p:par>
+        <p:cTn id="1" dur="indefinite" restart="never" nodeType="tmRoot"/>
+      </p:par>
+    </p:tnLst>
+  </p:timing>
 </p:sld>
 </file>
 
@@ -7104,6 +7144,13 @@
   <p:clrMapOvr>
     <a:masterClrMapping/>
   </p:clrMapOvr>
+  <p:timing>
+    <p:tnLst>
+      <p:par>
+        <p:cTn id="1" dur="indefinite" restart="never" nodeType="tmRoot"/>
+      </p:par>
+    </p:tnLst>
+  </p:timing>
 </p:sld>
 </file>
 
@@ -7243,6 +7290,13 @@
   <p:clrMapOvr>
     <a:masterClrMapping/>
   </p:clrMapOvr>
+  <p:timing>
+    <p:tnLst>
+      <p:par>
+        <p:cTn id="1" dur="indefinite" restart="never" nodeType="tmRoot"/>
+      </p:par>
+    </p:tnLst>
+  </p:timing>
 </p:sld>
 </file>
 
@@ -7440,8 +7494,34 @@
                 <a:effectLst/>
                 <a:latin typeface="Roboto" panose="02000000000000000000" pitchFamily="2" charset="0"/>
               </a:rPr>
-              <a:t>вклады игроков в игру – влияние каждого значения признака на выигрыш, т.е. результат.</a:t>
-            </a:r>
+              <a:t>вклады игроков в игру – влияние каждого значения признака на выигрыш, т.е. </a:t>
+            </a:r>
+            <a:r>
+              <a:rPr lang="ru-RU" sz="1800" dirty="0" smtClean="0">
+                <a:solidFill>
+                  <a:srgbClr val="000000"/>
+                </a:solidFill>
+                <a:latin typeface="Roboto" panose="02000000000000000000" pitchFamily="2" charset="0"/>
+              </a:rPr>
+              <a:t>на прогноз модели</a:t>
+            </a:r>
+            <a:r>
+              <a:rPr lang="ru-RU" sz="1800" b="0" i="0" dirty="0" smtClean="0">
+                <a:solidFill>
+                  <a:srgbClr val="000000"/>
+                </a:solidFill>
+                <a:effectLst/>
+                <a:latin typeface="Roboto" panose="02000000000000000000" pitchFamily="2" charset="0"/>
+              </a:rPr>
+              <a:t>.</a:t>
+            </a:r>
+            <a:endParaRPr lang="ru-RU" sz="1800" b="0" i="0" dirty="0">
+              <a:solidFill>
+                <a:srgbClr val="000000"/>
+              </a:solidFill>
+              <a:effectLst/>
+              <a:latin typeface="Roboto" panose="02000000000000000000" pitchFamily="2" charset="0"/>
+            </a:endParaRPr>
           </a:p>
           <a:p>
             <a:pPr marL="0" indent="0">
@@ -7464,6 +7544,13 @@
   <p:clrMapOvr>
     <a:masterClrMapping/>
   </p:clrMapOvr>
+  <p:timing>
+    <p:tnLst>
+      <p:par>
+        <p:cTn id="1" dur="indefinite" restart="never" nodeType="tmRoot"/>
+      </p:par>
+    </p:tnLst>
+  </p:timing>
 </p:sld>
 </file>
 
@@ -7522,8 +7609,8 @@
           </a:p>
         </p:txBody>
       </p:sp>
-      <mc:AlternateContent xmlns:mc="http://schemas.openxmlformats.org/markup-compatibility/2006" xmlns:a14="http://schemas.microsoft.com/office/drawing/2010/main">
-        <mc:Choice Requires="a14">
+      <mc:AlternateContent xmlns:mc="http://schemas.openxmlformats.org/markup-compatibility/2006">
+        <mc:Choice xmlns:a14="http://schemas.microsoft.com/office/drawing/2010/main" Requires="a14">
           <p:sp>
             <p:nvSpPr>
               <p:cNvPr id="5" name="TextBox 4">
@@ -7538,7 +7625,7 @@
             </p:nvSpPr>
             <p:spPr>
               <a:xfrm>
-                <a:off x="3048000" y="2336489"/>
+                <a:off x="3667200" y="809625"/>
                 <a:ext cx="6096000" cy="2185022"/>
               </a:xfrm>
               <a:prstGeom prst="rect">
@@ -8022,7 +8109,7 @@
             </p:txBody>
           </p:sp>
         </mc:Choice>
-        <mc:Fallback xmlns="">
+        <mc:Fallback>
           <p:sp>
             <p:nvSpPr>
               <p:cNvPr id="5" name="TextBox 4">
@@ -8039,7 +8126,7 @@
             </p:nvSpPr>
             <p:spPr>
               <a:xfrm>
-                <a:off x="3048000" y="2336489"/>
+                <a:off x="3667200" y="809625"/>
                 <a:ext cx="6096000" cy="2185022"/>
               </a:xfrm>
               <a:prstGeom prst="rect">
@@ -8048,7 +8135,2883 @@
               <a:blipFill>
                 <a:blip r:embed="rId2"/>
                 <a:stretch>
-                  <a:fillRect l="-800" b="-3343"/>
+                  <a:fillRect l="-900" b="-3631"/>
+                </a:stretch>
+              </a:blipFill>
+            </p:spPr>
+            <p:txBody>
+              <a:bodyPr/>
+              <a:lstStyle/>
+              <a:p>
+                <a:r>
+                  <a:rPr lang="ru-RU">
+                    <a:noFill/>
+                  </a:rPr>
+                  <a:t> </a:t>
+                </a:r>
+              </a:p>
+            </p:txBody>
+          </p:sp>
+        </mc:Fallback>
+      </mc:AlternateContent>
+      <p:sp>
+        <p:nvSpPr>
+          <p:cNvPr id="3" name="Прямоугольник 2"/>
+          <p:cNvSpPr/>
+          <p:nvPr/>
+        </p:nvSpPr>
+        <p:spPr>
+          <a:xfrm>
+            <a:off x="1298400" y="3372637"/>
+            <a:ext cx="10394400" cy="1200329"/>
+          </a:xfrm>
+          <a:prstGeom prst="rect">
+            <a:avLst/>
+          </a:prstGeom>
+        </p:spPr>
+        <p:txBody>
+          <a:bodyPr wrap="square">
+            <a:spAutoFit/>
+          </a:bodyPr>
+          <a:lstStyle/>
+          <a:p>
+            <a:r>
+              <a:rPr lang="ru-RU" dirty="0">
+                <a:solidFill>
+                  <a:srgbClr val="111111"/>
+                </a:solidFill>
+                <a:latin typeface="-apple-system"/>
+              </a:rPr>
+              <a:t>Значение </a:t>
+            </a:r>
+            <a:r>
+              <a:rPr lang="ru-RU" dirty="0" err="1">
+                <a:solidFill>
+                  <a:srgbClr val="111111"/>
+                </a:solidFill>
+                <a:latin typeface="-apple-system"/>
+              </a:rPr>
+              <a:t>Шэпли</a:t>
+            </a:r>
+            <a:r>
+              <a:rPr lang="ru-RU" dirty="0">
+                <a:solidFill>
+                  <a:srgbClr val="111111"/>
+                </a:solidFill>
+                <a:latin typeface="-apple-system"/>
+              </a:rPr>
+              <a:t> для i-той </a:t>
+            </a:r>
+            <a:r>
+              <a:rPr lang="ru-RU" dirty="0" err="1">
+                <a:solidFill>
+                  <a:srgbClr val="111111"/>
+                </a:solidFill>
+                <a:latin typeface="-apple-system"/>
+              </a:rPr>
+              <a:t>фичи</a:t>
+            </a:r>
+            <a:r>
+              <a:rPr lang="ru-RU" dirty="0">
+                <a:solidFill>
+                  <a:srgbClr val="111111"/>
+                </a:solidFill>
+                <a:latin typeface="-apple-system"/>
+              </a:rPr>
+              <a:t> рассчитывается для каждого </a:t>
+            </a:r>
+            <a:r>
+              <a:rPr lang="ru-RU" dirty="0" err="1">
+                <a:solidFill>
+                  <a:srgbClr val="111111"/>
+                </a:solidFill>
+                <a:latin typeface="-apple-system"/>
+              </a:rPr>
+              <a:t>сэмпла</a:t>
+            </a:r>
+            <a:r>
+              <a:rPr lang="ru-RU" dirty="0">
+                <a:solidFill>
+                  <a:srgbClr val="111111"/>
+                </a:solidFill>
+                <a:latin typeface="-apple-system"/>
+              </a:rPr>
+              <a:t> данных (например, для каждого клиента в выборке) на всех возможных комбинациях </a:t>
+            </a:r>
+            <a:r>
+              <a:rPr lang="ru-RU" dirty="0" err="1">
+                <a:solidFill>
+                  <a:srgbClr val="111111"/>
+                </a:solidFill>
+                <a:latin typeface="-apple-system"/>
+              </a:rPr>
+              <a:t>фичей</a:t>
+            </a:r>
+            <a:r>
+              <a:rPr lang="ru-RU" dirty="0">
+                <a:solidFill>
+                  <a:srgbClr val="111111"/>
+                </a:solidFill>
+                <a:latin typeface="-apple-system"/>
+              </a:rPr>
+              <a:t> (включая отсутствие всех </a:t>
+            </a:r>
+            <a:r>
+              <a:rPr lang="ru-RU" dirty="0" err="1">
+                <a:solidFill>
+                  <a:srgbClr val="111111"/>
+                </a:solidFill>
+                <a:latin typeface="-apple-system"/>
+              </a:rPr>
+              <a:t>фичей</a:t>
+            </a:r>
+            <a:r>
+              <a:rPr lang="ru-RU" dirty="0">
+                <a:solidFill>
+                  <a:srgbClr val="111111"/>
+                </a:solidFill>
+                <a:latin typeface="-apple-system"/>
+              </a:rPr>
+              <a:t>), затем полученные значения суммируются по модулю и получается итоговая важность i-той </a:t>
+            </a:r>
+            <a:r>
+              <a:rPr lang="ru-RU" dirty="0" err="1">
+                <a:solidFill>
+                  <a:srgbClr val="111111"/>
+                </a:solidFill>
+                <a:latin typeface="-apple-system"/>
+              </a:rPr>
+              <a:t>фичи</a:t>
+            </a:r>
+            <a:r>
+              <a:rPr lang="ru-RU" dirty="0">
+                <a:solidFill>
+                  <a:srgbClr val="111111"/>
+                </a:solidFill>
+                <a:latin typeface="-apple-system"/>
+              </a:rPr>
+              <a:t>.</a:t>
+            </a:r>
+            <a:endParaRPr lang="ru-RU" dirty="0"/>
+          </a:p>
+        </p:txBody>
+      </p:sp>
+    </p:spTree>
+    <p:extLst>
+      <p:ext uri="{BB962C8B-B14F-4D97-AF65-F5344CB8AC3E}">
+        <p14:creationId xmlns:p14="http://schemas.microsoft.com/office/powerpoint/2010/main" val="3488933371"/>
+      </p:ext>
+    </p:extLst>
+  </p:cSld>
+  <p:clrMapOvr>
+    <a:masterClrMapping/>
+  </p:clrMapOvr>
+  <p:timing>
+    <p:tnLst>
+      <p:par>
+        <p:cTn id="1" dur="indefinite" restart="never" nodeType="tmRoot"/>
+      </p:par>
+    </p:tnLst>
+  </p:timing>
+</p:sld>
+</file>
+
+<file path=ppt/slides/slide8.xml><?xml version="1.0" encoding="utf-8"?>
+<p:sld xmlns:a="http://schemas.openxmlformats.org/drawingml/2006/main" xmlns:r="http://schemas.openxmlformats.org/officeDocument/2006/relationships" xmlns:p="http://schemas.openxmlformats.org/presentationml/2006/main">
+  <p:cSld>
+    <p:spTree>
+      <p:nvGrpSpPr>
+        <p:cNvPr id="1" name=""/>
+        <p:cNvGrpSpPr/>
+        <p:nvPr/>
+      </p:nvGrpSpPr>
+      <p:grpSpPr>
+        <a:xfrm>
+          <a:off x="0" y="0"/>
+          <a:ext cx="0" cy="0"/>
+          <a:chOff x="0" y="0"/>
+          <a:chExt cx="0" cy="0"/>
+        </a:xfrm>
+      </p:grpSpPr>
+      <p:sp>
+        <p:nvSpPr>
+          <p:cNvPr id="37" name="Прямоугольник 36"/>
+          <p:cNvSpPr/>
+          <p:nvPr/>
+        </p:nvSpPr>
+        <p:spPr>
+          <a:xfrm>
+            <a:off x="8280000" y="4293690"/>
+            <a:ext cx="3694982" cy="2392403"/>
+          </a:xfrm>
+          <a:prstGeom prst="rect">
+            <a:avLst/>
+          </a:prstGeom>
+        </p:spPr>
+        <p:style>
+          <a:lnRef idx="2">
+            <a:schemeClr val="accent1">
+              <a:shade val="50000"/>
+            </a:schemeClr>
+          </a:lnRef>
+          <a:fillRef idx="1">
+            <a:schemeClr val="accent1"/>
+          </a:fillRef>
+          <a:effectRef idx="0">
+            <a:schemeClr val="accent1"/>
+          </a:effectRef>
+          <a:fontRef idx="minor">
+            <a:schemeClr val="lt1"/>
+          </a:fontRef>
+        </p:style>
+        <p:txBody>
+          <a:bodyPr rtlCol="0" anchor="ctr"/>
+          <a:lstStyle/>
+          <a:p>
+            <a:pPr algn="ctr"/>
+            <a:endParaRPr lang="ru-RU"/>
+          </a:p>
+        </p:txBody>
+      </p:sp>
+      <p:sp>
+        <p:nvSpPr>
+          <p:cNvPr id="2" name="Заголовок 1"/>
+          <p:cNvSpPr>
+            <a:spLocks noGrp="1"/>
+          </p:cNvSpPr>
+          <p:nvPr>
+            <p:ph type="title"/>
+          </p:nvPr>
+        </p:nvSpPr>
+        <p:spPr>
+          <a:xfrm>
+            <a:off x="1371600" y="0"/>
+            <a:ext cx="9601200" cy="655200"/>
+          </a:xfrm>
+        </p:spPr>
+        <p:txBody>
+          <a:bodyPr>
+            <a:normAutofit/>
+          </a:bodyPr>
+          <a:lstStyle/>
+          <a:p>
+            <a:r>
+              <a:rPr lang="ru-RU" sz="2800" dirty="0" smtClean="0"/>
+              <a:t>Пример расчета значений Шепли</a:t>
+            </a:r>
+            <a:endParaRPr lang="ru-RU" sz="2800" dirty="0"/>
+          </a:p>
+        </p:txBody>
+      </p:sp>
+      <p:pic>
+        <p:nvPicPr>
+          <p:cNvPr id="4" name="Picture 2">
+            <a:extLst>
+              <a:ext uri="{FF2B5EF4-FFF2-40B4-BE49-F238E27FC236}">
+                <a16:creationId xmlns:a16="http://schemas.microsoft.com/office/drawing/2014/main" id="{73F0CB97-5A60-4D78-8EF0-46AEFA08E9B3}"/>
+              </a:ext>
+            </a:extLst>
+          </p:cNvPr>
+          <p:cNvPicPr>
+            <a:picLocks noChangeAspect="1" noChangeArrowheads="1"/>
+          </p:cNvPicPr>
+          <p:nvPr/>
+        </p:nvPicPr>
+        <p:blipFill>
+          <a:blip r:embed="rId2">
+            <a:extLst>
+              <a:ext uri="{28A0092B-C50C-407E-A947-70E740481C1C}">
+                <a14:useLocalDpi xmlns:a14="http://schemas.microsoft.com/office/drawing/2010/main" val="0"/>
+              </a:ext>
+            </a:extLst>
+          </a:blip>
+          <a:srcRect/>
+          <a:stretch>
+            <a:fillRect/>
+          </a:stretch>
+        </p:blipFill>
+        <p:spPr bwMode="auto">
+          <a:xfrm>
+            <a:off x="6429600" y="-333630"/>
+            <a:ext cx="6041111" cy="4431930"/>
+          </a:xfrm>
+          <a:prstGeom prst="rect">
+            <a:avLst/>
+          </a:prstGeom>
+          <a:noFill/>
+          <a:extLst>
+            <a:ext uri="{909E8E84-426E-40DD-AFC4-6F175D3DCCD1}">
+              <a14:hiddenFill xmlns:a14="http://schemas.microsoft.com/office/drawing/2010/main">
+                <a:solidFill>
+                  <a:srgbClr val="FFFFFF"/>
+                </a:solidFill>
+              </a14:hiddenFill>
+            </a:ext>
+          </a:extLst>
+        </p:spPr>
+      </p:pic>
+      <p:sp>
+        <p:nvSpPr>
+          <p:cNvPr id="6" name="Прямоугольник 5"/>
+          <p:cNvSpPr/>
+          <p:nvPr/>
+        </p:nvSpPr>
+        <p:spPr>
+          <a:xfrm>
+            <a:off x="811489" y="515803"/>
+            <a:ext cx="5410800" cy="338554"/>
+          </a:xfrm>
+          <a:prstGeom prst="rect">
+            <a:avLst/>
+          </a:prstGeom>
+        </p:spPr>
+        <p:txBody>
+          <a:bodyPr wrap="square">
+            <a:spAutoFit/>
+          </a:bodyPr>
+          <a:lstStyle/>
+          <a:p>
+            <a:r>
+              <a:rPr lang="ru-RU" sz="1600" dirty="0" smtClean="0"/>
+              <a:t>Важность признака </a:t>
+            </a:r>
+            <a:r>
+              <a:rPr lang="en-US" sz="1600" dirty="0" err="1" smtClean="0"/>
+              <a:t>racepctblack</a:t>
+            </a:r>
+            <a:r>
+              <a:rPr lang="en-US" sz="1600" dirty="0" smtClean="0"/>
+              <a:t> </a:t>
+            </a:r>
+            <a:r>
+              <a:rPr lang="ru-RU" sz="1600" dirty="0" smtClean="0"/>
+              <a:t>«</a:t>
+            </a:r>
+            <a:r>
+              <a:rPr lang="en-US" sz="1600" dirty="0" smtClean="0"/>
+              <a:t>race</a:t>
+            </a:r>
+            <a:r>
+              <a:rPr lang="ru-RU" sz="1600" dirty="0" smtClean="0"/>
+              <a:t>»</a:t>
+            </a:r>
+            <a:endParaRPr lang="ru-RU" sz="1600" dirty="0"/>
+          </a:p>
+        </p:txBody>
+      </p:sp>
+      <p:sp>
+        <p:nvSpPr>
+          <p:cNvPr id="7" name="TextBox 6"/>
+          <p:cNvSpPr txBox="1"/>
+          <p:nvPr/>
+        </p:nvSpPr>
+        <p:spPr>
+          <a:xfrm>
+            <a:off x="790322" y="835275"/>
+            <a:ext cx="3674111" cy="338554"/>
+          </a:xfrm>
+          <a:prstGeom prst="rect">
+            <a:avLst/>
+          </a:prstGeom>
+          <a:noFill/>
+        </p:spPr>
+        <p:txBody>
+          <a:bodyPr wrap="square" rtlCol="0">
+            <a:spAutoFit/>
+          </a:bodyPr>
+          <a:lstStyle/>
+          <a:p>
+            <a:r>
+              <a:rPr lang="en-US" sz="1600" dirty="0" smtClean="0"/>
+              <a:t>1.</a:t>
+            </a:r>
+            <a:r>
+              <a:rPr lang="ru-RU" sz="1600" dirty="0" smtClean="0"/>
+              <a:t> Случай отсутствия </a:t>
+            </a:r>
+            <a:r>
+              <a:rPr lang="ru-RU" sz="1600" dirty="0" err="1" smtClean="0"/>
+              <a:t>фичей</a:t>
+            </a:r>
+            <a:r>
+              <a:rPr lang="en-US" sz="1600" dirty="0" smtClean="0"/>
+              <a:t> S={ }</a:t>
+            </a:r>
+            <a:endParaRPr lang="ru-RU" sz="1600" dirty="0"/>
+          </a:p>
+        </p:txBody>
+      </p:sp>
+      <mc:AlternateContent xmlns:mc="http://schemas.openxmlformats.org/markup-compatibility/2006">
+        <mc:Choice xmlns:a14="http://schemas.microsoft.com/office/drawing/2010/main" Requires="a14">
+          <p:sp>
+            <p:nvSpPr>
+              <p:cNvPr id="8" name="TextBox 7"/>
+              <p:cNvSpPr txBox="1"/>
+              <p:nvPr/>
+            </p:nvSpPr>
+            <p:spPr>
+              <a:xfrm>
+                <a:off x="811489" y="1132937"/>
+                <a:ext cx="6694200" cy="401200"/>
+              </a:xfrm>
+              <a:prstGeom prst="rect">
+                <a:avLst/>
+              </a:prstGeom>
+              <a:noFill/>
+            </p:spPr>
+            <p:txBody>
+              <a:bodyPr wrap="square" rtlCol="0">
+                <a:spAutoFit/>
+              </a:bodyPr>
+              <a:lstStyle/>
+              <a:p>
+                <a:r>
+                  <a:rPr lang="en-US" sz="1400" dirty="0" smtClean="0"/>
+                  <a:t>P(S) = </a:t>
+                </a:r>
+                <a:r>
+                  <a:rPr lang="en-US" sz="1400" dirty="0" err="1" smtClean="0"/>
+                  <a:t>base_value</a:t>
+                </a:r>
+                <a:r>
+                  <a:rPr lang="en-US" sz="1400" dirty="0" smtClean="0"/>
+                  <a:t>=</a:t>
+                </a:r>
+                <a14:m>
+                  <m:oMath xmlns:m="http://schemas.openxmlformats.org/officeDocument/2006/math">
+                    <m:f>
+                      <m:fPr>
+                        <m:ctrlPr>
+                          <a:rPr lang="en-US" sz="1400" i="1" smtClean="0">
+                            <a:latin typeface="Cambria Math" panose="02040503050406030204" pitchFamily="18" charset="0"/>
+                          </a:rPr>
+                        </m:ctrlPr>
+                      </m:fPr>
+                      <m:num>
+                        <m:r>
+                          <a:rPr lang="en-US" sz="1400" b="0" i="1" smtClean="0">
+                            <a:latin typeface="Cambria Math" panose="02040503050406030204" pitchFamily="18" charset="0"/>
+                          </a:rPr>
+                          <m:t>1526</m:t>
+                        </m:r>
+                      </m:num>
+                      <m:den>
+                        <m:r>
+                          <a:rPr lang="en-US" sz="1400" b="0" i="1" smtClean="0">
+                            <a:latin typeface="Cambria Math" panose="02040503050406030204" pitchFamily="18" charset="0"/>
+                          </a:rPr>
+                          <m:t>1994</m:t>
+                        </m:r>
+                      </m:den>
+                    </m:f>
+                    <m:r>
+                      <a:rPr lang="en-US" sz="1400" b="0" i="1" smtClean="0">
+                        <a:latin typeface="Cambria Math" panose="02040503050406030204" pitchFamily="18" charset="0"/>
+                      </a:rPr>
+                      <m:t>272.5+</m:t>
+                    </m:r>
+                    <m:f>
+                      <m:fPr>
+                        <m:ctrlPr>
+                          <a:rPr lang="en-US" sz="1400" i="1">
+                            <a:latin typeface="Cambria Math" panose="02040503050406030204" pitchFamily="18" charset="0"/>
+                          </a:rPr>
+                        </m:ctrlPr>
+                      </m:fPr>
+                      <m:num>
+                        <m:r>
+                          <a:rPr lang="en-US" sz="1400" b="0" i="1" smtClean="0">
+                            <a:latin typeface="Cambria Math" panose="02040503050406030204" pitchFamily="18" charset="0"/>
+                          </a:rPr>
+                          <m:t>118</m:t>
+                        </m:r>
+                      </m:num>
+                      <m:den>
+                        <m:r>
+                          <a:rPr lang="en-US" sz="1400" i="1">
+                            <a:latin typeface="Cambria Math" panose="02040503050406030204" pitchFamily="18" charset="0"/>
+                          </a:rPr>
+                          <m:t>1994</m:t>
+                        </m:r>
+                      </m:den>
+                    </m:f>
+                    <m:r>
+                      <a:rPr lang="en-US" sz="1400" b="0" i="1" smtClean="0">
+                        <a:latin typeface="Cambria Math" panose="02040503050406030204" pitchFamily="18" charset="0"/>
+                      </a:rPr>
+                      <m:t>656.3+</m:t>
+                    </m:r>
+                    <m:f>
+                      <m:fPr>
+                        <m:ctrlPr>
+                          <a:rPr lang="en-US" sz="1400" i="1">
+                            <a:latin typeface="Cambria Math" panose="02040503050406030204" pitchFamily="18" charset="0"/>
+                          </a:rPr>
+                        </m:ctrlPr>
+                      </m:fPr>
+                      <m:num>
+                        <m:r>
+                          <a:rPr lang="en-US" sz="1400" b="0" i="1" smtClean="0">
+                            <a:latin typeface="Cambria Math" panose="02040503050406030204" pitchFamily="18" charset="0"/>
+                          </a:rPr>
+                          <m:t>316</m:t>
+                        </m:r>
+                      </m:num>
+                      <m:den>
+                        <m:r>
+                          <a:rPr lang="en-US" sz="1400" i="1">
+                            <a:latin typeface="Cambria Math" panose="02040503050406030204" pitchFamily="18" charset="0"/>
+                          </a:rPr>
+                          <m:t>1994</m:t>
+                        </m:r>
+                      </m:den>
+                    </m:f>
+                    <m:r>
+                      <a:rPr lang="en-US" sz="1400" b="0" i="1" smtClean="0">
+                        <a:latin typeface="Cambria Math" panose="02040503050406030204" pitchFamily="18" charset="0"/>
+                      </a:rPr>
+                      <m:t>1127.4+</m:t>
+                    </m:r>
+                    <m:f>
+                      <m:fPr>
+                        <m:ctrlPr>
+                          <a:rPr lang="en-US" sz="1400" i="1">
+                            <a:latin typeface="Cambria Math" panose="02040503050406030204" pitchFamily="18" charset="0"/>
+                          </a:rPr>
+                        </m:ctrlPr>
+                      </m:fPr>
+                      <m:num>
+                        <m:r>
+                          <a:rPr lang="en-US" sz="1400" b="0" i="1" smtClean="0">
+                            <a:latin typeface="Cambria Math" panose="02040503050406030204" pitchFamily="18" charset="0"/>
+                          </a:rPr>
+                          <m:t>34</m:t>
+                        </m:r>
+                      </m:num>
+                      <m:den>
+                        <m:r>
+                          <a:rPr lang="en-US" sz="1400" i="1">
+                            <a:latin typeface="Cambria Math" panose="02040503050406030204" pitchFamily="18" charset="0"/>
+                          </a:rPr>
+                          <m:t>1994</m:t>
+                        </m:r>
+                      </m:den>
+                    </m:f>
+                    <m:r>
+                      <a:rPr lang="en-US" sz="1400" b="0" i="1" smtClean="0">
+                        <a:latin typeface="Cambria Math" panose="02040503050406030204" pitchFamily="18" charset="0"/>
+                      </a:rPr>
+                      <m:t>2085.51=461.6</m:t>
+                    </m:r>
+                  </m:oMath>
+                </a14:m>
+                <a:endParaRPr lang="ru-RU" sz="1400" dirty="0"/>
+              </a:p>
+            </p:txBody>
+          </p:sp>
+        </mc:Choice>
+        <mc:Fallback>
+          <p:sp>
+            <p:nvSpPr>
+              <p:cNvPr id="8" name="TextBox 7"/>
+              <p:cNvSpPr txBox="1">
+                <a:spLocks noRot="1" noChangeAspect="1" noMove="1" noResize="1" noEditPoints="1" noAdjustHandles="1" noChangeArrowheads="1" noChangeShapeType="1" noTextEdit="1"/>
+              </p:cNvSpPr>
+              <p:nvPr/>
+            </p:nvSpPr>
+            <p:spPr>
+              <a:xfrm>
+                <a:off x="811489" y="1132937"/>
+                <a:ext cx="6694200" cy="401200"/>
+              </a:xfrm>
+              <a:prstGeom prst="rect">
+                <a:avLst/>
+              </a:prstGeom>
+              <a:blipFill>
+                <a:blip r:embed="rId3"/>
+                <a:stretch>
+                  <a:fillRect l="-273"/>
+                </a:stretch>
+              </a:blipFill>
+            </p:spPr>
+            <p:txBody>
+              <a:bodyPr/>
+              <a:lstStyle/>
+              <a:p>
+                <a:r>
+                  <a:rPr lang="ru-RU">
+                    <a:noFill/>
+                  </a:rPr>
+                  <a:t> </a:t>
+                </a:r>
+              </a:p>
+            </p:txBody>
+          </p:sp>
+        </mc:Fallback>
+      </mc:AlternateContent>
+      <p:sp>
+        <p:nvSpPr>
+          <p:cNvPr id="9" name="TextBox 8"/>
+          <p:cNvSpPr txBox="1"/>
+          <p:nvPr/>
+        </p:nvSpPr>
+        <p:spPr>
+          <a:xfrm>
+            <a:off x="790322" y="1742319"/>
+            <a:ext cx="5400000" cy="307777"/>
+          </a:xfrm>
+          <a:prstGeom prst="rect">
+            <a:avLst/>
+          </a:prstGeom>
+          <a:noFill/>
+        </p:spPr>
+        <p:txBody>
+          <a:bodyPr wrap="square" rtlCol="0">
+            <a:spAutoFit/>
+          </a:bodyPr>
+          <a:lstStyle/>
+          <a:p>
+            <a:r>
+              <a:rPr lang="ru-RU" sz="1400" dirty="0" smtClean="0"/>
+              <a:t>Результат прогноза при добавлении </a:t>
+            </a:r>
+            <a:r>
+              <a:rPr lang="ru-RU" sz="1400" dirty="0" err="1" smtClean="0"/>
+              <a:t>фичи</a:t>
+            </a:r>
+            <a:r>
+              <a:rPr lang="ru-RU" sz="1400" dirty="0" smtClean="0"/>
+              <a:t> </a:t>
+            </a:r>
+            <a:r>
+              <a:rPr lang="en-US" sz="1400" dirty="0"/>
+              <a:t>race</a:t>
+            </a:r>
+            <a:endParaRPr lang="ru-RU" sz="1400" dirty="0"/>
+          </a:p>
+        </p:txBody>
+      </p:sp>
+      <mc:AlternateContent xmlns:mc="http://schemas.openxmlformats.org/markup-compatibility/2006">
+        <mc:Choice xmlns:a14="http://schemas.microsoft.com/office/drawing/2010/main" Requires="a14">
+          <p:sp>
+            <p:nvSpPr>
+              <p:cNvPr id="11" name="TextBox 10"/>
+              <p:cNvSpPr txBox="1"/>
+              <p:nvPr/>
+            </p:nvSpPr>
+            <p:spPr>
+              <a:xfrm>
+                <a:off x="802200" y="2052308"/>
+                <a:ext cx="6442200" cy="398314"/>
+              </a:xfrm>
+              <a:prstGeom prst="rect">
+                <a:avLst/>
+              </a:prstGeom>
+              <a:noFill/>
+            </p:spPr>
+            <p:txBody>
+              <a:bodyPr wrap="square" rtlCol="0">
+                <a:spAutoFit/>
+              </a:bodyPr>
+              <a:lstStyle/>
+              <a:p>
+                <a14:m>
+                  <m:oMath xmlns:m="http://schemas.openxmlformats.org/officeDocument/2006/math">
+                    <m:r>
+                      <a:rPr lang="en-US" sz="1400" b="0" i="1" smtClean="0">
+                        <a:latin typeface="Cambria Math" panose="02040503050406030204" pitchFamily="18" charset="0"/>
+                      </a:rPr>
+                      <m:t>𝑃</m:t>
+                    </m:r>
+                    <m:r>
+                      <a:rPr lang="en-US" sz="1400" b="0" i="1" smtClean="0">
+                        <a:latin typeface="Cambria Math" panose="02040503050406030204" pitchFamily="18" charset="0"/>
+                      </a:rPr>
+                      <m:t>(</m:t>
+                    </m:r>
+                    <m:r>
+                      <a:rPr lang="en-US" sz="1400" b="0" i="1" smtClean="0">
+                        <a:latin typeface="Cambria Math" panose="02040503050406030204" pitchFamily="18" charset="0"/>
+                      </a:rPr>
+                      <m:t>𝑆</m:t>
+                    </m:r>
+                    <m:r>
+                      <a:rPr lang="en-US" sz="1400" b="0" i="1" smtClean="0">
+                        <a:latin typeface="Cambria Math" panose="02040503050406030204" pitchFamily="18" charset="0"/>
+                        <a:ea typeface="Cambria Math" panose="02040503050406030204" pitchFamily="18" charset="0"/>
+                      </a:rPr>
+                      <m:t>∪</m:t>
+                    </m:r>
+                    <m:d>
+                      <m:dPr>
+                        <m:begChr m:val="{"/>
+                        <m:endChr m:val="}"/>
+                        <m:ctrlPr>
+                          <a:rPr lang="en-US" sz="1400" b="0" i="1" smtClean="0">
+                            <a:latin typeface="Cambria Math" panose="02040503050406030204" pitchFamily="18" charset="0"/>
+                            <a:ea typeface="Cambria Math" panose="02040503050406030204" pitchFamily="18" charset="0"/>
+                          </a:rPr>
+                        </m:ctrlPr>
+                      </m:dPr>
+                      <m:e>
+                        <m:r>
+                          <m:rPr>
+                            <m:nor/>
+                          </m:rPr>
+                          <a:rPr lang="en-US" sz="1400" dirty="0"/>
+                          <m:t>race</m:t>
+                        </m:r>
+                      </m:e>
+                    </m:d>
+                    <m:r>
+                      <a:rPr lang="en-US" sz="1400" b="0" i="1" smtClean="0">
+                        <a:latin typeface="Cambria Math" panose="02040503050406030204" pitchFamily="18" charset="0"/>
+                        <a:ea typeface="Cambria Math" panose="02040503050406030204" pitchFamily="18" charset="0"/>
+                      </a:rPr>
+                      <m:t>)</m:t>
+                    </m:r>
+                  </m:oMath>
+                </a14:m>
+                <a:r>
+                  <a:rPr lang="en-US" sz="1400" dirty="0" smtClean="0"/>
+                  <a:t>= </a:t>
+                </a:r>
+                <a14:m>
+                  <m:oMath xmlns:m="http://schemas.openxmlformats.org/officeDocument/2006/math">
+                    <m:f>
+                      <m:fPr>
+                        <m:ctrlPr>
+                          <a:rPr lang="en-US" sz="1400" i="1" dirty="0" smtClean="0">
+                            <a:latin typeface="Cambria Math" panose="02040503050406030204" pitchFamily="18" charset="0"/>
+                          </a:rPr>
+                        </m:ctrlPr>
+                      </m:fPr>
+                      <m:num>
+                        <m:r>
+                          <a:rPr lang="en-US" sz="1400" b="0" i="1" dirty="0" smtClean="0">
+                            <a:latin typeface="Cambria Math" panose="02040503050406030204" pitchFamily="18" charset="0"/>
+                          </a:rPr>
+                          <m:t>316</m:t>
+                        </m:r>
+                      </m:num>
+                      <m:den>
+                        <m:r>
+                          <a:rPr lang="en-US" sz="1400" b="0" i="1" dirty="0" smtClean="0">
+                            <a:latin typeface="Cambria Math" panose="02040503050406030204" pitchFamily="18" charset="0"/>
+                          </a:rPr>
+                          <m:t>350</m:t>
+                        </m:r>
+                      </m:den>
+                    </m:f>
+                    <m:r>
+                      <a:rPr lang="en-US" sz="1400" b="0" i="1" dirty="0" smtClean="0">
+                        <a:latin typeface="Cambria Math" panose="02040503050406030204" pitchFamily="18" charset="0"/>
+                      </a:rPr>
+                      <m:t>1127.4+</m:t>
+                    </m:r>
+                    <m:f>
+                      <m:fPr>
+                        <m:ctrlPr>
+                          <a:rPr lang="en-US" sz="1400" b="0" i="1" dirty="0" smtClean="0">
+                            <a:latin typeface="Cambria Math" panose="02040503050406030204" pitchFamily="18" charset="0"/>
+                          </a:rPr>
+                        </m:ctrlPr>
+                      </m:fPr>
+                      <m:num>
+                        <m:r>
+                          <a:rPr lang="en-US" sz="1400" b="0" i="1" dirty="0" smtClean="0">
+                            <a:latin typeface="Cambria Math" panose="02040503050406030204" pitchFamily="18" charset="0"/>
+                          </a:rPr>
+                          <m:t>34</m:t>
+                        </m:r>
+                      </m:num>
+                      <m:den>
+                        <m:r>
+                          <a:rPr lang="en-US" sz="1400" b="0" i="1" dirty="0" smtClean="0">
+                            <a:latin typeface="Cambria Math" panose="02040503050406030204" pitchFamily="18" charset="0"/>
+                          </a:rPr>
+                          <m:t>350</m:t>
+                        </m:r>
+                      </m:den>
+                    </m:f>
+                    <m:r>
+                      <a:rPr lang="en-US" sz="1400" b="0" i="1" dirty="0" smtClean="0">
+                        <a:latin typeface="Cambria Math" panose="02040503050406030204" pitchFamily="18" charset="0"/>
+                      </a:rPr>
+                      <m:t>2085.51=1220.52</m:t>
+                    </m:r>
+                  </m:oMath>
+                </a14:m>
+                <a:r>
+                  <a:rPr lang="en-US" sz="1400" dirty="0" smtClean="0"/>
+                  <a:t> </a:t>
+                </a:r>
+                <a:endParaRPr lang="ru-RU" sz="1400" dirty="0"/>
+              </a:p>
+            </p:txBody>
+          </p:sp>
+        </mc:Choice>
+        <mc:Fallback>
+          <p:sp>
+            <p:nvSpPr>
+              <p:cNvPr id="11" name="TextBox 10"/>
+              <p:cNvSpPr txBox="1">
+                <a:spLocks noRot="1" noChangeAspect="1" noMove="1" noResize="1" noEditPoints="1" noAdjustHandles="1" noChangeArrowheads="1" noChangeShapeType="1" noTextEdit="1"/>
+              </p:cNvSpPr>
+              <p:nvPr/>
+            </p:nvSpPr>
+            <p:spPr>
+              <a:xfrm>
+                <a:off x="802200" y="2052308"/>
+                <a:ext cx="6442200" cy="398314"/>
+              </a:xfrm>
+              <a:prstGeom prst="rect">
+                <a:avLst/>
+              </a:prstGeom>
+              <a:blipFill>
+                <a:blip r:embed="rId4"/>
+                <a:stretch>
+                  <a:fillRect b="-1538"/>
+                </a:stretch>
+              </a:blipFill>
+            </p:spPr>
+            <p:txBody>
+              <a:bodyPr/>
+              <a:lstStyle/>
+              <a:p>
+                <a:r>
+                  <a:rPr lang="ru-RU">
+                    <a:noFill/>
+                  </a:rPr>
+                  <a:t> </a:t>
+                </a:r>
+              </a:p>
+            </p:txBody>
+          </p:sp>
+        </mc:Fallback>
+      </mc:AlternateContent>
+      <p:sp>
+        <p:nvSpPr>
+          <p:cNvPr id="12" name="TextBox 11"/>
+          <p:cNvSpPr txBox="1"/>
+          <p:nvPr/>
+        </p:nvSpPr>
+        <p:spPr>
+          <a:xfrm>
+            <a:off x="8280000" y="866054"/>
+            <a:ext cx="813600" cy="276999"/>
+          </a:xfrm>
+          <a:prstGeom prst="rect">
+            <a:avLst/>
+          </a:prstGeom>
+          <a:noFill/>
+        </p:spPr>
+        <p:txBody>
+          <a:bodyPr wrap="square" rtlCol="0">
+            <a:spAutoFit/>
+          </a:bodyPr>
+          <a:lstStyle/>
+          <a:p>
+            <a:r>
+              <a:rPr lang="en-US" sz="1200" dirty="0" smtClean="0"/>
+              <a:t>True</a:t>
+            </a:r>
+            <a:endParaRPr lang="ru-RU" sz="1200" dirty="0"/>
+          </a:p>
+        </p:txBody>
+      </p:sp>
+      <p:sp>
+        <p:nvSpPr>
+          <p:cNvPr id="13" name="TextBox 12"/>
+          <p:cNvSpPr txBox="1"/>
+          <p:nvPr/>
+        </p:nvSpPr>
+        <p:spPr>
+          <a:xfrm>
+            <a:off x="10059600" y="2441232"/>
+            <a:ext cx="813600" cy="276999"/>
+          </a:xfrm>
+          <a:prstGeom prst="rect">
+            <a:avLst/>
+          </a:prstGeom>
+          <a:noFill/>
+        </p:spPr>
+        <p:txBody>
+          <a:bodyPr wrap="square" rtlCol="0">
+            <a:spAutoFit/>
+          </a:bodyPr>
+          <a:lstStyle/>
+          <a:p>
+            <a:r>
+              <a:rPr lang="en-US" sz="1200" dirty="0" smtClean="0"/>
+              <a:t>True</a:t>
+            </a:r>
+            <a:endParaRPr lang="ru-RU" sz="1200" dirty="0"/>
+          </a:p>
+        </p:txBody>
+      </p:sp>
+      <p:sp>
+        <p:nvSpPr>
+          <p:cNvPr id="14" name="TextBox 13"/>
+          <p:cNvSpPr txBox="1"/>
+          <p:nvPr/>
+        </p:nvSpPr>
+        <p:spPr>
+          <a:xfrm>
+            <a:off x="7086600" y="2441231"/>
+            <a:ext cx="813600" cy="276999"/>
+          </a:xfrm>
+          <a:prstGeom prst="rect">
+            <a:avLst/>
+          </a:prstGeom>
+          <a:noFill/>
+        </p:spPr>
+        <p:txBody>
+          <a:bodyPr wrap="square" rtlCol="0">
+            <a:spAutoFit/>
+          </a:bodyPr>
+          <a:lstStyle/>
+          <a:p>
+            <a:r>
+              <a:rPr lang="en-US" sz="1200" dirty="0" smtClean="0"/>
+              <a:t>True</a:t>
+            </a:r>
+            <a:endParaRPr lang="ru-RU" sz="1200" dirty="0"/>
+          </a:p>
+        </p:txBody>
+      </p:sp>
+      <p:sp>
+        <p:nvSpPr>
+          <p:cNvPr id="15" name="TextBox 14"/>
+          <p:cNvSpPr txBox="1"/>
+          <p:nvPr/>
+        </p:nvSpPr>
+        <p:spPr>
+          <a:xfrm>
+            <a:off x="8369700" y="2441230"/>
+            <a:ext cx="813600" cy="276999"/>
+          </a:xfrm>
+          <a:prstGeom prst="rect">
+            <a:avLst/>
+          </a:prstGeom>
+          <a:noFill/>
+        </p:spPr>
+        <p:txBody>
+          <a:bodyPr wrap="square" rtlCol="0">
+            <a:spAutoFit/>
+          </a:bodyPr>
+          <a:lstStyle/>
+          <a:p>
+            <a:r>
+              <a:rPr lang="en-US" sz="1200" dirty="0" smtClean="0"/>
+              <a:t>False</a:t>
+            </a:r>
+            <a:endParaRPr lang="ru-RU" sz="1200" dirty="0"/>
+          </a:p>
+        </p:txBody>
+      </p:sp>
+      <p:sp>
+        <p:nvSpPr>
+          <p:cNvPr id="16" name="TextBox 15"/>
+          <p:cNvSpPr txBox="1"/>
+          <p:nvPr/>
+        </p:nvSpPr>
+        <p:spPr>
+          <a:xfrm>
+            <a:off x="10184400" y="866053"/>
+            <a:ext cx="813600" cy="276999"/>
+          </a:xfrm>
+          <a:prstGeom prst="rect">
+            <a:avLst/>
+          </a:prstGeom>
+          <a:noFill/>
+        </p:spPr>
+        <p:txBody>
+          <a:bodyPr wrap="square" rtlCol="0">
+            <a:spAutoFit/>
+          </a:bodyPr>
+          <a:lstStyle/>
+          <a:p>
+            <a:r>
+              <a:rPr lang="en-US" sz="1200" dirty="0" smtClean="0"/>
+              <a:t>False</a:t>
+            </a:r>
+            <a:endParaRPr lang="ru-RU" sz="1200" dirty="0"/>
+          </a:p>
+        </p:txBody>
+      </p:sp>
+      <p:sp>
+        <p:nvSpPr>
+          <p:cNvPr id="17" name="TextBox 16"/>
+          <p:cNvSpPr txBox="1"/>
+          <p:nvPr/>
+        </p:nvSpPr>
+        <p:spPr>
+          <a:xfrm>
+            <a:off x="11335500" y="2446730"/>
+            <a:ext cx="813600" cy="276999"/>
+          </a:xfrm>
+          <a:prstGeom prst="rect">
+            <a:avLst/>
+          </a:prstGeom>
+          <a:noFill/>
+        </p:spPr>
+        <p:txBody>
+          <a:bodyPr wrap="square" rtlCol="0">
+            <a:spAutoFit/>
+          </a:bodyPr>
+          <a:lstStyle/>
+          <a:p>
+            <a:r>
+              <a:rPr lang="en-US" sz="1200" dirty="0" smtClean="0"/>
+              <a:t>False</a:t>
+            </a:r>
+            <a:endParaRPr lang="ru-RU" sz="1200" dirty="0"/>
+          </a:p>
+        </p:txBody>
+      </p:sp>
+      <mc:AlternateContent xmlns:mc="http://schemas.openxmlformats.org/markup-compatibility/2006">
+        <mc:Choice xmlns:a14="http://schemas.microsoft.com/office/drawing/2010/main" Requires="a14">
+          <p:sp>
+            <p:nvSpPr>
+              <p:cNvPr id="18" name="Прямоугольник 17"/>
+              <p:cNvSpPr/>
+              <p:nvPr/>
+            </p:nvSpPr>
+            <p:spPr>
+              <a:xfrm>
+                <a:off x="811489" y="2400747"/>
+                <a:ext cx="5884511" cy="948593"/>
+              </a:xfrm>
+              <a:prstGeom prst="rect">
+                <a:avLst/>
+              </a:prstGeom>
+            </p:spPr>
+            <p:txBody>
+              <a:bodyPr wrap="square">
+                <a:spAutoFit/>
+              </a:bodyPr>
+              <a:lstStyle/>
+              <a:p>
+                <a14:m>
+                  <m:oMath xmlns:m="http://schemas.openxmlformats.org/officeDocument/2006/math">
+                    <m:sSub>
+                      <m:sSubPr>
+                        <m:ctrlPr>
+                          <a:rPr lang="ru-RU" sz="1400" i="1">
+                            <a:latin typeface="Cambria Math" panose="02040503050406030204" pitchFamily="18" charset="0"/>
+                          </a:rPr>
+                        </m:ctrlPr>
+                      </m:sSubPr>
+                      <m:e>
+                        <m:r>
+                          <a:rPr lang="ru-RU" sz="1400" i="1">
+                            <a:latin typeface="Cambria Math" panose="02040503050406030204" pitchFamily="18" charset="0"/>
+                          </a:rPr>
+                          <m:t>ф</m:t>
+                        </m:r>
+                      </m:e>
+                      <m:sub>
+                        <m:r>
+                          <a:rPr lang="en-US" sz="1400" i="1">
+                            <a:latin typeface="Cambria Math" panose="02040503050406030204" pitchFamily="18" charset="0"/>
+                          </a:rPr>
+                          <m:t>𝑟𝑎𝑐𝑒</m:t>
+                        </m:r>
+                        <m:r>
+                          <a:rPr lang="en-US" sz="1400" i="1">
+                            <a:latin typeface="Cambria Math" panose="02040503050406030204" pitchFamily="18" charset="0"/>
+                          </a:rPr>
+                          <m:t>1</m:t>
+                        </m:r>
+                      </m:sub>
+                    </m:sSub>
+                    <m:d>
+                      <m:dPr>
+                        <m:ctrlPr>
+                          <a:rPr lang="en-US" sz="1400" i="1">
+                            <a:latin typeface="Cambria Math" panose="02040503050406030204" pitchFamily="18" charset="0"/>
+                          </a:rPr>
+                        </m:ctrlPr>
+                      </m:dPr>
+                      <m:e>
+                        <m:r>
+                          <a:rPr lang="en-US" sz="1400" i="1">
+                            <a:latin typeface="Cambria Math" panose="02040503050406030204" pitchFamily="18" charset="0"/>
+                          </a:rPr>
+                          <m:t>𝑝</m:t>
+                        </m:r>
+                      </m:e>
+                    </m:d>
+                    <m:r>
+                      <a:rPr lang="en-US" sz="1400" i="1">
+                        <a:latin typeface="Cambria Math" panose="02040503050406030204" pitchFamily="18" charset="0"/>
+                      </a:rPr>
+                      <m:t>=</m:t>
+                    </m:r>
+                    <m:f>
+                      <m:fPr>
+                        <m:ctrlPr>
+                          <a:rPr lang="en-US" sz="1400" i="1">
+                            <a:latin typeface="Cambria Math" panose="02040503050406030204" pitchFamily="18" charset="0"/>
+                          </a:rPr>
+                        </m:ctrlPr>
+                      </m:fPr>
+                      <m:num>
+                        <m:d>
+                          <m:dPr>
+                            <m:begChr m:val="|"/>
+                            <m:endChr m:val="|"/>
+                            <m:ctrlPr>
+                              <a:rPr lang="en-US" sz="1400" i="1">
+                                <a:latin typeface="Cambria Math" panose="02040503050406030204" pitchFamily="18" charset="0"/>
+                              </a:rPr>
+                            </m:ctrlPr>
+                          </m:dPr>
+                          <m:e>
+                            <m:r>
+                              <a:rPr lang="en-US" sz="1400" i="1">
+                                <a:latin typeface="Cambria Math" panose="02040503050406030204" pitchFamily="18" charset="0"/>
+                              </a:rPr>
+                              <m:t>𝑆</m:t>
+                            </m:r>
+                          </m:e>
+                        </m:d>
+                        <m:r>
+                          <a:rPr lang="en-US" sz="1400" i="1">
+                            <a:latin typeface="Cambria Math" panose="02040503050406030204" pitchFamily="18" charset="0"/>
+                          </a:rPr>
+                          <m:t>!</m:t>
+                        </m:r>
+                        <m:d>
+                          <m:dPr>
+                            <m:ctrlPr>
+                              <a:rPr lang="en-US" sz="1400" i="1">
+                                <a:latin typeface="Cambria Math" panose="02040503050406030204" pitchFamily="18" charset="0"/>
+                              </a:rPr>
+                            </m:ctrlPr>
+                          </m:dPr>
+                          <m:e>
+                            <m:r>
+                              <a:rPr lang="en-US" sz="1400" i="1">
+                                <a:latin typeface="Cambria Math" panose="02040503050406030204" pitchFamily="18" charset="0"/>
+                              </a:rPr>
+                              <m:t>𝑛</m:t>
+                            </m:r>
+                            <m:r>
+                              <a:rPr lang="en-US" sz="1400" i="1">
+                                <a:latin typeface="Cambria Math" panose="02040503050406030204" pitchFamily="18" charset="0"/>
+                              </a:rPr>
+                              <m:t>−</m:t>
+                            </m:r>
+                            <m:d>
+                              <m:dPr>
+                                <m:begChr m:val="|"/>
+                                <m:endChr m:val="|"/>
+                                <m:ctrlPr>
+                                  <a:rPr lang="en-US" sz="1400" i="1">
+                                    <a:latin typeface="Cambria Math" panose="02040503050406030204" pitchFamily="18" charset="0"/>
+                                  </a:rPr>
+                                </m:ctrlPr>
+                              </m:dPr>
+                              <m:e>
+                                <m:r>
+                                  <a:rPr lang="en-US" sz="1400" i="1">
+                                    <a:latin typeface="Cambria Math" panose="02040503050406030204" pitchFamily="18" charset="0"/>
+                                  </a:rPr>
+                                  <m:t>𝑆</m:t>
+                                </m:r>
+                              </m:e>
+                            </m:d>
+                            <m:r>
+                              <a:rPr lang="en-US" sz="1400" i="1">
+                                <a:latin typeface="Cambria Math" panose="02040503050406030204" pitchFamily="18" charset="0"/>
+                              </a:rPr>
+                              <m:t>−1</m:t>
+                            </m:r>
+                          </m:e>
+                        </m:d>
+                        <m:r>
+                          <a:rPr lang="en-US" sz="1400" i="1">
+                            <a:latin typeface="Cambria Math" panose="02040503050406030204" pitchFamily="18" charset="0"/>
+                          </a:rPr>
+                          <m:t>!</m:t>
+                        </m:r>
+                      </m:num>
+                      <m:den>
+                        <m:r>
+                          <a:rPr lang="en-US" sz="1400" i="1">
+                            <a:latin typeface="Cambria Math" panose="02040503050406030204" pitchFamily="18" charset="0"/>
+                          </a:rPr>
+                          <m:t>𝑛</m:t>
+                        </m:r>
+                        <m:r>
+                          <a:rPr lang="en-US" sz="1400" i="1">
+                            <a:latin typeface="Cambria Math" panose="02040503050406030204" pitchFamily="18" charset="0"/>
+                          </a:rPr>
+                          <m:t>!</m:t>
+                        </m:r>
+                      </m:den>
+                    </m:f>
+                    <m:r>
+                      <a:rPr lang="en-US" sz="1400" i="1">
+                        <a:latin typeface="Cambria Math" panose="02040503050406030204" pitchFamily="18" charset="0"/>
+                      </a:rPr>
+                      <m:t>(</m:t>
+                    </m:r>
+                    <m:r>
+                      <a:rPr lang="en-US" sz="1400" i="1">
+                        <a:latin typeface="Cambria Math" panose="02040503050406030204" pitchFamily="18" charset="0"/>
+                      </a:rPr>
+                      <m:t>𝑝</m:t>
+                    </m:r>
+                    <m:d>
+                      <m:dPr>
+                        <m:ctrlPr>
+                          <a:rPr lang="en-US" sz="1400" i="1">
+                            <a:latin typeface="Cambria Math" panose="02040503050406030204" pitchFamily="18" charset="0"/>
+                          </a:rPr>
+                        </m:ctrlPr>
+                      </m:dPr>
+                      <m:e>
+                        <m:r>
+                          <a:rPr lang="en-US" sz="1400" i="1">
+                            <a:latin typeface="Cambria Math" panose="02040503050406030204" pitchFamily="18" charset="0"/>
+                          </a:rPr>
+                          <m:t>𝑆</m:t>
+                        </m:r>
+                        <m:r>
+                          <a:rPr lang="en-US" sz="1400" i="1">
+                            <a:latin typeface="Cambria Math" panose="02040503050406030204" pitchFamily="18" charset="0"/>
+                            <a:ea typeface="Cambria Math" panose="02040503050406030204" pitchFamily="18" charset="0"/>
+                          </a:rPr>
+                          <m:t>∪</m:t>
+                        </m:r>
+                        <m:d>
+                          <m:dPr>
+                            <m:begChr m:val="{"/>
+                            <m:endChr m:val="}"/>
+                            <m:ctrlPr>
+                              <a:rPr lang="en-US" sz="1400" i="1">
+                                <a:latin typeface="Cambria Math" panose="02040503050406030204" pitchFamily="18" charset="0"/>
+                                <a:ea typeface="Cambria Math" panose="02040503050406030204" pitchFamily="18" charset="0"/>
+                              </a:rPr>
+                            </m:ctrlPr>
+                          </m:dPr>
+                          <m:e>
+                            <m:r>
+                              <a:rPr lang="en-US" sz="1400" i="1">
+                                <a:latin typeface="Cambria Math" panose="02040503050406030204" pitchFamily="18" charset="0"/>
+                                <a:ea typeface="Cambria Math" panose="02040503050406030204" pitchFamily="18" charset="0"/>
+                              </a:rPr>
+                              <m:t>𝑟𝑎𝑐𝑒</m:t>
+                            </m:r>
+                          </m:e>
+                        </m:d>
+                      </m:e>
+                    </m:d>
+                    <m:r>
+                      <a:rPr lang="en-US" sz="1400" i="1">
+                        <a:latin typeface="Cambria Math" panose="02040503050406030204" pitchFamily="18" charset="0"/>
+                        <a:ea typeface="Cambria Math" panose="02040503050406030204" pitchFamily="18" charset="0"/>
+                      </a:rPr>
+                      <m:t>−</m:t>
+                    </m:r>
+                    <m:r>
+                      <a:rPr lang="en-US" sz="1400" i="1">
+                        <a:latin typeface="Cambria Math" panose="02040503050406030204" pitchFamily="18" charset="0"/>
+                        <a:ea typeface="Cambria Math" panose="02040503050406030204" pitchFamily="18" charset="0"/>
+                      </a:rPr>
+                      <m:t>𝑝</m:t>
+                    </m:r>
+                    <m:d>
+                      <m:dPr>
+                        <m:ctrlPr>
+                          <a:rPr lang="en-US" sz="1400" i="1">
+                            <a:latin typeface="Cambria Math" panose="02040503050406030204" pitchFamily="18" charset="0"/>
+                            <a:ea typeface="Cambria Math" panose="02040503050406030204" pitchFamily="18" charset="0"/>
+                          </a:rPr>
+                        </m:ctrlPr>
+                      </m:dPr>
+                      <m:e>
+                        <m:r>
+                          <a:rPr lang="en-US" sz="1400" i="1">
+                            <a:latin typeface="Cambria Math" panose="02040503050406030204" pitchFamily="18" charset="0"/>
+                            <a:ea typeface="Cambria Math" panose="02040503050406030204" pitchFamily="18" charset="0"/>
+                          </a:rPr>
+                          <m:t>𝑆</m:t>
+                        </m:r>
+                      </m:e>
+                    </m:d>
+                    <m:r>
+                      <a:rPr lang="en-US" sz="1400" i="1">
+                        <a:latin typeface="Cambria Math" panose="02040503050406030204" pitchFamily="18" charset="0"/>
+                        <a:ea typeface="Cambria Math" panose="02040503050406030204" pitchFamily="18" charset="0"/>
+                      </a:rPr>
+                      <m:t>)</m:t>
+                    </m:r>
+                  </m:oMath>
+                </a14:m>
+                <a:r>
+                  <a:rPr lang="en-US" sz="1400" dirty="0"/>
+                  <a:t> =</a:t>
+                </a:r>
+                <a:r>
+                  <a:rPr lang="en-US" sz="1400" dirty="0"/>
+                  <a:t>	</a:t>
+                </a:r>
+                <a:endParaRPr lang="en-US" sz="1400" dirty="0"/>
+              </a:p>
+              <a:p>
+                <a:r>
+                  <a:rPr lang="en-US" sz="1400" dirty="0"/>
+                  <a:t>	</a:t>
+                </a:r>
+                <a:r>
+                  <a:rPr lang="en-US" sz="1400" dirty="0"/>
+                  <a:t>	</a:t>
+                </a:r>
+              </a:p>
+              <a:p>
+                <a:r>
+                  <a:rPr lang="en-US" sz="1400" dirty="0"/>
+                  <a:t>	</a:t>
+                </a:r>
+                <a:r>
+                  <a:rPr lang="en-US" sz="1400" dirty="0"/>
+                  <a:t>			= </a:t>
+                </a:r>
+                <a14:m>
+                  <m:oMath xmlns:m="http://schemas.openxmlformats.org/officeDocument/2006/math">
+                    <m:f>
+                      <m:fPr>
+                        <m:ctrlPr>
+                          <a:rPr lang="en-US" sz="1400" i="1">
+                            <a:latin typeface="Cambria Math" panose="02040503050406030204" pitchFamily="18" charset="0"/>
+                          </a:rPr>
+                        </m:ctrlPr>
+                      </m:fPr>
+                      <m:num>
+                        <m:r>
+                          <a:rPr lang="en-US" sz="1400" i="1">
+                            <a:latin typeface="Cambria Math" panose="02040503050406030204" pitchFamily="18" charset="0"/>
+                          </a:rPr>
+                          <m:t>0!</m:t>
+                        </m:r>
+                        <m:d>
+                          <m:dPr>
+                            <m:ctrlPr>
+                              <a:rPr lang="en-US" sz="1400" i="1">
+                                <a:latin typeface="Cambria Math" panose="02040503050406030204" pitchFamily="18" charset="0"/>
+                              </a:rPr>
+                            </m:ctrlPr>
+                          </m:dPr>
+                          <m:e>
+                            <m:r>
+                              <a:rPr lang="en-US" sz="1400" i="1">
+                                <a:latin typeface="Cambria Math" panose="02040503050406030204" pitchFamily="18" charset="0"/>
+                              </a:rPr>
+                              <m:t>2−0−1</m:t>
+                            </m:r>
+                          </m:e>
+                        </m:d>
+                        <m:r>
+                          <a:rPr lang="en-US" sz="1400" i="1">
+                            <a:latin typeface="Cambria Math" panose="02040503050406030204" pitchFamily="18" charset="0"/>
+                          </a:rPr>
+                          <m:t>!</m:t>
+                        </m:r>
+                      </m:num>
+                      <m:den>
+                        <m:r>
+                          <a:rPr lang="en-US" sz="1400" i="1">
+                            <a:latin typeface="Cambria Math" panose="02040503050406030204" pitchFamily="18" charset="0"/>
+                          </a:rPr>
+                          <m:t>2!</m:t>
+                        </m:r>
+                      </m:den>
+                    </m:f>
+                    <m:d>
+                      <m:dPr>
+                        <m:ctrlPr>
+                          <a:rPr lang="en-US" sz="1400" i="1">
+                            <a:latin typeface="Cambria Math" panose="02040503050406030204" pitchFamily="18" charset="0"/>
+                          </a:rPr>
+                        </m:ctrlPr>
+                      </m:dPr>
+                      <m:e>
+                        <m:r>
+                          <a:rPr lang="en-US" sz="1400" i="1">
+                            <a:latin typeface="Cambria Math" panose="02040503050406030204" pitchFamily="18" charset="0"/>
+                          </a:rPr>
+                          <m:t>1220.52−461.6</m:t>
+                        </m:r>
+                      </m:e>
+                    </m:d>
+                    <m:r>
+                      <a:rPr lang="en-US" sz="1400" i="1">
+                        <a:latin typeface="Cambria Math" panose="02040503050406030204" pitchFamily="18" charset="0"/>
+                      </a:rPr>
+                      <m:t>=379.46</m:t>
+                    </m:r>
+                  </m:oMath>
+                </a14:m>
+                <a:endParaRPr lang="en-US" sz="1400" dirty="0"/>
+              </a:p>
+            </p:txBody>
+          </p:sp>
+        </mc:Choice>
+        <mc:Fallback>
+          <p:sp>
+            <p:nvSpPr>
+              <p:cNvPr id="18" name="Прямоугольник 17"/>
+              <p:cNvSpPr>
+                <a:spLocks noRot="1" noChangeAspect="1" noMove="1" noResize="1" noEditPoints="1" noAdjustHandles="1" noChangeArrowheads="1" noChangeShapeType="1" noTextEdit="1"/>
+              </p:cNvSpPr>
+              <p:nvPr/>
+            </p:nvSpPr>
+            <p:spPr>
+              <a:xfrm>
+                <a:off x="811489" y="2400747"/>
+                <a:ext cx="5884511" cy="948593"/>
+              </a:xfrm>
+              <a:prstGeom prst="rect">
+                <a:avLst/>
+              </a:prstGeom>
+              <a:blipFill>
+                <a:blip r:embed="rId5"/>
+                <a:stretch>
+                  <a:fillRect/>
+                </a:stretch>
+              </a:blipFill>
+            </p:spPr>
+            <p:txBody>
+              <a:bodyPr/>
+              <a:lstStyle/>
+              <a:p>
+                <a:r>
+                  <a:rPr lang="ru-RU">
+                    <a:noFill/>
+                  </a:rPr>
+                  <a:t> </a:t>
+                </a:r>
+              </a:p>
+            </p:txBody>
+          </p:sp>
+        </mc:Fallback>
+      </mc:AlternateContent>
+      <p:sp>
+        <p:nvSpPr>
+          <p:cNvPr id="19" name="Прямоугольник 18"/>
+          <p:cNvSpPr/>
+          <p:nvPr/>
+        </p:nvSpPr>
+        <p:spPr>
+          <a:xfrm>
+            <a:off x="737460" y="3428197"/>
+            <a:ext cx="3421129" cy="369332"/>
+          </a:xfrm>
+          <a:prstGeom prst="rect">
+            <a:avLst/>
+          </a:prstGeom>
+        </p:spPr>
+        <p:txBody>
+          <a:bodyPr wrap="none">
+            <a:spAutoFit/>
+          </a:bodyPr>
+          <a:lstStyle/>
+          <a:p>
+            <a:r>
+              <a:rPr lang="en-US" dirty="0" smtClean="0"/>
+              <a:t>2.</a:t>
+            </a:r>
+            <a:r>
+              <a:rPr lang="ru-RU" dirty="0" smtClean="0"/>
+              <a:t> Наличие </a:t>
+            </a:r>
+            <a:r>
+              <a:rPr lang="ru-RU" dirty="0" err="1" smtClean="0"/>
+              <a:t>фичи</a:t>
+            </a:r>
+            <a:r>
+              <a:rPr lang="ru-RU" dirty="0" smtClean="0"/>
+              <a:t> </a:t>
+            </a:r>
+            <a:r>
+              <a:rPr lang="en-US" dirty="0" smtClean="0"/>
+              <a:t>kids </a:t>
+            </a:r>
+            <a:r>
+              <a:rPr lang="en-US" dirty="0"/>
+              <a:t>S</a:t>
+            </a:r>
+            <a:r>
+              <a:rPr lang="en-US" dirty="0" smtClean="0"/>
+              <a:t>={kids}</a:t>
+            </a:r>
+            <a:endParaRPr lang="ru-RU" dirty="0"/>
+          </a:p>
+        </p:txBody>
+      </p:sp>
+      <p:sp>
+        <p:nvSpPr>
+          <p:cNvPr id="21" name="Rectangle 2"/>
+          <p:cNvSpPr>
+            <a:spLocks noChangeArrowheads="1"/>
+          </p:cNvSpPr>
+          <p:nvPr/>
+        </p:nvSpPr>
+        <p:spPr bwMode="auto">
+          <a:xfrm>
+            <a:off x="0" y="90100"/>
+            <a:ext cx="65" cy="276999"/>
+          </a:xfrm>
+          <a:prstGeom prst="rect">
+            <a:avLst/>
+          </a:prstGeom>
+          <a:solidFill>
+            <a:srgbClr val="FFFFFF"/>
+          </a:solidFill>
+          <a:ln>
+            <a:noFill/>
+          </a:ln>
+          <a:effectLst/>
+          <a:extLst>
+            <a:ext uri="{91240B29-F687-4F45-9708-019B960494DF}">
+              <a14:hiddenLine xmlns:a14="http://schemas.microsoft.com/office/drawing/2010/main" w="9525">
+                <a:solidFill>
+                  <a:schemeClr val="tx1"/>
+                </a:solidFill>
+                <a:miter lim="800000"/>
+                <a:headEnd/>
+                <a:tailEnd/>
+              </a14:hiddenLine>
+            </a:ext>
+            <a:ext uri="{AF507438-7753-43E0-B8FC-AC1667EBCBE1}">
+              <a14:hiddenEffects xmlns:a14="http://schemas.microsoft.com/office/drawing/2010/main">
+                <a:effectLst>
+                  <a:outerShdw dist="35921" dir="2700000" algn="ctr" rotWithShape="0">
+                    <a:schemeClr val="bg2"/>
+                  </a:outerShdw>
+                </a:effectLst>
+              </a14:hiddenEffects>
+            </a:ext>
+          </a:extLst>
+        </p:spPr>
+        <p:txBody>
+          <a:bodyPr vert="horz" wrap="none" lIns="0" tIns="0" rIns="0" bIns="0" numCol="1" anchor="ctr" anchorCtr="0" compatLnSpc="1">
+            <a:prstTxWarp prst="textNoShape">
+              <a:avLst/>
+            </a:prstTxWarp>
+            <a:spAutoFit/>
+          </a:bodyPr>
+          <a:lstStyle/>
+          <a:p>
+            <a:pPr marL="0" marR="0" lvl="0" indent="0" algn="l" defTabSz="914400" rtl="0" eaLnBrk="0" fontAlgn="base" latinLnBrk="0" hangingPunct="0">
+              <a:lnSpc>
+                <a:spcPct val="100000"/>
+              </a:lnSpc>
+              <a:spcBef>
+                <a:spcPct val="0"/>
+              </a:spcBef>
+              <a:spcAft>
+                <a:spcPct val="0"/>
+              </a:spcAft>
+              <a:buClrTx/>
+              <a:buSzTx/>
+              <a:buFontTx/>
+              <a:buNone/>
+              <a:tabLst/>
+            </a:pPr>
+            <a:endParaRPr kumimoji="0" lang="ru-RU" altLang="ru-RU" sz="1800" b="0" i="0" u="none" strike="noStrike" cap="none" normalizeH="0" baseline="0" dirty="0" smtClean="0">
+              <a:ln>
+                <a:noFill/>
+              </a:ln>
+              <a:solidFill>
+                <a:schemeClr val="tx1"/>
+              </a:solidFill>
+              <a:effectLst/>
+              <a:latin typeface="Arial" panose="020B0604020202020204" pitchFamily="34" charset="0"/>
+            </a:endParaRPr>
+          </a:p>
+        </p:txBody>
+      </p:sp>
+      <p:sp>
+        <p:nvSpPr>
+          <p:cNvPr id="22" name="Прямоугольник 21"/>
+          <p:cNvSpPr/>
+          <p:nvPr/>
+        </p:nvSpPr>
+        <p:spPr>
+          <a:xfrm>
+            <a:off x="5114689" y="466795"/>
+            <a:ext cx="2215200" cy="461665"/>
+          </a:xfrm>
+          <a:prstGeom prst="rect">
+            <a:avLst/>
+          </a:prstGeom>
+        </p:spPr>
+        <p:txBody>
+          <a:bodyPr wrap="square">
+            <a:spAutoFit/>
+          </a:bodyPr>
+          <a:lstStyle/>
+          <a:p>
+            <a:pPr lvl="0" defTabSz="914400" eaLnBrk="0" fontAlgn="base" hangingPunct="0">
+              <a:spcBef>
+                <a:spcPct val="0"/>
+              </a:spcBef>
+              <a:spcAft>
+                <a:spcPct val="0"/>
+              </a:spcAft>
+            </a:pPr>
+            <a:r>
+              <a:rPr lang="ru-RU" altLang="ru-RU" sz="1200" dirty="0" err="1" smtClean="0">
+                <a:solidFill>
+                  <a:srgbClr val="000000"/>
+                </a:solidFill>
+                <a:latin typeface="Arial" panose="020B0604020202020204" pitchFamily="34" charset="0"/>
+                <a:cs typeface="Arial" panose="020B0604020202020204" pitchFamily="34" charset="0"/>
+              </a:rPr>
+              <a:t>PctKidsBornNeverMar</a:t>
+            </a:r>
+            <a:r>
+              <a:rPr lang="en-US" altLang="ru-RU" sz="1200" dirty="0" smtClean="0">
+                <a:solidFill>
+                  <a:srgbClr val="000000"/>
+                </a:solidFill>
+                <a:latin typeface="Arial" panose="020B0604020202020204" pitchFamily="34" charset="0"/>
+                <a:cs typeface="Arial" panose="020B0604020202020204" pitchFamily="34" charset="0"/>
+              </a:rPr>
+              <a:t>=</a:t>
+            </a:r>
+            <a:r>
+              <a:rPr lang="ru-RU" altLang="ru-RU" sz="1200" dirty="0" smtClean="0">
+                <a:solidFill>
+                  <a:srgbClr val="000000"/>
+                </a:solidFill>
+                <a:latin typeface="Arial" panose="020B0604020202020204" pitchFamily="34" charset="0"/>
+                <a:cs typeface="Arial" panose="020B0604020202020204" pitchFamily="34" charset="0"/>
+              </a:rPr>
+              <a:t>15.07 </a:t>
+            </a:r>
+            <a:endParaRPr lang="en-US" altLang="ru-RU" sz="1200" dirty="0" smtClean="0">
+              <a:solidFill>
+                <a:srgbClr val="000000"/>
+              </a:solidFill>
+              <a:latin typeface="Arial" panose="020B0604020202020204" pitchFamily="34" charset="0"/>
+              <a:cs typeface="Arial" panose="020B0604020202020204" pitchFamily="34" charset="0"/>
+            </a:endParaRPr>
+          </a:p>
+          <a:p>
+            <a:pPr lvl="0" defTabSz="914400" eaLnBrk="0" fontAlgn="base" hangingPunct="0">
+              <a:spcBef>
+                <a:spcPct val="0"/>
+              </a:spcBef>
+              <a:spcAft>
+                <a:spcPct val="0"/>
+              </a:spcAft>
+            </a:pPr>
+            <a:r>
+              <a:rPr lang="en-US" altLang="ru-RU" sz="1200" dirty="0" smtClean="0">
+                <a:solidFill>
+                  <a:srgbClr val="000000"/>
+                </a:solidFill>
+                <a:latin typeface="Arial" panose="020B0604020202020204" pitchFamily="34" charset="0"/>
+                <a:cs typeface="Arial" panose="020B0604020202020204" pitchFamily="34" charset="0"/>
+              </a:rPr>
+              <a:t>R</a:t>
+            </a:r>
+            <a:r>
+              <a:rPr lang="ru-RU" altLang="ru-RU" sz="1200" dirty="0" err="1" smtClean="0">
+                <a:solidFill>
+                  <a:srgbClr val="000000"/>
+                </a:solidFill>
+                <a:latin typeface="Arial" panose="020B0604020202020204" pitchFamily="34" charset="0"/>
+                <a:cs typeface="Arial" panose="020B0604020202020204" pitchFamily="34" charset="0"/>
+              </a:rPr>
+              <a:t>acepctblack</a:t>
+            </a:r>
+            <a:r>
+              <a:rPr lang="en-US" altLang="ru-RU" sz="1200" dirty="0">
+                <a:solidFill>
+                  <a:srgbClr val="000000"/>
+                </a:solidFill>
+                <a:latin typeface="Arial" panose="020B0604020202020204" pitchFamily="34" charset="0"/>
+                <a:cs typeface="Arial" panose="020B0604020202020204" pitchFamily="34" charset="0"/>
+              </a:rPr>
+              <a:t>=</a:t>
+            </a:r>
+            <a:r>
+              <a:rPr lang="ru-RU" altLang="ru-RU" sz="1200" dirty="0" smtClean="0">
+                <a:solidFill>
+                  <a:srgbClr val="000000"/>
+                </a:solidFill>
+                <a:latin typeface="Arial" panose="020B0604020202020204" pitchFamily="34" charset="0"/>
+                <a:cs typeface="Arial" panose="020B0604020202020204" pitchFamily="34" charset="0"/>
+              </a:rPr>
+              <a:t>36.14</a:t>
+            </a:r>
+            <a:r>
+              <a:rPr lang="ru-RU" altLang="ru-RU" sz="1200" dirty="0" smtClean="0">
+                <a:latin typeface="Arial" panose="020B0604020202020204" pitchFamily="34" charset="0"/>
+                <a:cs typeface="Arial" panose="020B0604020202020204" pitchFamily="34" charset="0"/>
+              </a:rPr>
+              <a:t> </a:t>
+            </a:r>
+            <a:endParaRPr lang="ru-RU" altLang="ru-RU" sz="1200" dirty="0">
+              <a:latin typeface="Arial" panose="020B0604020202020204" pitchFamily="34" charset="0"/>
+              <a:cs typeface="Arial" panose="020B0604020202020204" pitchFamily="34" charset="0"/>
+            </a:endParaRPr>
+          </a:p>
+        </p:txBody>
+      </p:sp>
+      <mc:AlternateContent xmlns:mc="http://schemas.openxmlformats.org/markup-compatibility/2006">
+        <mc:Choice xmlns:a14="http://schemas.microsoft.com/office/drawing/2010/main" Requires="a14">
+          <p:sp>
+            <p:nvSpPr>
+              <p:cNvPr id="23" name="Прямоугольник 22"/>
+              <p:cNvSpPr/>
+              <p:nvPr/>
+            </p:nvSpPr>
+            <p:spPr>
+              <a:xfrm>
+                <a:off x="990600" y="3892490"/>
+                <a:ext cx="9193800" cy="401200"/>
+              </a:xfrm>
+              <a:prstGeom prst="rect">
+                <a:avLst/>
+              </a:prstGeom>
+            </p:spPr>
+            <p:txBody>
+              <a:bodyPr wrap="square">
+                <a:spAutoFit/>
+              </a:bodyPr>
+              <a:lstStyle/>
+              <a:p>
+                <a:r>
+                  <a:rPr lang="en-US" sz="1400" dirty="0" smtClean="0"/>
+                  <a:t>P(S) = </a:t>
+                </a:r>
+                <a14:m>
+                  <m:oMath xmlns:m="http://schemas.openxmlformats.org/officeDocument/2006/math">
+                    <m:f>
+                      <m:fPr>
+                        <m:ctrlPr>
+                          <a:rPr lang="en-US" sz="1400" i="1" smtClean="0">
+                            <a:latin typeface="Cambria Math" panose="02040503050406030204" pitchFamily="18" charset="0"/>
+                          </a:rPr>
+                        </m:ctrlPr>
+                      </m:fPr>
+                      <m:num>
+                        <m:r>
+                          <a:rPr lang="ru-RU" sz="1400" b="0" i="1" smtClean="0">
+                            <a:latin typeface="Cambria Math" panose="02040503050406030204" pitchFamily="18" charset="0"/>
+                          </a:rPr>
+                          <m:t>1644</m:t>
+                        </m:r>
+                      </m:num>
+                      <m:den>
+                        <m:r>
+                          <a:rPr lang="ru-RU" sz="1400" b="0" i="1" smtClean="0">
+                            <a:latin typeface="Cambria Math" panose="02040503050406030204" pitchFamily="18" charset="0"/>
+                          </a:rPr>
+                          <m:t>1994</m:t>
+                        </m:r>
+                      </m:den>
+                    </m:f>
+                    <m:r>
+                      <a:rPr lang="ru-RU" sz="1400" b="0" i="1" smtClean="0">
+                        <a:latin typeface="Cambria Math" panose="02040503050406030204" pitchFamily="18" charset="0"/>
+                      </a:rPr>
+                      <m:t>∗</m:t>
+                    </m:r>
+                    <m:r>
+                      <a:rPr lang="en-US" sz="1400" b="0" i="1" smtClean="0">
+                        <a:latin typeface="Cambria Math" panose="02040503050406030204" pitchFamily="18" charset="0"/>
+                      </a:rPr>
+                      <m:t>𝑙𝑒𝑓𝑡𝑛𝑜𝑑𝑒</m:t>
+                    </m:r>
+                    <m:r>
+                      <a:rPr lang="en-US" sz="1400" b="0" i="1" smtClean="0">
+                        <a:latin typeface="Cambria Math" panose="02040503050406030204" pitchFamily="18" charset="0"/>
+                      </a:rPr>
+                      <m:t>+ </m:t>
+                    </m:r>
+                    <m:f>
+                      <m:fPr>
+                        <m:ctrlPr>
+                          <a:rPr lang="en-US" sz="1400" b="0" i="1" smtClean="0">
+                            <a:latin typeface="Cambria Math" panose="02040503050406030204" pitchFamily="18" charset="0"/>
+                          </a:rPr>
+                        </m:ctrlPr>
+                      </m:fPr>
+                      <m:num>
+                        <m:r>
+                          <a:rPr lang="en-US" sz="1400" b="0" i="1" smtClean="0">
+                            <a:latin typeface="Cambria Math" panose="02040503050406030204" pitchFamily="18" charset="0"/>
+                          </a:rPr>
+                          <m:t>350</m:t>
+                        </m:r>
+                      </m:num>
+                      <m:den>
+                        <m:r>
+                          <a:rPr lang="en-US" sz="1400" b="0" i="1" smtClean="0">
+                            <a:latin typeface="Cambria Math" panose="02040503050406030204" pitchFamily="18" charset="0"/>
+                          </a:rPr>
+                          <m:t>1994</m:t>
+                        </m:r>
+                      </m:den>
+                    </m:f>
+                    <m:r>
+                      <a:rPr lang="en-US" sz="1400" b="0" i="1" smtClean="0">
+                        <a:latin typeface="Cambria Math" panose="02040503050406030204" pitchFamily="18" charset="0"/>
+                      </a:rPr>
+                      <m:t>∗</m:t>
+                    </m:r>
+                    <m:r>
+                      <a:rPr lang="en-US" sz="1400" b="0" i="1" smtClean="0">
+                        <a:latin typeface="Cambria Math" panose="02040503050406030204" pitchFamily="18" charset="0"/>
+                      </a:rPr>
+                      <m:t>𝑟𝑖𝑔h𝑡𝑛𝑜𝑑𝑒</m:t>
+                    </m:r>
+                    <m:r>
+                      <a:rPr lang="ru-RU" sz="1400" b="0" i="1" smtClean="0">
+                        <a:latin typeface="Cambria Math" panose="02040503050406030204" pitchFamily="18" charset="0"/>
+                      </a:rPr>
+                      <m:t>=</m:t>
+                    </m:r>
+                    <m:f>
+                      <m:fPr>
+                        <m:ctrlPr>
+                          <a:rPr lang="en-US" sz="1400" i="1">
+                            <a:latin typeface="Cambria Math" panose="02040503050406030204" pitchFamily="18" charset="0"/>
+                          </a:rPr>
+                        </m:ctrlPr>
+                      </m:fPr>
+                      <m:num>
+                        <m:r>
+                          <a:rPr lang="ru-RU" sz="1400" i="1">
+                            <a:latin typeface="Cambria Math" panose="02040503050406030204" pitchFamily="18" charset="0"/>
+                          </a:rPr>
+                          <m:t>1644</m:t>
+                        </m:r>
+                      </m:num>
+                      <m:den>
+                        <m:r>
+                          <a:rPr lang="ru-RU" sz="1400" i="1">
+                            <a:latin typeface="Cambria Math" panose="02040503050406030204" pitchFamily="18" charset="0"/>
+                          </a:rPr>
+                          <m:t>1994</m:t>
+                        </m:r>
+                      </m:den>
+                    </m:f>
+                    <m:r>
+                      <a:rPr lang="ru-RU" sz="1400" b="0" i="1" smtClean="0">
+                        <a:latin typeface="Cambria Math" panose="02040503050406030204" pitchFamily="18" charset="0"/>
+                      </a:rPr>
+                      <m:t>300</m:t>
+                    </m:r>
+                    <m:r>
+                      <a:rPr lang="en-US" sz="1400" i="1">
+                        <a:latin typeface="Cambria Math" panose="02040503050406030204" pitchFamily="18" charset="0"/>
+                      </a:rPr>
+                      <m:t>+ </m:t>
+                    </m:r>
+                    <m:f>
+                      <m:fPr>
+                        <m:ctrlPr>
+                          <a:rPr lang="en-US" sz="1400" i="1">
+                            <a:latin typeface="Cambria Math" panose="02040503050406030204" pitchFamily="18" charset="0"/>
+                          </a:rPr>
+                        </m:ctrlPr>
+                      </m:fPr>
+                      <m:num>
+                        <m:r>
+                          <a:rPr lang="en-US" sz="1400" i="1">
+                            <a:latin typeface="Cambria Math" panose="02040503050406030204" pitchFamily="18" charset="0"/>
+                          </a:rPr>
+                          <m:t>350</m:t>
+                        </m:r>
+                      </m:num>
+                      <m:den>
+                        <m:r>
+                          <a:rPr lang="en-US" sz="1400" i="1">
+                            <a:latin typeface="Cambria Math" panose="02040503050406030204" pitchFamily="18" charset="0"/>
+                          </a:rPr>
+                          <m:t>1994</m:t>
+                        </m:r>
+                      </m:den>
+                    </m:f>
+                    <m:r>
+                      <a:rPr lang="ru-RU" sz="1400" b="0" i="1" smtClean="0">
+                        <a:latin typeface="Cambria Math" panose="02040503050406030204" pitchFamily="18" charset="0"/>
+                      </a:rPr>
+                      <m:t>2085.5</m:t>
+                    </m:r>
+                  </m:oMath>
+                </a14:m>
+                <a:r>
+                  <a:rPr lang="ru-RU" sz="1400" b="0" dirty="0" smtClean="0"/>
+                  <a:t> </a:t>
+                </a:r>
+                <a:r>
+                  <a:rPr lang="ru-RU" sz="1400" b="0" dirty="0" smtClean="0">
+                    <a:latin typeface="Cambria Math" panose="02040503050406030204" pitchFamily="18" charset="0"/>
+                    <a:ea typeface="Cambria Math" panose="02040503050406030204" pitchFamily="18" charset="0"/>
+                  </a:rPr>
+                  <a:t>= 613.4</a:t>
+                </a:r>
+                <a:endParaRPr lang="en-US" sz="1400" b="0" dirty="0" smtClean="0">
+                  <a:latin typeface="Cambria Math" panose="02040503050406030204" pitchFamily="18" charset="0"/>
+                  <a:ea typeface="Cambria Math" panose="02040503050406030204" pitchFamily="18" charset="0"/>
+                </a:endParaRPr>
+              </a:p>
+            </p:txBody>
+          </p:sp>
+        </mc:Choice>
+        <mc:Fallback>
+          <p:sp>
+            <p:nvSpPr>
+              <p:cNvPr id="23" name="Прямоугольник 22"/>
+              <p:cNvSpPr>
+                <a:spLocks noRot="1" noChangeAspect="1" noMove="1" noResize="1" noEditPoints="1" noAdjustHandles="1" noChangeArrowheads="1" noChangeShapeType="1" noTextEdit="1"/>
+              </p:cNvSpPr>
+              <p:nvPr/>
+            </p:nvSpPr>
+            <p:spPr>
+              <a:xfrm>
+                <a:off x="990600" y="3892490"/>
+                <a:ext cx="9193800" cy="401200"/>
+              </a:xfrm>
+              <a:prstGeom prst="rect">
+                <a:avLst/>
+              </a:prstGeom>
+              <a:blipFill>
+                <a:blip r:embed="rId6"/>
+                <a:stretch>
+                  <a:fillRect l="-199" b="-1538"/>
+                </a:stretch>
+              </a:blipFill>
+            </p:spPr>
+            <p:txBody>
+              <a:bodyPr/>
+              <a:lstStyle/>
+              <a:p>
+                <a:r>
+                  <a:rPr lang="ru-RU">
+                    <a:noFill/>
+                  </a:rPr>
+                  <a:t> </a:t>
+                </a:r>
+              </a:p>
+            </p:txBody>
+          </p:sp>
+        </mc:Fallback>
+      </mc:AlternateContent>
+      <mc:AlternateContent xmlns:mc="http://schemas.openxmlformats.org/markup-compatibility/2006">
+        <mc:Choice xmlns:a14="http://schemas.microsoft.com/office/drawing/2010/main" Requires="a14">
+          <p:sp>
+            <p:nvSpPr>
+              <p:cNvPr id="24" name="TextBox 23"/>
+              <p:cNvSpPr txBox="1"/>
+              <p:nvPr/>
+            </p:nvSpPr>
+            <p:spPr>
+              <a:xfrm>
+                <a:off x="990600" y="4372547"/>
+                <a:ext cx="3608616" cy="409086"/>
+              </a:xfrm>
+              <a:prstGeom prst="rect">
+                <a:avLst/>
+              </a:prstGeom>
+              <a:noFill/>
+            </p:spPr>
+            <p:txBody>
+              <a:bodyPr wrap="none" lIns="0" tIns="0" rIns="0" bIns="0" rtlCol="0">
+                <a:spAutoFit/>
+              </a:bodyPr>
+              <a:lstStyle/>
+              <a:p>
+                <a14:m>
+                  <m:oMathPara xmlns:m="http://schemas.openxmlformats.org/officeDocument/2006/math">
+                    <m:oMathParaPr>
+                      <m:jc m:val="centerGroup"/>
+                    </m:oMathParaPr>
+                    <m:oMath xmlns:m="http://schemas.openxmlformats.org/officeDocument/2006/math">
+                      <m:r>
+                        <a:rPr lang="en-US" sz="1400" b="0" i="1" smtClean="0">
+                          <a:latin typeface="Cambria Math" panose="02040503050406030204" pitchFamily="18" charset="0"/>
+                        </a:rPr>
+                        <m:t>𝑙𝑒𝑓𝑡𝑛𝑜𝑑𝑒</m:t>
+                      </m:r>
+                      <m:r>
+                        <a:rPr lang="en-US" sz="1400" b="0" i="1" smtClean="0">
+                          <a:latin typeface="Cambria Math" panose="02040503050406030204" pitchFamily="18" charset="0"/>
+                        </a:rPr>
+                        <m:t>=</m:t>
+                      </m:r>
+                      <m:f>
+                        <m:fPr>
+                          <m:ctrlPr>
+                            <a:rPr lang="en-US" sz="1400" b="0" i="1" smtClean="0">
+                              <a:latin typeface="Cambria Math" panose="02040503050406030204" pitchFamily="18" charset="0"/>
+                            </a:rPr>
+                          </m:ctrlPr>
+                        </m:fPr>
+                        <m:num>
+                          <m:r>
+                            <a:rPr lang="en-US" sz="1400" b="0" i="1" smtClean="0">
+                              <a:latin typeface="Cambria Math" panose="02040503050406030204" pitchFamily="18" charset="0"/>
+                            </a:rPr>
+                            <m:t>1526</m:t>
+                          </m:r>
+                        </m:num>
+                        <m:den>
+                          <m:r>
+                            <a:rPr lang="en-US" sz="1400" b="0" i="1" smtClean="0">
+                              <a:latin typeface="Cambria Math" panose="02040503050406030204" pitchFamily="18" charset="0"/>
+                            </a:rPr>
+                            <m:t>1644</m:t>
+                          </m:r>
+                        </m:den>
+                      </m:f>
+                      <m:r>
+                        <a:rPr lang="en-US" sz="1400" b="0" i="1" smtClean="0">
+                          <a:latin typeface="Cambria Math" panose="02040503050406030204" pitchFamily="18" charset="0"/>
+                        </a:rPr>
+                        <m:t>∗272.5+</m:t>
+                      </m:r>
+                      <m:f>
+                        <m:fPr>
+                          <m:ctrlPr>
+                            <a:rPr lang="en-US" sz="1400" b="0" i="1" smtClean="0">
+                              <a:latin typeface="Cambria Math" panose="02040503050406030204" pitchFamily="18" charset="0"/>
+                            </a:rPr>
+                          </m:ctrlPr>
+                        </m:fPr>
+                        <m:num>
+                          <m:r>
+                            <a:rPr lang="en-US" sz="1400" b="0" i="1" smtClean="0">
+                              <a:latin typeface="Cambria Math" panose="02040503050406030204" pitchFamily="18" charset="0"/>
+                            </a:rPr>
+                            <m:t>118</m:t>
+                          </m:r>
+                        </m:num>
+                        <m:den>
+                          <m:r>
+                            <a:rPr lang="en-US" sz="1400" b="0" i="1" smtClean="0">
+                              <a:latin typeface="Cambria Math" panose="02040503050406030204" pitchFamily="18" charset="0"/>
+                            </a:rPr>
+                            <m:t>1644</m:t>
+                          </m:r>
+                        </m:den>
+                      </m:f>
+                      <m:r>
+                        <a:rPr lang="en-US" sz="1400" b="0" i="1" smtClean="0">
+                          <a:latin typeface="Cambria Math" panose="02040503050406030204" pitchFamily="18" charset="0"/>
+                        </a:rPr>
+                        <m:t>656.3=300</m:t>
+                      </m:r>
+                    </m:oMath>
+                  </m:oMathPara>
+                </a14:m>
+                <a:endParaRPr lang="ru-RU" sz="1400" dirty="0"/>
+              </a:p>
+            </p:txBody>
+          </p:sp>
+        </mc:Choice>
+        <mc:Fallback>
+          <p:sp>
+            <p:nvSpPr>
+              <p:cNvPr id="24" name="TextBox 23"/>
+              <p:cNvSpPr txBox="1">
+                <a:spLocks noRot="1" noChangeAspect="1" noMove="1" noResize="1" noEditPoints="1" noAdjustHandles="1" noChangeArrowheads="1" noChangeShapeType="1" noTextEdit="1"/>
+              </p:cNvSpPr>
+              <p:nvPr/>
+            </p:nvSpPr>
+            <p:spPr>
+              <a:xfrm>
+                <a:off x="990600" y="4372547"/>
+                <a:ext cx="3608616" cy="409086"/>
+              </a:xfrm>
+              <a:prstGeom prst="rect">
+                <a:avLst/>
+              </a:prstGeom>
+              <a:blipFill>
+                <a:blip r:embed="rId7"/>
+                <a:stretch>
+                  <a:fillRect l="-1184" r="-338" b="-13433"/>
+                </a:stretch>
+              </a:blipFill>
+            </p:spPr>
+            <p:txBody>
+              <a:bodyPr/>
+              <a:lstStyle/>
+              <a:p>
+                <a:r>
+                  <a:rPr lang="ru-RU">
+                    <a:noFill/>
+                  </a:rPr>
+                  <a:t> </a:t>
+                </a:r>
+              </a:p>
+            </p:txBody>
+          </p:sp>
+        </mc:Fallback>
+      </mc:AlternateContent>
+      <mc:AlternateContent xmlns:mc="http://schemas.openxmlformats.org/markup-compatibility/2006">
+        <mc:Choice xmlns:a14="http://schemas.microsoft.com/office/drawing/2010/main" Requires="a14">
+          <p:sp>
+            <p:nvSpPr>
+              <p:cNvPr id="26" name="Прямоугольник 25"/>
+              <p:cNvSpPr/>
+              <p:nvPr/>
+            </p:nvSpPr>
+            <p:spPr>
+              <a:xfrm>
+                <a:off x="918600" y="4892282"/>
+                <a:ext cx="1925078" cy="307777"/>
+              </a:xfrm>
+              <a:prstGeom prst="rect">
+                <a:avLst/>
+              </a:prstGeom>
+            </p:spPr>
+            <p:txBody>
+              <a:bodyPr wrap="none">
+                <a:spAutoFit/>
+              </a:bodyPr>
+              <a:lstStyle/>
+              <a:p>
+                <a14:m>
+                  <m:oMathPara xmlns:m="http://schemas.openxmlformats.org/officeDocument/2006/math">
+                    <m:oMathParaPr>
+                      <m:jc m:val="centerGroup"/>
+                    </m:oMathParaPr>
+                    <m:oMath xmlns:m="http://schemas.openxmlformats.org/officeDocument/2006/math">
+                      <m:r>
+                        <a:rPr lang="en-US" sz="1400" b="0" i="1" smtClean="0">
+                          <a:latin typeface="Cambria Math" panose="02040503050406030204" pitchFamily="18" charset="0"/>
+                        </a:rPr>
+                        <m:t>𝑟𝑖𝑔h𝑡𝑛𝑜𝑑𝑒</m:t>
+                      </m:r>
+                      <m:r>
+                        <a:rPr lang="en-US" sz="1400" b="0" i="1" smtClean="0">
+                          <a:latin typeface="Cambria Math" panose="02040503050406030204" pitchFamily="18" charset="0"/>
+                        </a:rPr>
+                        <m:t>=2085.51</m:t>
+                      </m:r>
+                    </m:oMath>
+                  </m:oMathPara>
+                </a14:m>
+                <a:endParaRPr lang="ru-RU" sz="1400" dirty="0"/>
+              </a:p>
+            </p:txBody>
+          </p:sp>
+        </mc:Choice>
+        <mc:Fallback>
+          <p:sp>
+            <p:nvSpPr>
+              <p:cNvPr id="26" name="Прямоугольник 25"/>
+              <p:cNvSpPr>
+                <a:spLocks noRot="1" noChangeAspect="1" noMove="1" noResize="1" noEditPoints="1" noAdjustHandles="1" noChangeArrowheads="1" noChangeShapeType="1" noTextEdit="1"/>
+              </p:cNvSpPr>
+              <p:nvPr/>
+            </p:nvSpPr>
+            <p:spPr>
+              <a:xfrm>
+                <a:off x="918600" y="4892282"/>
+                <a:ext cx="1925078" cy="307777"/>
+              </a:xfrm>
+              <a:prstGeom prst="rect">
+                <a:avLst/>
+              </a:prstGeom>
+              <a:blipFill>
+                <a:blip r:embed="rId8"/>
+                <a:stretch>
+                  <a:fillRect b="-10000"/>
+                </a:stretch>
+              </a:blipFill>
+            </p:spPr>
+            <p:txBody>
+              <a:bodyPr/>
+              <a:lstStyle/>
+              <a:p>
+                <a:r>
+                  <a:rPr lang="ru-RU">
+                    <a:noFill/>
+                  </a:rPr>
+                  <a:t> </a:t>
+                </a:r>
+              </a:p>
+            </p:txBody>
+          </p:sp>
+        </mc:Fallback>
+      </mc:AlternateContent>
+      <p:sp>
+        <p:nvSpPr>
+          <p:cNvPr id="27" name="Прямоугольник 26"/>
+          <p:cNvSpPr/>
+          <p:nvPr/>
+        </p:nvSpPr>
+        <p:spPr>
+          <a:xfrm>
+            <a:off x="918600" y="5314060"/>
+            <a:ext cx="4095993" cy="307777"/>
+          </a:xfrm>
+          <a:prstGeom prst="rect">
+            <a:avLst/>
+          </a:prstGeom>
+        </p:spPr>
+        <p:txBody>
+          <a:bodyPr wrap="none">
+            <a:spAutoFit/>
+          </a:bodyPr>
+          <a:lstStyle/>
+          <a:p>
+            <a:r>
+              <a:rPr lang="ru-RU" sz="1400" dirty="0"/>
+              <a:t>Результат прогноза при добавлении </a:t>
+            </a:r>
+            <a:r>
+              <a:rPr lang="ru-RU" sz="1400" dirty="0" err="1"/>
+              <a:t>фичи</a:t>
+            </a:r>
+            <a:r>
+              <a:rPr lang="ru-RU" sz="1400" dirty="0"/>
+              <a:t> </a:t>
+            </a:r>
+            <a:r>
+              <a:rPr lang="en-US" sz="1400" dirty="0"/>
+              <a:t>race</a:t>
+            </a:r>
+            <a:endParaRPr lang="ru-RU" sz="1400" dirty="0"/>
+          </a:p>
+        </p:txBody>
+      </p:sp>
+      <mc:AlternateContent xmlns:mc="http://schemas.openxmlformats.org/markup-compatibility/2006">
+        <mc:Choice xmlns:a14="http://schemas.microsoft.com/office/drawing/2010/main" Requires="a14">
+          <p:sp>
+            <p:nvSpPr>
+              <p:cNvPr id="28" name="Прямоугольник 27"/>
+              <p:cNvSpPr/>
+              <p:nvPr/>
+            </p:nvSpPr>
+            <p:spPr>
+              <a:xfrm>
+                <a:off x="918600" y="5621837"/>
+                <a:ext cx="7563000" cy="523220"/>
+              </a:xfrm>
+              <a:prstGeom prst="rect">
+                <a:avLst/>
+              </a:prstGeom>
+            </p:spPr>
+            <p:txBody>
+              <a:bodyPr wrap="square">
+                <a:spAutoFit/>
+              </a:bodyPr>
+              <a:lstStyle/>
+              <a:p>
+                <a14:m>
+                  <m:oMath xmlns:m="http://schemas.openxmlformats.org/officeDocument/2006/math">
+                    <m:r>
+                      <a:rPr lang="en-US" sz="1400" i="1" smtClean="0">
+                        <a:latin typeface="Cambria Math" panose="02040503050406030204" pitchFamily="18" charset="0"/>
+                      </a:rPr>
+                      <m:t>𝑃</m:t>
+                    </m:r>
+                    <m:r>
+                      <a:rPr lang="en-US" sz="1400" i="1" smtClean="0">
+                        <a:latin typeface="Cambria Math" panose="02040503050406030204" pitchFamily="18" charset="0"/>
+                      </a:rPr>
+                      <m:t>(</m:t>
+                    </m:r>
+                    <m:r>
+                      <a:rPr lang="en-US" sz="1400" i="1" smtClean="0">
+                        <a:latin typeface="Cambria Math" panose="02040503050406030204" pitchFamily="18" charset="0"/>
+                      </a:rPr>
+                      <m:t>𝑆</m:t>
+                    </m:r>
+                    <m:r>
+                      <a:rPr lang="en-US" sz="1400" i="1">
+                        <a:latin typeface="Cambria Math" panose="02040503050406030204" pitchFamily="18" charset="0"/>
+                        <a:ea typeface="Cambria Math" panose="02040503050406030204" pitchFamily="18" charset="0"/>
+                      </a:rPr>
+                      <m:t>∪</m:t>
+                    </m:r>
+                    <m:d>
+                      <m:dPr>
+                        <m:begChr m:val="{"/>
+                        <m:endChr m:val="}"/>
+                        <m:ctrlPr>
+                          <a:rPr lang="en-US" sz="1400" i="1">
+                            <a:latin typeface="Cambria Math" panose="02040503050406030204" pitchFamily="18" charset="0"/>
+                            <a:ea typeface="Cambria Math" panose="02040503050406030204" pitchFamily="18" charset="0"/>
+                          </a:rPr>
+                        </m:ctrlPr>
+                      </m:dPr>
+                      <m:e>
+                        <m:r>
+                          <m:rPr>
+                            <m:nor/>
+                          </m:rPr>
+                          <a:rPr lang="en-US" sz="1400" dirty="0"/>
+                          <m:t>race</m:t>
+                        </m:r>
+                      </m:e>
+                    </m:d>
+                    <m:r>
+                      <a:rPr lang="en-US" sz="1400" i="1">
+                        <a:latin typeface="Cambria Math" panose="02040503050406030204" pitchFamily="18" charset="0"/>
+                        <a:ea typeface="Cambria Math" panose="02040503050406030204" pitchFamily="18" charset="0"/>
+                      </a:rPr>
+                      <m:t>)</m:t>
+                    </m:r>
+                  </m:oMath>
+                </a14:m>
+                <a:r>
+                  <a:rPr lang="en-US" sz="1400" dirty="0"/>
+                  <a:t>=</a:t>
+                </a:r>
+                <a14:m>
+                  <m:oMath xmlns:m="http://schemas.openxmlformats.org/officeDocument/2006/math">
+                    <m:r>
+                      <a:rPr lang="en-US" sz="1400" i="1">
+                        <a:latin typeface="Cambria Math" panose="02040503050406030204" pitchFamily="18" charset="0"/>
+                      </a:rPr>
+                      <m:t>2085.51</m:t>
+                    </m:r>
+                    <m:r>
+                      <a:rPr lang="ru-RU" sz="1400" b="0" i="1" smtClean="0">
+                        <a:latin typeface="Cambria Math" panose="02040503050406030204" pitchFamily="18" charset="0"/>
+                      </a:rPr>
+                      <m:t> −тк имея обе фичи мы точно знаем в каком листе лежит семпл</m:t>
+                    </m:r>
+                  </m:oMath>
+                </a14:m>
+                <a:endParaRPr lang="ru-RU" sz="1400" dirty="0"/>
+              </a:p>
+              <a:p>
+                <a:endParaRPr lang="ru-RU" sz="1400" dirty="0"/>
+              </a:p>
+            </p:txBody>
+          </p:sp>
+        </mc:Choice>
+        <mc:Fallback>
+          <p:sp>
+            <p:nvSpPr>
+              <p:cNvPr id="28" name="Прямоугольник 27"/>
+              <p:cNvSpPr>
+                <a:spLocks noRot="1" noChangeAspect="1" noMove="1" noResize="1" noEditPoints="1" noAdjustHandles="1" noChangeArrowheads="1" noChangeShapeType="1" noTextEdit="1"/>
+              </p:cNvSpPr>
+              <p:nvPr/>
+            </p:nvSpPr>
+            <p:spPr>
+              <a:xfrm>
+                <a:off x="918600" y="5621837"/>
+                <a:ext cx="7563000" cy="523220"/>
+              </a:xfrm>
+              <a:prstGeom prst="rect">
+                <a:avLst/>
+              </a:prstGeom>
+              <a:blipFill>
+                <a:blip r:embed="rId9"/>
+                <a:stretch>
+                  <a:fillRect t="-3488"/>
+                </a:stretch>
+              </a:blipFill>
+            </p:spPr>
+            <p:txBody>
+              <a:bodyPr/>
+              <a:lstStyle/>
+              <a:p>
+                <a:r>
+                  <a:rPr lang="ru-RU">
+                    <a:noFill/>
+                  </a:rPr>
+                  <a:t> </a:t>
+                </a:r>
+              </a:p>
+            </p:txBody>
+          </p:sp>
+        </mc:Fallback>
+      </mc:AlternateContent>
+      <mc:AlternateContent xmlns:mc="http://schemas.openxmlformats.org/markup-compatibility/2006">
+        <mc:Choice xmlns:a14="http://schemas.microsoft.com/office/drawing/2010/main" Requires="a14">
+          <p:sp>
+            <p:nvSpPr>
+              <p:cNvPr id="29" name="Прямоугольник 28"/>
+              <p:cNvSpPr/>
+              <p:nvPr/>
+            </p:nvSpPr>
+            <p:spPr>
+              <a:xfrm>
+                <a:off x="918600" y="6035763"/>
+                <a:ext cx="4564070" cy="724494"/>
+              </a:xfrm>
+              <a:prstGeom prst="rect">
+                <a:avLst/>
+              </a:prstGeom>
+            </p:spPr>
+            <p:txBody>
+              <a:bodyPr wrap="none">
+                <a:spAutoFit/>
+              </a:bodyPr>
+              <a:lstStyle/>
+              <a:p>
+                <a14:m>
+                  <m:oMathPara xmlns:m="http://schemas.openxmlformats.org/officeDocument/2006/math">
+                    <m:oMathParaPr>
+                      <m:jc m:val="centerGroup"/>
+                    </m:oMathParaPr>
+                    <m:oMath xmlns:m="http://schemas.openxmlformats.org/officeDocument/2006/math">
+                      <m:sSub>
+                        <m:sSubPr>
+                          <m:ctrlPr>
+                            <a:rPr lang="ru-RU" sz="1400" i="1">
+                              <a:latin typeface="Cambria Math" panose="02040503050406030204" pitchFamily="18" charset="0"/>
+                            </a:rPr>
+                          </m:ctrlPr>
+                        </m:sSubPr>
+                        <m:e>
+                          <m:r>
+                            <a:rPr lang="ru-RU" sz="1400" i="1">
+                              <a:latin typeface="Cambria Math" panose="02040503050406030204" pitchFamily="18" charset="0"/>
+                            </a:rPr>
+                            <m:t>ф</m:t>
+                          </m:r>
+                        </m:e>
+                        <m:sub>
+                          <m:r>
+                            <a:rPr lang="en-US" sz="1400" i="1">
+                              <a:latin typeface="Cambria Math" panose="02040503050406030204" pitchFamily="18" charset="0"/>
+                            </a:rPr>
+                            <m:t>𝑟𝑎𝑐𝑒</m:t>
+                          </m:r>
+                          <m:r>
+                            <a:rPr lang="ru-RU" sz="1400" i="1">
+                              <a:latin typeface="Cambria Math" panose="02040503050406030204" pitchFamily="18" charset="0"/>
+                            </a:rPr>
+                            <m:t>2</m:t>
+                          </m:r>
+                        </m:sub>
+                      </m:sSub>
+                      <m:d>
+                        <m:dPr>
+                          <m:ctrlPr>
+                            <a:rPr lang="en-US" sz="1400" i="1">
+                              <a:latin typeface="Cambria Math" panose="02040503050406030204" pitchFamily="18" charset="0"/>
+                            </a:rPr>
+                          </m:ctrlPr>
+                        </m:dPr>
+                        <m:e>
+                          <m:r>
+                            <a:rPr lang="en-US" sz="1400" i="1">
+                              <a:latin typeface="Cambria Math" panose="02040503050406030204" pitchFamily="18" charset="0"/>
+                            </a:rPr>
+                            <m:t>𝑝</m:t>
+                          </m:r>
+                        </m:e>
+                      </m:d>
+                      <m:r>
+                        <a:rPr lang="en-US" sz="1400" i="1">
+                          <a:latin typeface="Cambria Math" panose="02040503050406030204" pitchFamily="18" charset="0"/>
+                        </a:rPr>
+                        <m:t>=</m:t>
+                      </m:r>
+                      <m:f>
+                        <m:fPr>
+                          <m:ctrlPr>
+                            <a:rPr lang="en-US" sz="1400" i="1">
+                              <a:latin typeface="Cambria Math" panose="02040503050406030204" pitchFamily="18" charset="0"/>
+                            </a:rPr>
+                          </m:ctrlPr>
+                        </m:fPr>
+                        <m:num>
+                          <m:r>
+                            <a:rPr lang="ru-RU" sz="1400" b="0" i="1" smtClean="0">
+                              <a:latin typeface="Cambria Math" panose="02040503050406030204" pitchFamily="18" charset="0"/>
+                            </a:rPr>
+                            <m:t>1</m:t>
+                          </m:r>
+                          <m:r>
+                            <a:rPr lang="en-US" sz="1400" i="1">
+                              <a:latin typeface="Cambria Math" panose="02040503050406030204" pitchFamily="18" charset="0"/>
+                            </a:rPr>
+                            <m:t>!</m:t>
+                          </m:r>
+                          <m:d>
+                            <m:dPr>
+                              <m:ctrlPr>
+                                <a:rPr lang="en-US" sz="1400" i="1">
+                                  <a:latin typeface="Cambria Math" panose="02040503050406030204" pitchFamily="18" charset="0"/>
+                                </a:rPr>
+                              </m:ctrlPr>
+                            </m:dPr>
+                            <m:e>
+                              <m:r>
+                                <a:rPr lang="en-US" sz="1400" i="1">
+                                  <a:latin typeface="Cambria Math" panose="02040503050406030204" pitchFamily="18" charset="0"/>
+                                </a:rPr>
+                                <m:t>2−</m:t>
+                              </m:r>
+                              <m:r>
+                                <a:rPr lang="ru-RU" sz="1400" b="0" i="1" smtClean="0">
+                                  <a:latin typeface="Cambria Math" panose="02040503050406030204" pitchFamily="18" charset="0"/>
+                                </a:rPr>
+                                <m:t>1</m:t>
+                              </m:r>
+                              <m:r>
+                                <a:rPr lang="en-US" sz="1400" i="1">
+                                  <a:latin typeface="Cambria Math" panose="02040503050406030204" pitchFamily="18" charset="0"/>
+                                </a:rPr>
+                                <m:t>−1</m:t>
+                              </m:r>
+                            </m:e>
+                          </m:d>
+                          <m:r>
+                            <a:rPr lang="en-US" sz="1400" i="1">
+                              <a:latin typeface="Cambria Math" panose="02040503050406030204" pitchFamily="18" charset="0"/>
+                            </a:rPr>
+                            <m:t>!</m:t>
+                          </m:r>
+                        </m:num>
+                        <m:den>
+                          <m:r>
+                            <a:rPr lang="en-US" sz="1400" i="1">
+                              <a:latin typeface="Cambria Math" panose="02040503050406030204" pitchFamily="18" charset="0"/>
+                            </a:rPr>
+                            <m:t>2!</m:t>
+                          </m:r>
+                        </m:den>
+                      </m:f>
+                      <m:d>
+                        <m:dPr>
+                          <m:ctrlPr>
+                            <a:rPr lang="en-US" sz="1400" i="1">
+                              <a:latin typeface="Cambria Math" panose="02040503050406030204" pitchFamily="18" charset="0"/>
+                            </a:rPr>
+                          </m:ctrlPr>
+                        </m:dPr>
+                        <m:e>
+                          <m:r>
+                            <a:rPr lang="ru-RU" sz="1400" b="0" i="1" smtClean="0">
+                              <a:latin typeface="Cambria Math" panose="02040503050406030204" pitchFamily="18" charset="0"/>
+                            </a:rPr>
+                            <m:t>2085.51</m:t>
+                          </m:r>
+                          <m:r>
+                            <a:rPr lang="en-US" sz="1400" i="1">
+                              <a:latin typeface="Cambria Math" panose="02040503050406030204" pitchFamily="18" charset="0"/>
+                            </a:rPr>
+                            <m:t>−</m:t>
+                          </m:r>
+                          <m:r>
+                            <a:rPr lang="ru-RU" sz="1400" b="0" i="1" smtClean="0">
+                              <a:latin typeface="Cambria Math" panose="02040503050406030204" pitchFamily="18" charset="0"/>
+                            </a:rPr>
+                            <m:t>613.4</m:t>
+                          </m:r>
+                        </m:e>
+                      </m:d>
+                      <m:r>
+                        <a:rPr lang="en-US" sz="1400" i="1">
+                          <a:latin typeface="Cambria Math" panose="02040503050406030204" pitchFamily="18" charset="0"/>
+                        </a:rPr>
+                        <m:t>=</m:t>
+                      </m:r>
+                      <m:r>
+                        <a:rPr lang="en-US" sz="1400" b="0" i="1" smtClean="0">
+                          <a:latin typeface="Cambria Math" panose="02040503050406030204" pitchFamily="18" charset="0"/>
+                        </a:rPr>
+                        <m:t>736.04</m:t>
+                      </m:r>
+                    </m:oMath>
+                  </m:oMathPara>
+                </a14:m>
+                <a:endParaRPr lang="en-US" dirty="0"/>
+              </a:p>
+              <a:p>
+                <a:endParaRPr lang="ru-RU" sz="1400" dirty="0"/>
+              </a:p>
+            </p:txBody>
+          </p:sp>
+        </mc:Choice>
+        <mc:Fallback>
+          <p:sp>
+            <p:nvSpPr>
+              <p:cNvPr id="29" name="Прямоугольник 28"/>
+              <p:cNvSpPr>
+                <a:spLocks noRot="1" noChangeAspect="1" noMove="1" noResize="1" noEditPoints="1" noAdjustHandles="1" noChangeArrowheads="1" noChangeShapeType="1" noTextEdit="1"/>
+              </p:cNvSpPr>
+              <p:nvPr/>
+            </p:nvSpPr>
+            <p:spPr>
+              <a:xfrm>
+                <a:off x="918600" y="6035763"/>
+                <a:ext cx="4564070" cy="724494"/>
+              </a:xfrm>
+              <a:prstGeom prst="rect">
+                <a:avLst/>
+              </a:prstGeom>
+              <a:blipFill>
+                <a:blip r:embed="rId10"/>
+                <a:stretch>
+                  <a:fillRect/>
+                </a:stretch>
+              </a:blipFill>
+            </p:spPr>
+            <p:txBody>
+              <a:bodyPr/>
+              <a:lstStyle/>
+              <a:p>
+                <a:r>
+                  <a:rPr lang="ru-RU">
+                    <a:noFill/>
+                  </a:rPr>
+                  <a:t> </a:t>
+                </a:r>
+              </a:p>
+            </p:txBody>
+          </p:sp>
+        </mc:Fallback>
+      </mc:AlternateContent>
+      <mc:AlternateContent xmlns:mc="http://schemas.openxmlformats.org/markup-compatibility/2006">
+        <mc:Choice xmlns:a14="http://schemas.microsoft.com/office/drawing/2010/main" Requires="a14">
+          <p:sp>
+            <p:nvSpPr>
+              <p:cNvPr id="31" name="Прямоугольник 30"/>
+              <p:cNvSpPr/>
+              <p:nvPr/>
+            </p:nvSpPr>
+            <p:spPr>
+              <a:xfrm>
+                <a:off x="8015833" y="5407556"/>
+                <a:ext cx="4087534" cy="854978"/>
+              </a:xfrm>
+              <a:prstGeom prst="rect">
+                <a:avLst/>
+              </a:prstGeom>
+            </p:spPr>
+            <p:txBody>
+              <a:bodyPr wrap="square">
+                <a:spAutoFit/>
+              </a:bodyPr>
+              <a:lstStyle/>
+              <a:p>
+                <a14:m>
+                  <m:oMathPara xmlns:m="http://schemas.openxmlformats.org/officeDocument/2006/math">
+                    <m:oMathParaPr>
+                      <m:jc m:val="centerGroup"/>
+                    </m:oMathParaPr>
+                    <m:oMath xmlns:m="http://schemas.openxmlformats.org/officeDocument/2006/math">
+                      <m:sSub>
+                        <m:sSubPr>
+                          <m:ctrlPr>
+                            <a:rPr lang="ru-RU" sz="1600" i="1" smtClean="0">
+                              <a:latin typeface="Cambria Math" panose="02040503050406030204" pitchFamily="18" charset="0"/>
+                            </a:rPr>
+                          </m:ctrlPr>
+                        </m:sSubPr>
+                        <m:e>
+                          <m:r>
+                            <a:rPr lang="ru-RU" sz="1600" i="1">
+                              <a:latin typeface="Cambria Math" panose="02040503050406030204" pitchFamily="18" charset="0"/>
+                            </a:rPr>
+                            <m:t>ф</m:t>
+                          </m:r>
+                        </m:e>
+                        <m:sub>
+                          <m:r>
+                            <a:rPr lang="en-US" sz="1600" i="1">
+                              <a:latin typeface="Cambria Math" panose="02040503050406030204" pitchFamily="18" charset="0"/>
+                            </a:rPr>
+                            <m:t>𝑟𝑎𝑐𝑒</m:t>
+                          </m:r>
+                        </m:sub>
+                      </m:sSub>
+                      <m:d>
+                        <m:dPr>
+                          <m:ctrlPr>
+                            <a:rPr lang="en-US" sz="1600" i="1">
+                              <a:latin typeface="Cambria Math" panose="02040503050406030204" pitchFamily="18" charset="0"/>
+                            </a:rPr>
+                          </m:ctrlPr>
+                        </m:dPr>
+                        <m:e>
+                          <m:r>
+                            <a:rPr lang="en-US" sz="1600" i="1">
+                              <a:latin typeface="Cambria Math" panose="02040503050406030204" pitchFamily="18" charset="0"/>
+                            </a:rPr>
+                            <m:t>𝑝</m:t>
+                          </m:r>
+                        </m:e>
+                      </m:d>
+                      <m:r>
+                        <a:rPr lang="en-US" sz="1600" i="1">
+                          <a:latin typeface="Cambria Math" panose="02040503050406030204" pitchFamily="18" charset="0"/>
+                        </a:rPr>
+                        <m:t>=</m:t>
+                      </m:r>
+                      <m:sSub>
+                        <m:sSubPr>
+                          <m:ctrlPr>
+                            <a:rPr lang="ru-RU" sz="1600" i="1">
+                              <a:latin typeface="Cambria Math" panose="02040503050406030204" pitchFamily="18" charset="0"/>
+                            </a:rPr>
+                          </m:ctrlPr>
+                        </m:sSubPr>
+                        <m:e>
+                          <m:r>
+                            <a:rPr lang="ru-RU" sz="1600" i="1">
+                              <a:latin typeface="Cambria Math" panose="02040503050406030204" pitchFamily="18" charset="0"/>
+                            </a:rPr>
+                            <m:t>ф</m:t>
+                          </m:r>
+                        </m:e>
+                        <m:sub>
+                          <m:r>
+                            <a:rPr lang="en-US" sz="1600" i="1">
+                              <a:latin typeface="Cambria Math" panose="02040503050406030204" pitchFamily="18" charset="0"/>
+                            </a:rPr>
+                            <m:t>𝑟𝑎𝑐𝑒</m:t>
+                          </m:r>
+                          <m:r>
+                            <a:rPr lang="en-US" sz="1600" b="0" i="1" smtClean="0">
+                              <a:latin typeface="Cambria Math" panose="02040503050406030204" pitchFamily="18" charset="0"/>
+                            </a:rPr>
+                            <m:t>1</m:t>
+                          </m:r>
+                        </m:sub>
+                      </m:sSub>
+                      <m:d>
+                        <m:dPr>
+                          <m:ctrlPr>
+                            <a:rPr lang="en-US" sz="1600" i="1">
+                              <a:latin typeface="Cambria Math" panose="02040503050406030204" pitchFamily="18" charset="0"/>
+                            </a:rPr>
+                          </m:ctrlPr>
+                        </m:dPr>
+                        <m:e>
+                          <m:r>
+                            <a:rPr lang="en-US" sz="1600" i="1">
+                              <a:latin typeface="Cambria Math" panose="02040503050406030204" pitchFamily="18" charset="0"/>
+                            </a:rPr>
+                            <m:t>𝑝</m:t>
+                          </m:r>
+                        </m:e>
+                      </m:d>
+                      <m:r>
+                        <a:rPr lang="en-US" sz="1600" b="0" i="1" smtClean="0">
+                          <a:latin typeface="Cambria Math" panose="02040503050406030204" pitchFamily="18" charset="0"/>
+                        </a:rPr>
+                        <m:t>+</m:t>
+                      </m:r>
+                      <m:sSub>
+                        <m:sSubPr>
+                          <m:ctrlPr>
+                            <a:rPr lang="en-US" sz="1600" b="0" i="1" smtClean="0">
+                              <a:latin typeface="Cambria Math" panose="02040503050406030204" pitchFamily="18" charset="0"/>
+                            </a:rPr>
+                          </m:ctrlPr>
+                        </m:sSubPr>
+                        <m:e>
+                          <m:sSub>
+                            <m:sSubPr>
+                              <m:ctrlPr>
+                                <a:rPr lang="ru-RU" sz="1600" i="1">
+                                  <a:latin typeface="Cambria Math" panose="02040503050406030204" pitchFamily="18" charset="0"/>
+                                </a:rPr>
+                              </m:ctrlPr>
+                            </m:sSubPr>
+                            <m:e>
+                              <m:r>
+                                <a:rPr lang="ru-RU" sz="1600" i="1">
+                                  <a:latin typeface="Cambria Math" panose="02040503050406030204" pitchFamily="18" charset="0"/>
+                                </a:rPr>
+                                <m:t>ф</m:t>
+                              </m:r>
+                            </m:e>
+                            <m:sub>
+                              <m:r>
+                                <a:rPr lang="en-US" sz="1600" i="1">
+                                  <a:latin typeface="Cambria Math" panose="02040503050406030204" pitchFamily="18" charset="0"/>
+                                </a:rPr>
+                                <m:t>𝑟𝑎𝑐𝑒</m:t>
+                              </m:r>
+                            </m:sub>
+                          </m:sSub>
+                        </m:e>
+                        <m:sub>
+                          <m:r>
+                            <a:rPr lang="en-US" sz="1600" b="0" i="1" smtClean="0">
+                              <a:latin typeface="Cambria Math" panose="02040503050406030204" pitchFamily="18" charset="0"/>
+                            </a:rPr>
+                            <m:t>2</m:t>
+                          </m:r>
+                        </m:sub>
+                      </m:sSub>
+                      <m:d>
+                        <m:dPr>
+                          <m:ctrlPr>
+                            <a:rPr lang="en-US" sz="1600" i="1">
+                              <a:latin typeface="Cambria Math" panose="02040503050406030204" pitchFamily="18" charset="0"/>
+                            </a:rPr>
+                          </m:ctrlPr>
+                        </m:dPr>
+                        <m:e>
+                          <m:r>
+                            <a:rPr lang="en-US" sz="1600" i="1">
+                              <a:latin typeface="Cambria Math" panose="02040503050406030204" pitchFamily="18" charset="0"/>
+                            </a:rPr>
+                            <m:t>𝑝</m:t>
+                          </m:r>
+                        </m:e>
+                      </m:d>
+                      <m:r>
+                        <a:rPr lang="en-US" sz="1600" i="1">
+                          <a:latin typeface="Cambria Math" panose="02040503050406030204" pitchFamily="18" charset="0"/>
+                        </a:rPr>
+                        <m:t>=</m:t>
+                      </m:r>
+                      <m:r>
+                        <a:rPr lang="en-US" sz="1600" b="0" i="1" smtClean="0">
+                          <a:latin typeface="Cambria Math" panose="02040503050406030204" pitchFamily="18" charset="0"/>
+                        </a:rPr>
+                        <m:t>379.46+736.04=1115.5</m:t>
+                      </m:r>
+                    </m:oMath>
+                  </m:oMathPara>
+                </a14:m>
+                <a:endParaRPr lang="ru-RU" sz="1600" dirty="0"/>
+              </a:p>
+              <a:p>
+                <a:endParaRPr lang="ru-RU" sz="1600" dirty="0"/>
+              </a:p>
+            </p:txBody>
+          </p:sp>
+        </mc:Choice>
+        <mc:Fallback>
+          <p:sp>
+            <p:nvSpPr>
+              <p:cNvPr id="31" name="Прямоугольник 30"/>
+              <p:cNvSpPr>
+                <a:spLocks noRot="1" noChangeAspect="1" noMove="1" noResize="1" noEditPoints="1" noAdjustHandles="1" noChangeArrowheads="1" noChangeShapeType="1" noTextEdit="1"/>
+              </p:cNvSpPr>
+              <p:nvPr/>
+            </p:nvSpPr>
+            <p:spPr>
+              <a:xfrm>
+                <a:off x="8015833" y="5407556"/>
+                <a:ext cx="4087534" cy="854978"/>
+              </a:xfrm>
+              <a:prstGeom prst="rect">
+                <a:avLst/>
+              </a:prstGeom>
+              <a:blipFill>
+                <a:blip r:embed="rId11"/>
+                <a:stretch>
+                  <a:fillRect/>
                 </a:stretch>
               </a:blipFill>
             </p:spPr>
@@ -8070,13 +11033,28 @@
     </p:spTree>
     <p:extLst>
       <p:ext uri="{BB962C8B-B14F-4D97-AF65-F5344CB8AC3E}">
-        <p14:creationId xmlns:p14="http://schemas.microsoft.com/office/powerpoint/2010/main" val="3488933371"/>
+        <p14:creationId xmlns:p14="http://schemas.microsoft.com/office/powerpoint/2010/main" val="3848316301"/>
       </p:ext>
     </p:extLst>
   </p:cSld>
   <p:clrMapOvr>
     <a:masterClrMapping/>
   </p:clrMapOvr>
+  <mc:AlternateContent xmlns:mc="http://schemas.openxmlformats.org/markup-compatibility/2006">
+    <mc:Choice xmlns:p14="http://schemas.microsoft.com/office/powerpoint/2010/main" Requires="p14">
+      <p:transition spd="slow" p14:dur="2000"/>
+    </mc:Choice>
+    <mc:Fallback>
+      <p:transition spd="slow"/>
+    </mc:Fallback>
+  </mc:AlternateContent>
+  <p:timing>
+    <p:tnLst>
+      <p:par>
+        <p:cTn id="1" dur="indefinite" restart="never" nodeType="tmRoot"/>
+      </p:par>
+    </p:tnLst>
+  </p:timing>
 </p:sld>
 </file>
 

--- a/Shap_for_model_interpretation.pptx
+++ b/Shap_for_model_interpretation.pptx
@@ -5,7 +5,7 @@
     <p:sldMasterId id="2147483820" r:id="rId1"/>
   </p:sldMasterIdLst>
   <p:notesMasterIdLst>
-    <p:notesMasterId r:id="rId10"/>
+    <p:notesMasterId r:id="rId13"/>
   </p:notesMasterIdLst>
   <p:sldIdLst>
     <p:sldId id="256" r:id="rId2"/>
@@ -16,6 +16,9 @@
     <p:sldId id="261" r:id="rId7"/>
     <p:sldId id="262" r:id="rId8"/>
     <p:sldId id="263" r:id="rId9"/>
+    <p:sldId id="264" r:id="rId10"/>
+    <p:sldId id="265" r:id="rId11"/>
+    <p:sldId id="266" r:id="rId12"/>
   </p:sldIdLst>
   <p:sldSz cx="12192000" cy="6858000"/>
   <p:notesSz cx="6858000" cy="9144000"/>
@@ -643,6 +646,174 @@
     <p:extLst>
       <p:ext uri="{BB962C8B-B14F-4D97-AF65-F5344CB8AC3E}">
         <p14:creationId xmlns:p14="http://schemas.microsoft.com/office/powerpoint/2010/main" val="4237434376"/>
+      </p:ext>
+    </p:extLst>
+  </p:cSld>
+  <p:clrMapOvr>
+    <a:masterClrMapping/>
+  </p:clrMapOvr>
+</p:notes>
+</file>
+
+<file path=ppt/notesSlides/notesSlide2.xml><?xml version="1.0" encoding="utf-8"?>
+<p:notes xmlns:a="http://schemas.openxmlformats.org/drawingml/2006/main" xmlns:r="http://schemas.openxmlformats.org/officeDocument/2006/relationships" xmlns:p="http://schemas.openxmlformats.org/presentationml/2006/main">
+  <p:cSld>
+    <p:spTree>
+      <p:nvGrpSpPr>
+        <p:cNvPr id="1" name=""/>
+        <p:cNvGrpSpPr/>
+        <p:nvPr/>
+      </p:nvGrpSpPr>
+      <p:grpSpPr>
+        <a:xfrm>
+          <a:off x="0" y="0"/>
+          <a:ext cx="0" cy="0"/>
+          <a:chOff x="0" y="0"/>
+          <a:chExt cx="0" cy="0"/>
+        </a:xfrm>
+      </p:grpSpPr>
+      <p:sp>
+        <p:nvSpPr>
+          <p:cNvPr id="2" name="Образ слайда 1"/>
+          <p:cNvSpPr>
+            <a:spLocks noGrp="1" noRot="1" noChangeAspect="1"/>
+          </p:cNvSpPr>
+          <p:nvPr>
+            <p:ph type="sldImg"/>
+          </p:nvPr>
+        </p:nvSpPr>
+        <p:spPr/>
+      </p:sp>
+      <p:sp>
+        <p:nvSpPr>
+          <p:cNvPr id="3" name="Заметки 2"/>
+          <p:cNvSpPr>
+            <a:spLocks noGrp="1"/>
+          </p:cNvSpPr>
+          <p:nvPr>
+            <p:ph type="body" idx="1"/>
+          </p:nvPr>
+        </p:nvSpPr>
+        <p:spPr/>
+        <p:txBody>
+          <a:bodyPr/>
+          <a:lstStyle/>
+          <a:p>
+            <a:endParaRPr lang="ru-RU" dirty="0"/>
+          </a:p>
+        </p:txBody>
+      </p:sp>
+      <p:sp>
+        <p:nvSpPr>
+          <p:cNvPr id="4" name="Номер слайда 3"/>
+          <p:cNvSpPr>
+            <a:spLocks noGrp="1"/>
+          </p:cNvSpPr>
+          <p:nvPr>
+            <p:ph type="sldNum" sz="quarter" idx="5"/>
+          </p:nvPr>
+        </p:nvSpPr>
+        <p:spPr/>
+        <p:txBody>
+          <a:bodyPr/>
+          <a:lstStyle/>
+          <a:p>
+            <a:fld id="{C56B363B-F98D-4D60-B125-027B2D33B6FF}" type="slidenum">
+              <a:rPr lang="ru-RU" smtClean="0"/>
+              <a:t>8</a:t>
+            </a:fld>
+            <a:endParaRPr lang="ru-RU"/>
+          </a:p>
+        </p:txBody>
+      </p:sp>
+    </p:spTree>
+    <p:extLst>
+      <p:ext uri="{BB962C8B-B14F-4D97-AF65-F5344CB8AC3E}">
+        <p14:creationId xmlns:p14="http://schemas.microsoft.com/office/powerpoint/2010/main" val="790276062"/>
+      </p:ext>
+    </p:extLst>
+  </p:cSld>
+  <p:clrMapOvr>
+    <a:masterClrMapping/>
+  </p:clrMapOvr>
+</p:notes>
+</file>
+
+<file path=ppt/notesSlides/notesSlide3.xml><?xml version="1.0" encoding="utf-8"?>
+<p:notes xmlns:a="http://schemas.openxmlformats.org/drawingml/2006/main" xmlns:r="http://schemas.openxmlformats.org/officeDocument/2006/relationships" xmlns:p="http://schemas.openxmlformats.org/presentationml/2006/main">
+  <p:cSld>
+    <p:spTree>
+      <p:nvGrpSpPr>
+        <p:cNvPr id="1" name=""/>
+        <p:cNvGrpSpPr/>
+        <p:nvPr/>
+      </p:nvGrpSpPr>
+      <p:grpSpPr>
+        <a:xfrm>
+          <a:off x="0" y="0"/>
+          <a:ext cx="0" cy="0"/>
+          <a:chOff x="0" y="0"/>
+          <a:chExt cx="0" cy="0"/>
+        </a:xfrm>
+      </p:grpSpPr>
+      <p:sp>
+        <p:nvSpPr>
+          <p:cNvPr id="2" name="Образ слайда 1"/>
+          <p:cNvSpPr>
+            <a:spLocks noGrp="1" noRot="1" noChangeAspect="1"/>
+          </p:cNvSpPr>
+          <p:nvPr>
+            <p:ph type="sldImg"/>
+          </p:nvPr>
+        </p:nvSpPr>
+        <p:spPr/>
+      </p:sp>
+      <p:sp>
+        <p:nvSpPr>
+          <p:cNvPr id="3" name="Заметки 2"/>
+          <p:cNvSpPr>
+            <a:spLocks noGrp="1"/>
+          </p:cNvSpPr>
+          <p:nvPr>
+            <p:ph type="body" idx="1"/>
+          </p:nvPr>
+        </p:nvSpPr>
+        <p:spPr/>
+        <p:txBody>
+          <a:bodyPr/>
+          <a:lstStyle/>
+          <a:p>
+            <a:endParaRPr lang="ru-RU" dirty="0"/>
+          </a:p>
+        </p:txBody>
+      </p:sp>
+      <p:sp>
+        <p:nvSpPr>
+          <p:cNvPr id="4" name="Номер слайда 3"/>
+          <p:cNvSpPr>
+            <a:spLocks noGrp="1"/>
+          </p:cNvSpPr>
+          <p:nvPr>
+            <p:ph type="sldNum" sz="quarter" idx="5"/>
+          </p:nvPr>
+        </p:nvSpPr>
+        <p:spPr/>
+        <p:txBody>
+          <a:bodyPr/>
+          <a:lstStyle/>
+          <a:p>
+            <a:fld id="{C56B363B-F98D-4D60-B125-027B2D33B6FF}" type="slidenum">
+              <a:rPr lang="ru-RU" smtClean="0"/>
+              <a:t>9</a:t>
+            </a:fld>
+            <a:endParaRPr lang="ru-RU"/>
+          </a:p>
+        </p:txBody>
+      </p:sp>
+    </p:spTree>
+    <p:extLst>
+      <p:ext uri="{BB962C8B-B14F-4D97-AF65-F5344CB8AC3E}">
+        <p14:creationId xmlns:p14="http://schemas.microsoft.com/office/powerpoint/2010/main" val="4221569758"/>
       </p:ext>
     </p:extLst>
   </p:cSld>
@@ -4463,13 +4634,606 @@
   <p:clrMapOvr>
     <a:masterClrMapping/>
   </p:clrMapOvr>
-  <p:timing>
-    <p:tnLst>
-      <p:par>
-        <p:cTn id="1" dur="indefinite" restart="never" nodeType="tmRoot"/>
-      </p:par>
-    </p:tnLst>
-  </p:timing>
+</p:sld>
+</file>
+
+<file path=ppt/slides/slide10.xml><?xml version="1.0" encoding="utf-8"?>
+<p:sld xmlns:a="http://schemas.openxmlformats.org/drawingml/2006/main" xmlns:r="http://schemas.openxmlformats.org/officeDocument/2006/relationships" xmlns:p="http://schemas.openxmlformats.org/presentationml/2006/main">
+  <p:cSld>
+    <p:spTree>
+      <p:nvGrpSpPr>
+        <p:cNvPr id="1" name=""/>
+        <p:cNvGrpSpPr/>
+        <p:nvPr/>
+      </p:nvGrpSpPr>
+      <p:grpSpPr>
+        <a:xfrm>
+          <a:off x="0" y="0"/>
+          <a:ext cx="0" cy="0"/>
+          <a:chOff x="0" y="0"/>
+          <a:chExt cx="0" cy="0"/>
+        </a:xfrm>
+      </p:grpSpPr>
+      <mc:AlternateContent xmlns:mc="http://schemas.openxmlformats.org/markup-compatibility/2006">
+        <mc:Choice xmlns:a14="http://schemas.microsoft.com/office/drawing/2010/main" Requires="a14">
+          <p:sp>
+            <p:nvSpPr>
+              <p:cNvPr id="3" name="Объект 2">
+                <a:extLst>
+                  <a:ext uri="{FF2B5EF4-FFF2-40B4-BE49-F238E27FC236}">
+                    <a16:creationId xmlns:a16="http://schemas.microsoft.com/office/drawing/2014/main" id="{8FB6D4FA-C9DF-4BB0-A022-C15516407D34}"/>
+                  </a:ext>
+                </a:extLst>
+              </p:cNvPr>
+              <p:cNvSpPr>
+                <a:spLocks noGrp="1"/>
+              </p:cNvSpPr>
+              <p:nvPr>
+                <p:ph idx="1"/>
+              </p:nvPr>
+            </p:nvSpPr>
+            <p:spPr>
+              <a:xfrm>
+                <a:off x="1190625" y="856343"/>
+                <a:ext cx="9601200" cy="3581400"/>
+              </a:xfrm>
+            </p:spPr>
+            <p:txBody>
+              <a:bodyPr>
+                <a:normAutofit/>
+              </a:bodyPr>
+              <a:lstStyle/>
+              <a:p>
+                <a:pPr marL="0" indent="0">
+                  <a:buNone/>
+                </a:pPr>
+                <a:r>
+                  <a:rPr lang="ru-RU" dirty="0"/>
+                  <a:t>В результате  расчетов для семпла с признаками </a:t>
+                </a:r>
+                <a:r>
+                  <a:rPr lang="en-US" dirty="0" err="1"/>
+                  <a:t>PctKidsBornNeverMar</a:t>
+                </a:r>
+                <a:r>
+                  <a:rPr lang="en-US" dirty="0"/>
+                  <a:t>=15.07  </a:t>
+                </a:r>
+                <a:r>
+                  <a:rPr lang="en-US" dirty="0" err="1"/>
+                  <a:t>Racepctblack</a:t>
+                </a:r>
+                <a:r>
+                  <a:rPr lang="en-US" dirty="0"/>
+                  <a:t>=36.14 </a:t>
+                </a:r>
+                <a:r>
+                  <a:rPr lang="ru-RU" dirty="0"/>
+                  <a:t>получаем следующие значения Шепли:</a:t>
+                </a:r>
+              </a:p>
+              <a:p>
+                <a:pPr marL="0" indent="0">
+                  <a:buNone/>
+                </a:pPr>
+                <a:r>
+                  <a:rPr lang="en-US" dirty="0"/>
+                  <a:t>(</a:t>
+                </a:r>
+                <a:r>
+                  <a:rPr lang="en-US" sz="2000" dirty="0" err="1">
+                    <a:solidFill>
+                      <a:srgbClr val="00B050"/>
+                    </a:solidFill>
+                  </a:rPr>
+                  <a:t>PctKidsBornNeverMar</a:t>
+                </a:r>
+                <a:r>
+                  <a:rPr lang="ru-RU" dirty="0">
+                    <a:solidFill>
+                      <a:srgbClr val="00B050"/>
+                    </a:solidFill>
+                  </a:rPr>
+                  <a:t>, </a:t>
+                </a:r>
+                <a:r>
+                  <a:rPr lang="en-US" sz="2000" dirty="0" err="1">
+                    <a:solidFill>
+                      <a:srgbClr val="00B050"/>
+                    </a:solidFill>
+                  </a:rPr>
+                  <a:t>racepctblack</a:t>
+                </a:r>
+                <a:r>
+                  <a:rPr lang="en-US" dirty="0"/>
+                  <a:t>)</a:t>
+                </a:r>
+                <a:r>
+                  <a:rPr lang="ru-RU" dirty="0"/>
+                  <a:t> = (</a:t>
+                </a:r>
+                <a14:m>
+                  <m:oMath xmlns:m="http://schemas.openxmlformats.org/officeDocument/2006/math">
+                    <m:r>
+                      <a:rPr lang="en-US" sz="2000" b="0" i="1" smtClean="0">
+                        <a:latin typeface="Cambria Math" panose="02040503050406030204" pitchFamily="18" charset="0"/>
+                      </a:rPr>
+                      <m:t>508.4</m:t>
+                    </m:r>
+                  </m:oMath>
+                </a14:m>
+                <a:r>
+                  <a:rPr lang="ru-RU" dirty="0"/>
+                  <a:t>2, </a:t>
+                </a:r>
+                <a14:m>
+                  <m:oMath xmlns:m="http://schemas.openxmlformats.org/officeDocument/2006/math">
+                    <m:r>
+                      <a:rPr lang="en-US" i="1">
+                        <a:latin typeface="Cambria Math" panose="02040503050406030204" pitchFamily="18" charset="0"/>
+                      </a:rPr>
+                      <m:t>1115.</m:t>
+                    </m:r>
+                  </m:oMath>
+                </a14:m>
+                <a:r>
+                  <a:rPr lang="ru-RU" dirty="0"/>
+                  <a:t>5)</a:t>
+                </a:r>
+              </a:p>
+              <a:p>
+                <a:pPr marL="0" indent="0">
+                  <a:buNone/>
+                </a:pPr>
+                <a:r>
+                  <a:rPr lang="en-US" dirty="0" err="1"/>
+                  <a:t>Base_value</a:t>
+                </a:r>
+                <a:r>
+                  <a:rPr lang="en-US" dirty="0"/>
+                  <a:t> = </a:t>
+                </a:r>
+                <a14:m>
+                  <m:oMath xmlns:m="http://schemas.openxmlformats.org/officeDocument/2006/math">
+                    <m:r>
+                      <a:rPr lang="en-US" sz="2000" b="0" i="1" smtClean="0">
+                        <a:latin typeface="Cambria Math" panose="02040503050406030204" pitchFamily="18" charset="0"/>
+                      </a:rPr>
+                      <m:t>461.</m:t>
+                    </m:r>
+                  </m:oMath>
+                </a14:m>
+                <a:r>
+                  <a:rPr lang="en-US" dirty="0"/>
+                  <a:t>6 – </a:t>
+                </a:r>
+                <a:r>
+                  <a:rPr lang="ru-RU" dirty="0"/>
+                  <a:t>прогноз модели, если бы не было известно никакой информации о семпле данных</a:t>
+                </a:r>
+              </a:p>
+              <a:p>
+                <a:pPr marL="0" indent="0">
+                  <a:buNone/>
+                </a:pPr>
+                <a:r>
+                  <a:rPr lang="ru-RU" dirty="0"/>
+                  <a:t>Согласно </a:t>
+                </a:r>
+                <a:r>
+                  <a:rPr lang="en-US" dirty="0" err="1"/>
+                  <a:t>shap</a:t>
+                </a:r>
+                <a:r>
+                  <a:rPr lang="en-US" dirty="0"/>
+                  <a:t>-</a:t>
+                </a:r>
+                <a:r>
+                  <a:rPr lang="ru-RU" dirty="0"/>
+                  <a:t>значениям признак </a:t>
+                </a:r>
+                <a:r>
+                  <a:rPr lang="en-US" sz="2000" dirty="0" err="1">
+                    <a:solidFill>
+                      <a:schemeClr val="tx1"/>
+                    </a:solidFill>
+                  </a:rPr>
+                  <a:t>PctKidsBornNeverMar</a:t>
+                </a:r>
+                <a:r>
+                  <a:rPr lang="en-US" sz="2000" dirty="0">
+                    <a:solidFill>
+                      <a:schemeClr val="tx1"/>
+                    </a:solidFill>
+                  </a:rPr>
+                  <a:t> </a:t>
+                </a:r>
+                <a:r>
+                  <a:rPr lang="ru-RU" sz="2000" dirty="0">
+                    <a:solidFill>
+                      <a:schemeClr val="tx1"/>
+                    </a:solidFill>
+                  </a:rPr>
+                  <a:t>равный </a:t>
+                </a:r>
+                <a:r>
+                  <a:rPr lang="en-US" dirty="0"/>
+                  <a:t>15.07</a:t>
+                </a:r>
+                <a:r>
+                  <a:rPr lang="ru-RU" dirty="0"/>
+                  <a:t> увеличил значение прогноза на 508.42, а признак </a:t>
+                </a:r>
+                <a:r>
+                  <a:rPr lang="en-US" dirty="0" err="1"/>
+                  <a:t>Racepctblack</a:t>
+                </a:r>
+                <a:r>
+                  <a:rPr lang="en-US" dirty="0"/>
+                  <a:t>=36.14 </a:t>
+                </a:r>
+                <a:r>
+                  <a:rPr lang="ru-RU" dirty="0"/>
+                  <a:t>увеличил значение еще на 1115.5 единиц относительно «базового значения».</a:t>
+                </a:r>
+              </a:p>
+              <a:p>
+                <a:pPr marL="0" indent="0">
+                  <a:buNone/>
+                </a:pPr>
+                <a:r>
+                  <a:rPr lang="ru-RU" dirty="0">
+                    <a:solidFill>
+                      <a:schemeClr val="tx1"/>
+                    </a:solidFill>
+                  </a:rPr>
+                  <a:t>Сложив все значения вектора Шепли и добавив  «базовое значение» как раз получим прогноз модели на выбранном семпле:</a:t>
+                </a:r>
+              </a:p>
+            </p:txBody>
+          </p:sp>
+        </mc:Choice>
+        <mc:Fallback>
+          <p:sp>
+            <p:nvSpPr>
+              <p:cNvPr id="3" name="Объект 2">
+                <a:extLst>
+                  <a:ext uri="{FF2B5EF4-FFF2-40B4-BE49-F238E27FC236}">
+                    <a16:creationId xmlns:a16="http://schemas.microsoft.com/office/drawing/2014/main" id="{8FB6D4FA-C9DF-4BB0-A022-C15516407D34}"/>
+                  </a:ext>
+                </a:extLst>
+              </p:cNvPr>
+              <p:cNvSpPr>
+                <a:spLocks noGrp="1" noRot="1" noChangeAspect="1" noMove="1" noResize="1" noEditPoints="1" noAdjustHandles="1" noChangeArrowheads="1" noChangeShapeType="1" noTextEdit="1"/>
+              </p:cNvSpPr>
+              <p:nvPr>
+                <p:ph idx="1"/>
+              </p:nvPr>
+            </p:nvSpPr>
+            <p:spPr>
+              <a:xfrm>
+                <a:off x="1190625" y="856343"/>
+                <a:ext cx="9601200" cy="3581400"/>
+              </a:xfrm>
+              <a:blipFill>
+                <a:blip r:embed="rId2"/>
+                <a:stretch>
+                  <a:fillRect l="-635" t="-1361" b="-2551"/>
+                </a:stretch>
+              </a:blipFill>
+            </p:spPr>
+            <p:txBody>
+              <a:bodyPr/>
+              <a:lstStyle/>
+              <a:p>
+                <a:r>
+                  <a:rPr lang="ru-RU">
+                    <a:noFill/>
+                  </a:rPr>
+                  <a:t> </a:t>
+                </a:r>
+              </a:p>
+            </p:txBody>
+          </p:sp>
+        </mc:Fallback>
+      </mc:AlternateContent>
+      <p:sp>
+        <p:nvSpPr>
+          <p:cNvPr id="4" name="Заголовок 1">
+            <a:extLst>
+              <a:ext uri="{FF2B5EF4-FFF2-40B4-BE49-F238E27FC236}">
+                <a16:creationId xmlns:a16="http://schemas.microsoft.com/office/drawing/2014/main" id="{5BB50A45-BF35-4BC8-A372-855865960E24}"/>
+              </a:ext>
+            </a:extLst>
+          </p:cNvPr>
+          <p:cNvSpPr>
+            <a:spLocks noGrp="1"/>
+          </p:cNvSpPr>
+          <p:nvPr>
+            <p:ph type="title"/>
+          </p:nvPr>
+        </p:nvSpPr>
+        <p:spPr>
+          <a:xfrm>
+            <a:off x="1190625" y="90488"/>
+            <a:ext cx="9601200" cy="729569"/>
+          </a:xfrm>
+        </p:spPr>
+        <p:txBody>
+          <a:bodyPr>
+            <a:normAutofit/>
+          </a:bodyPr>
+          <a:lstStyle/>
+          <a:p>
+            <a:r>
+              <a:rPr lang="ru-RU" sz="2800" dirty="0"/>
+              <a:t>Пример расчета значений Шепли</a:t>
+            </a:r>
+          </a:p>
+        </p:txBody>
+      </p:sp>
+      <mc:AlternateContent xmlns:mc="http://schemas.openxmlformats.org/markup-compatibility/2006">
+        <mc:Choice xmlns:a14="http://schemas.microsoft.com/office/drawing/2010/main" Requires="a14">
+          <p:sp>
+            <p:nvSpPr>
+              <p:cNvPr id="5" name="TextBox 4">
+                <a:extLst>
+                  <a:ext uri="{FF2B5EF4-FFF2-40B4-BE49-F238E27FC236}">
+                    <a16:creationId xmlns:a16="http://schemas.microsoft.com/office/drawing/2014/main" id="{A4D00EDA-4E8E-43FF-A5E7-1D6FCEEC454F}"/>
+                  </a:ext>
+                </a:extLst>
+              </p:cNvPr>
+              <p:cNvSpPr txBox="1"/>
+              <p:nvPr/>
+            </p:nvSpPr>
+            <p:spPr>
+              <a:xfrm>
+                <a:off x="3882571" y="4564742"/>
+                <a:ext cx="3667671" cy="276999"/>
+              </a:xfrm>
+              <a:prstGeom prst="rect">
+                <a:avLst/>
+              </a:prstGeom>
+              <a:noFill/>
+            </p:spPr>
+            <p:txBody>
+              <a:bodyPr wrap="none" lIns="0" tIns="0" rIns="0" bIns="0" rtlCol="0">
+                <a:spAutoFit/>
+              </a:bodyPr>
+              <a:lstStyle/>
+              <a:p>
+                <a14:m>
+                  <m:oMathPara xmlns:m="http://schemas.openxmlformats.org/officeDocument/2006/math">
+                    <m:oMathParaPr>
+                      <m:jc m:val="centerGroup"/>
+                    </m:oMathParaPr>
+                    <m:oMath xmlns:m="http://schemas.openxmlformats.org/officeDocument/2006/math">
+                      <m:r>
+                        <a:rPr lang="ru-RU" b="0" i="1" smtClean="0">
+                          <a:latin typeface="Cambria Math" panose="02040503050406030204" pitchFamily="18" charset="0"/>
+                        </a:rPr>
+                        <m:t>508.42+1115.5+461.6=2085.52</m:t>
+                      </m:r>
+                    </m:oMath>
+                  </m:oMathPara>
+                </a14:m>
+                <a:endParaRPr lang="ru-RU" dirty="0"/>
+              </a:p>
+            </p:txBody>
+          </p:sp>
+        </mc:Choice>
+        <mc:Fallback>
+          <p:sp>
+            <p:nvSpPr>
+              <p:cNvPr id="5" name="TextBox 4">
+                <a:extLst>
+                  <a:ext uri="{FF2B5EF4-FFF2-40B4-BE49-F238E27FC236}">
+                    <a16:creationId xmlns:a16="http://schemas.microsoft.com/office/drawing/2014/main" id="{A4D00EDA-4E8E-43FF-A5E7-1D6FCEEC454F}"/>
+                  </a:ext>
+                </a:extLst>
+              </p:cNvPr>
+              <p:cNvSpPr txBox="1">
+                <a:spLocks noRot="1" noChangeAspect="1" noMove="1" noResize="1" noEditPoints="1" noAdjustHandles="1" noChangeArrowheads="1" noChangeShapeType="1" noTextEdit="1"/>
+              </p:cNvSpPr>
+              <p:nvPr/>
+            </p:nvSpPr>
+            <p:spPr>
+              <a:xfrm>
+                <a:off x="3882571" y="4564742"/>
+                <a:ext cx="3667671" cy="276999"/>
+              </a:xfrm>
+              <a:prstGeom prst="rect">
+                <a:avLst/>
+              </a:prstGeom>
+              <a:blipFill>
+                <a:blip r:embed="rId3"/>
+                <a:stretch>
+                  <a:fillRect l="-997" r="-1163" b="-11111"/>
+                </a:stretch>
+              </a:blipFill>
+            </p:spPr>
+            <p:txBody>
+              <a:bodyPr/>
+              <a:lstStyle/>
+              <a:p>
+                <a:r>
+                  <a:rPr lang="ru-RU">
+                    <a:noFill/>
+                  </a:rPr>
+                  <a:t> </a:t>
+                </a:r>
+              </a:p>
+            </p:txBody>
+          </p:sp>
+        </mc:Fallback>
+      </mc:AlternateContent>
+    </p:spTree>
+    <p:extLst>
+      <p:ext uri="{BB962C8B-B14F-4D97-AF65-F5344CB8AC3E}">
+        <p14:creationId xmlns:p14="http://schemas.microsoft.com/office/powerpoint/2010/main" val="1605675231"/>
+      </p:ext>
+    </p:extLst>
+  </p:cSld>
+  <p:clrMapOvr>
+    <a:masterClrMapping/>
+  </p:clrMapOvr>
+</p:sld>
+</file>
+
+<file path=ppt/slides/slide11.xml><?xml version="1.0" encoding="utf-8"?>
+<p:sld xmlns:a="http://schemas.openxmlformats.org/drawingml/2006/main" xmlns:r="http://schemas.openxmlformats.org/officeDocument/2006/relationships" xmlns:p="http://schemas.openxmlformats.org/presentationml/2006/main">
+  <p:cSld>
+    <p:spTree>
+      <p:nvGrpSpPr>
+        <p:cNvPr id="1" name=""/>
+        <p:cNvGrpSpPr/>
+        <p:nvPr/>
+      </p:nvGrpSpPr>
+      <p:grpSpPr>
+        <a:xfrm>
+          <a:off x="0" y="0"/>
+          <a:ext cx="0" cy="0"/>
+          <a:chOff x="0" y="0"/>
+          <a:chExt cx="0" cy="0"/>
+        </a:xfrm>
+      </p:grpSpPr>
+      <p:sp>
+        <p:nvSpPr>
+          <p:cNvPr id="2" name="Заголовок 1">
+            <a:extLst>
+              <a:ext uri="{FF2B5EF4-FFF2-40B4-BE49-F238E27FC236}">
+                <a16:creationId xmlns:a16="http://schemas.microsoft.com/office/drawing/2014/main" id="{9E973427-10A0-4330-9DF5-F7133650CB9E}"/>
+              </a:ext>
+            </a:extLst>
+          </p:cNvPr>
+          <p:cNvSpPr>
+            <a:spLocks noGrp="1"/>
+          </p:cNvSpPr>
+          <p:nvPr>
+            <p:ph type="title"/>
+          </p:nvPr>
+        </p:nvSpPr>
+        <p:spPr>
+          <a:xfrm>
+            <a:off x="1371600" y="163286"/>
+            <a:ext cx="9601200" cy="1485900"/>
+          </a:xfrm>
+        </p:spPr>
+        <p:txBody>
+          <a:bodyPr/>
+          <a:lstStyle/>
+          <a:p>
+            <a:r>
+              <a:rPr lang="ru-RU" dirty="0"/>
+              <a:t>Заключение</a:t>
+            </a:r>
+          </a:p>
+        </p:txBody>
+      </p:sp>
+      <p:sp>
+        <p:nvSpPr>
+          <p:cNvPr id="3" name="Объект 2">
+            <a:extLst>
+              <a:ext uri="{FF2B5EF4-FFF2-40B4-BE49-F238E27FC236}">
+                <a16:creationId xmlns:a16="http://schemas.microsoft.com/office/drawing/2014/main" id="{B2E4467C-7CF8-4970-81AE-C932BCEF9C1A}"/>
+              </a:ext>
+            </a:extLst>
+          </p:cNvPr>
+          <p:cNvSpPr>
+            <a:spLocks noGrp="1"/>
+          </p:cNvSpPr>
+          <p:nvPr>
+            <p:ph idx="1"/>
+          </p:nvPr>
+        </p:nvSpPr>
+        <p:spPr>
+          <a:xfrm>
+            <a:off x="1371600" y="1045029"/>
+            <a:ext cx="9601200" cy="3581400"/>
+          </a:xfrm>
+        </p:spPr>
+        <p:txBody>
+          <a:bodyPr/>
+          <a:lstStyle/>
+          <a:p>
+            <a:r>
+              <a:rPr lang="ru-RU" dirty="0"/>
+              <a:t>Расчет вектора Шепли позволяет получить локальную интерпретацию модели, те получить объяснение прогноза для каждого семпла данных.</a:t>
+            </a:r>
+          </a:p>
+          <a:p>
+            <a:r>
+              <a:rPr lang="ru-RU" dirty="0"/>
+              <a:t>Из-за большого числа сочетаний признаков точный расчет значений Шепли дорог с точки зрения вычислений, поэтому «под капотом» используются различные алгоритмы оптимизации вычислений. </a:t>
+            </a:r>
+          </a:p>
+          <a:p>
+            <a:r>
+              <a:rPr lang="ru-RU" dirty="0"/>
+              <a:t>Для расчета значений </a:t>
+            </a:r>
+            <a:r>
+              <a:rPr lang="ru-RU" dirty="0" err="1"/>
+              <a:t>Шапли</a:t>
+            </a:r>
+            <a:r>
+              <a:rPr lang="ru-RU" dirty="0"/>
+              <a:t> есть хорошая </a:t>
+            </a:r>
+            <a:r>
+              <a:rPr lang="en-US" dirty="0"/>
+              <a:t>python-</a:t>
+            </a:r>
+            <a:r>
+              <a:rPr lang="ru-RU" dirty="0"/>
+              <a:t>библиотека </a:t>
+            </a:r>
+            <a:r>
+              <a:rPr lang="en-US" dirty="0" err="1"/>
+              <a:t>Shap</a:t>
+            </a:r>
+            <a:r>
+              <a:rPr lang="en-US" dirty="0"/>
+              <a:t>. </a:t>
+            </a:r>
+            <a:r>
+              <a:rPr lang="ru-RU" dirty="0"/>
+              <a:t>Которая позволяет вычислять значения не только на табличных</a:t>
+            </a:r>
+            <a:r>
+              <a:rPr lang="en-US" dirty="0"/>
+              <a:t> </a:t>
+            </a:r>
+            <a:r>
+              <a:rPr lang="ru-RU" dirty="0"/>
+              <a:t>данных, но и для изображений и текстов. </a:t>
+            </a:r>
+            <a:r>
+              <a:rPr lang="en-US" dirty="0">
+                <a:hlinkClick r:id="rId2"/>
+              </a:rPr>
+              <a:t>https://shap.readthedocs.io/en/stable/index.html</a:t>
+            </a:r>
+            <a:endParaRPr lang="ru-RU" dirty="0"/>
+          </a:p>
+          <a:p>
+            <a:pPr marL="0" indent="0">
+              <a:buNone/>
+            </a:pPr>
+            <a:endParaRPr lang="ru-RU" dirty="0"/>
+          </a:p>
+        </p:txBody>
+      </p:sp>
+    </p:spTree>
+    <p:extLst>
+      <p:ext uri="{BB962C8B-B14F-4D97-AF65-F5344CB8AC3E}">
+        <p14:creationId xmlns:p14="http://schemas.microsoft.com/office/powerpoint/2010/main" val="3419184572"/>
+      </p:ext>
+    </p:extLst>
+  </p:cSld>
+  <p:clrMapOvr>
+    <a:masterClrMapping/>
+  </p:clrMapOvr>
 </p:sld>
 </file>
 
@@ -4663,13 +5427,6 @@
   <p:clrMapOvr>
     <a:masterClrMapping/>
   </p:clrMapOvr>
-  <p:timing>
-    <p:tnLst>
-      <p:par>
-        <p:cTn id="1" dur="indefinite" restart="never" nodeType="tmRoot"/>
-      </p:par>
-    </p:tnLst>
-  </p:timing>
 </p:sld>
 </file>
 
@@ -4798,10 +5555,6 @@
               </a:rPr>
               <a:t>)</a:t>
             </a:r>
-            <a:r>
-              <a:rPr lang="ru-RU" dirty="0"/>
-              <a:t/>
-            </a:r>
             <a:br>
               <a:rPr lang="ru-RU" dirty="0"/>
             </a:br>
@@ -4851,10 +5604,6 @@
               </a:rPr>
               <a:t>Cover</a:t>
             </a:r>
-            <a:r>
-              <a:rPr lang="ru-RU" dirty="0"/>
-              <a:t/>
-            </a:r>
             <a:br>
               <a:rPr lang="ru-RU" dirty="0"/>
             </a:br>
@@ -4889,16 +5638,6 @@
                 <a:latin typeface="-apple-system"/>
               </a:rPr>
               <a:t>Frequency</a:t>
-            </a:r>
-            <a:r>
-              <a:rPr lang="ru-RU" b="0" i="0" dirty="0">
-                <a:solidFill>
-                  <a:srgbClr val="111111"/>
-                </a:solidFill>
-                <a:effectLst/>
-                <a:latin typeface="-apple-system"/>
-              </a:rPr>
-              <a:t/>
             </a:r>
             <a:br>
               <a:rPr lang="ru-RU" b="0" i="0" dirty="0">
@@ -4943,13 +5682,6 @@
   <p:clrMapOvr>
     <a:masterClrMapping/>
   </p:clrMapOvr>
-  <p:timing>
-    <p:tnLst>
-      <p:par>
-        <p:cTn id="1" dur="indefinite" restart="never" nodeType="tmRoot"/>
-      </p:par>
-    </p:tnLst>
-  </p:timing>
 </p:sld>
 </file>
 
@@ -7134,6 +7866,78 @@
           </p:sp>
         </mc:Fallback>
       </mc:AlternateContent>
+      <p:sp>
+        <p:nvSpPr>
+          <p:cNvPr id="25" name="TextBox 24">
+            <a:extLst>
+              <a:ext uri="{FF2B5EF4-FFF2-40B4-BE49-F238E27FC236}">
+                <a16:creationId xmlns:a16="http://schemas.microsoft.com/office/drawing/2014/main" id="{611B6029-710B-4DBE-89C7-63C53A6DDF60}"/>
+              </a:ext>
+            </a:extLst>
+          </p:cNvPr>
+          <p:cNvSpPr txBox="1"/>
+          <p:nvPr/>
+        </p:nvSpPr>
+        <p:spPr>
+          <a:xfrm>
+            <a:off x="7438172" y="2377686"/>
+            <a:ext cx="813600" cy="276999"/>
+          </a:xfrm>
+          <a:prstGeom prst="rect">
+            <a:avLst/>
+          </a:prstGeom>
+          <a:noFill/>
+        </p:spPr>
+        <p:txBody>
+          <a:bodyPr wrap="square" rtlCol="0">
+            <a:spAutoFit/>
+          </a:bodyPr>
+          <a:lstStyle/>
+          <a:p>
+            <a:r>
+              <a:rPr lang="en-US" sz="1200" dirty="0"/>
+              <a:t>True</a:t>
+            </a:r>
+            <a:endParaRPr lang="ru-RU" sz="1200" dirty="0"/>
+          </a:p>
+        </p:txBody>
+      </p:sp>
+      <p:sp>
+        <p:nvSpPr>
+          <p:cNvPr id="27" name="TextBox 26">
+            <a:extLst>
+              <a:ext uri="{FF2B5EF4-FFF2-40B4-BE49-F238E27FC236}">
+                <a16:creationId xmlns:a16="http://schemas.microsoft.com/office/drawing/2014/main" id="{74916D4B-4C75-4304-89C4-0F7949A10233}"/>
+              </a:ext>
+            </a:extLst>
+          </p:cNvPr>
+          <p:cNvSpPr txBox="1"/>
+          <p:nvPr/>
+        </p:nvSpPr>
+        <p:spPr>
+          <a:xfrm>
+            <a:off x="8734405" y="2382212"/>
+            <a:ext cx="813600" cy="276999"/>
+          </a:xfrm>
+          <a:prstGeom prst="rect">
+            <a:avLst/>
+          </a:prstGeom>
+          <a:noFill/>
+        </p:spPr>
+        <p:txBody>
+          <a:bodyPr wrap="square" rtlCol="0">
+            <a:spAutoFit/>
+          </a:bodyPr>
+          <a:lstStyle/>
+          <a:p>
+            <a:r>
+              <a:rPr lang="en-US" sz="1200" dirty="0"/>
+              <a:t>False</a:t>
+            </a:r>
+            <a:endParaRPr lang="ru-RU" sz="1200" dirty="0"/>
+          </a:p>
+        </p:txBody>
+      </p:sp>
     </p:spTree>
     <p:extLst>
       <p:ext uri="{BB962C8B-B14F-4D97-AF65-F5344CB8AC3E}">
@@ -7144,13 +7948,6 @@
   <p:clrMapOvr>
     <a:masterClrMapping/>
   </p:clrMapOvr>
-  <p:timing>
-    <p:tnLst>
-      <p:par>
-        <p:cTn id="1" dur="indefinite" restart="never" nodeType="tmRoot"/>
-      </p:par>
-    </p:tnLst>
-  </p:timing>
 </p:sld>
 </file>
 
@@ -7290,13 +8087,6 @@
   <p:clrMapOvr>
     <a:masterClrMapping/>
   </p:clrMapOvr>
-  <p:timing>
-    <p:tnLst>
-      <p:par>
-        <p:cTn id="1" dur="indefinite" restart="never" nodeType="tmRoot"/>
-      </p:par>
-    </p:tnLst>
-  </p:timing>
 </p:sld>
 </file>
 
@@ -7497,7 +8287,7 @@
               <a:t>вклады игроков в игру – влияние каждого значения признака на выигрыш, т.е. </a:t>
             </a:r>
             <a:r>
-              <a:rPr lang="ru-RU" sz="1800" dirty="0" smtClean="0">
+              <a:rPr lang="ru-RU" sz="1800" dirty="0">
                 <a:solidFill>
                   <a:srgbClr val="000000"/>
                 </a:solidFill>
@@ -7506,7 +8296,7 @@
               <a:t>на прогноз модели</a:t>
             </a:r>
             <a:r>
-              <a:rPr lang="ru-RU" sz="1800" b="0" i="0" dirty="0" smtClean="0">
+              <a:rPr lang="ru-RU" sz="1800" b="0" i="0" dirty="0">
                 <a:solidFill>
                   <a:srgbClr val="000000"/>
                 </a:solidFill>
@@ -7515,13 +8305,6 @@
               </a:rPr>
               <a:t>.</a:t>
             </a:r>
-            <a:endParaRPr lang="ru-RU" sz="1800" b="0" i="0" dirty="0">
-              <a:solidFill>
-                <a:srgbClr val="000000"/>
-              </a:solidFill>
-              <a:effectLst/>
-              <a:latin typeface="Roboto" panose="02000000000000000000" pitchFamily="2" charset="0"/>
-            </a:endParaRPr>
           </a:p>
           <a:p>
             <a:pPr marL="0" indent="0">
@@ -7544,13 +8327,6 @@
   <p:clrMapOvr>
     <a:masterClrMapping/>
   </p:clrMapOvr>
-  <p:timing>
-    <p:tnLst>
-      <p:par>
-        <p:cTn id="1" dur="indefinite" restart="never" nodeType="tmRoot"/>
-      </p:par>
-    </p:tnLst>
-  </p:timing>
 </p:sld>
 </file>
 
@@ -7625,7 +8401,7 @@
             </p:nvSpPr>
             <p:spPr>
               <a:xfrm>
-                <a:off x="3667200" y="809625"/>
+                <a:off x="3674457" y="1455511"/>
                 <a:ext cx="6096000" cy="2185022"/>
               </a:xfrm>
               <a:prstGeom prst="rect">
@@ -8126,7 +8902,7 @@
             </p:nvSpPr>
             <p:spPr>
               <a:xfrm>
-                <a:off x="3667200" y="809625"/>
+                <a:off x="3674457" y="1455511"/>
                 <a:ext cx="6096000" cy="2185022"/>
               </a:xfrm>
               <a:prstGeom prst="rect">
@@ -8162,7 +8938,7 @@
         </p:nvSpPr>
         <p:spPr>
           <a:xfrm>
-            <a:off x="1298400" y="3372637"/>
+            <a:off x="1305657" y="4018523"/>
             <a:ext cx="10394400" cy="1200329"/>
           </a:xfrm>
           <a:prstGeom prst="rect">
@@ -8306,13 +9082,6 @@
   <p:clrMapOvr>
     <a:masterClrMapping/>
   </p:clrMapOvr>
-  <p:timing>
-    <p:tnLst>
-      <p:par>
-        <p:cTn id="1" dur="indefinite" restart="never" nodeType="tmRoot"/>
-      </p:par>
-    </p:tnLst>
-  </p:timing>
 </p:sld>
 </file>
 
@@ -8341,12 +9110,13 @@
         </p:nvSpPr>
         <p:spPr>
           <a:xfrm>
-            <a:off x="8280000" y="4293690"/>
+            <a:off x="8168954" y="4290230"/>
             <a:ext cx="3694982" cy="2392403"/>
           </a:xfrm>
           <a:prstGeom prst="rect">
             <a:avLst/>
           </a:prstGeom>
+          <a:noFill/>
         </p:spPr>
         <p:style>
           <a:lnRef idx="2">
@@ -8369,7 +9139,7 @@
           <a:lstStyle/>
           <a:p>
             <a:pPr algn="ctr"/>
-            <a:endParaRPr lang="ru-RU"/>
+            <a:endParaRPr lang="ru-RU" dirty="0"/>
           </a:p>
         </p:txBody>
       </p:sp>
@@ -8396,10 +9166,9 @@
           <a:lstStyle/>
           <a:p>
             <a:r>
-              <a:rPr lang="ru-RU" sz="2800" dirty="0" smtClean="0"/>
+              <a:rPr lang="ru-RU" sz="2800" dirty="0"/>
               <a:t>Пример расчета значений Шепли</a:t>
             </a:r>
-            <a:endParaRPr lang="ru-RU" sz="2800" dirty="0"/>
           </a:p>
         </p:txBody>
       </p:sp>
@@ -8418,7 +9187,7 @@
           <p:nvPr/>
         </p:nvPicPr>
         <p:blipFill>
-          <a:blip r:embed="rId2">
+          <a:blip r:embed="rId3">
             <a:extLst>
               <a:ext uri="{28A0092B-C50C-407E-A947-70E740481C1C}">
                 <a14:useLocalDpi xmlns:a14="http://schemas.microsoft.com/office/drawing/2010/main" val="0"/>
@@ -8432,7 +9201,7 @@
         </p:blipFill>
         <p:spPr bwMode="auto">
           <a:xfrm>
-            <a:off x="6429600" y="-333630"/>
+            <a:off x="6386057" y="-311859"/>
             <a:ext cx="6041111" cy="4431930"/>
           </a:xfrm>
           <a:prstGeom prst="rect">
@@ -8458,7 +9227,7 @@
         </p:nvSpPr>
         <p:spPr>
           <a:xfrm>
-            <a:off x="811489" y="515803"/>
+            <a:off x="790984" y="875416"/>
             <a:ext cx="5410800" cy="338554"/>
           </a:xfrm>
           <a:prstGeom prst="rect">
@@ -8472,30 +9241,33 @@
           <a:lstStyle/>
           <a:p>
             <a:r>
-              <a:rPr lang="ru-RU" sz="1600" dirty="0" smtClean="0"/>
+              <a:rPr lang="ru-RU" sz="1600" dirty="0"/>
               <a:t>Важность признака </a:t>
             </a:r>
             <a:r>
-              <a:rPr lang="en-US" sz="1600" dirty="0" err="1" smtClean="0"/>
+              <a:rPr lang="en-US" sz="1600" dirty="0" err="1">
+                <a:solidFill>
+                  <a:srgbClr val="00B050"/>
+                </a:solidFill>
+              </a:rPr>
               <a:t>racepctblack</a:t>
             </a:r>
             <a:r>
-              <a:rPr lang="en-US" sz="1600" dirty="0" smtClean="0"/>
+              <a:rPr lang="en-US" sz="1600" dirty="0"/>
               <a:t> </a:t>
             </a:r>
             <a:r>
-              <a:rPr lang="ru-RU" sz="1600" dirty="0" smtClean="0"/>
+              <a:rPr lang="ru-RU" sz="1600" dirty="0"/>
               <a:t>«</a:t>
             </a:r>
             <a:r>
-              <a:rPr lang="en-US" sz="1600" dirty="0" smtClean="0"/>
+              <a:rPr lang="en-US" sz="1600" dirty="0"/>
               <a:t>race</a:t>
             </a:r>
             <a:r>
-              <a:rPr lang="ru-RU" sz="1600" dirty="0" smtClean="0"/>
+              <a:rPr lang="ru-RU" sz="1600" dirty="0"/>
               <a:t>»</a:t>
             </a:r>
-            <a:endParaRPr lang="ru-RU" sz="1600" dirty="0"/>
           </a:p>
         </p:txBody>
       </p:sp>
@@ -8507,7 +9279,7 @@
         </p:nvSpPr>
         <p:spPr>
           <a:xfrm>
-            <a:off x="790322" y="835275"/>
+            <a:off x="769817" y="1194888"/>
             <a:ext cx="3674111" cy="338554"/>
           </a:xfrm>
           <a:prstGeom prst="rect">
@@ -8522,19 +9294,19 @@
           <a:lstStyle/>
           <a:p>
             <a:r>
-              <a:rPr lang="en-US" sz="1600" dirty="0" smtClean="0"/>
+              <a:rPr lang="en-US" sz="1600" dirty="0"/>
               <a:t>1.</a:t>
             </a:r>
             <a:r>
-              <a:rPr lang="ru-RU" sz="1600" dirty="0" smtClean="0"/>
+              <a:rPr lang="ru-RU" sz="1600" dirty="0"/>
               <a:t> Случай отсутствия </a:t>
             </a:r>
             <a:r>
-              <a:rPr lang="ru-RU" sz="1600" dirty="0" err="1" smtClean="0"/>
+              <a:rPr lang="ru-RU" sz="1600" dirty="0" err="1"/>
               <a:t>фичей</a:t>
             </a:r>
             <a:r>
-              <a:rPr lang="en-US" sz="1600" dirty="0" smtClean="0"/>
+              <a:rPr lang="en-US" sz="1600" dirty="0"/>
               <a:t> S={ }</a:t>
             </a:r>
             <a:endParaRPr lang="ru-RU" sz="1600" dirty="0"/>
@@ -8551,7 +9323,7 @@
             </p:nvSpPr>
             <p:spPr>
               <a:xfrm>
-                <a:off x="811489" y="1132937"/>
+                <a:off x="790984" y="1492550"/>
                 <a:ext cx="6694200" cy="401200"/>
               </a:xfrm>
               <a:prstGeom prst="rect">
@@ -8566,15 +9338,19 @@
               <a:lstStyle/>
               <a:p>
                 <a:r>
-                  <a:rPr lang="en-US" sz="1400" dirty="0" smtClean="0"/>
+                  <a:rPr lang="en-US" sz="1400" dirty="0"/>
                   <a:t>P(S) = </a:t>
                 </a:r>
                 <a:r>
-                  <a:rPr lang="en-US" sz="1400" dirty="0" err="1" smtClean="0"/>
+                  <a:rPr lang="en-US" sz="1400" dirty="0" err="1">
+                    <a:solidFill>
+                      <a:srgbClr val="0070C0"/>
+                    </a:solidFill>
+                  </a:rPr>
                   <a:t>base_value</a:t>
                 </a:r>
                 <a:r>
-                  <a:rPr lang="en-US" sz="1400" dirty="0" smtClean="0"/>
+                  <a:rPr lang="en-US" sz="1400" dirty="0"/>
                   <a:t>=</a:t>
                 </a:r>
                 <a14:m>
@@ -8721,14 +9497,14 @@
             </p:nvSpPr>
             <p:spPr>
               <a:xfrm>
-                <a:off x="811489" y="1132937"/>
+                <a:off x="790984" y="1492550"/>
                 <a:ext cx="6694200" cy="401200"/>
               </a:xfrm>
               <a:prstGeom prst="rect">
                 <a:avLst/>
               </a:prstGeom>
               <a:blipFill>
-                <a:blip r:embed="rId3"/>
+                <a:blip r:embed="rId4"/>
                 <a:stretch>
                   <a:fillRect l="-273"/>
                 </a:stretch>
@@ -8757,7 +9533,7 @@
         </p:nvSpPr>
         <p:spPr>
           <a:xfrm>
-            <a:off x="790322" y="1742319"/>
+            <a:off x="769817" y="2101932"/>
             <a:ext cx="5400000" cy="307777"/>
           </a:xfrm>
           <a:prstGeom prst="rect">
@@ -8772,15 +9548,15 @@
           <a:lstStyle/>
           <a:p>
             <a:r>
-              <a:rPr lang="ru-RU" sz="1400" dirty="0" smtClean="0"/>
+              <a:rPr lang="ru-RU" sz="1400" dirty="0"/>
               <a:t>Результат прогноза при добавлении </a:t>
             </a:r>
             <a:r>
-              <a:rPr lang="ru-RU" sz="1400" dirty="0" err="1" smtClean="0"/>
+              <a:rPr lang="ru-RU" sz="1400" dirty="0" err="1"/>
               <a:t>фичи</a:t>
             </a:r>
             <a:r>
-              <a:rPr lang="ru-RU" sz="1400" dirty="0" smtClean="0"/>
+              <a:rPr lang="ru-RU" sz="1400" dirty="0"/>
               <a:t> </a:t>
             </a:r>
             <a:r>
@@ -8801,7 +9577,7 @@
             </p:nvSpPr>
             <p:spPr>
               <a:xfrm>
-                <a:off x="802200" y="2052308"/>
+                <a:off x="781695" y="2411921"/>
                 <a:ext cx="6442200" cy="398314"/>
               </a:xfrm>
               <a:prstGeom prst="rect">
@@ -8873,7 +9649,7 @@
                   </m:oMath>
                 </a14:m>
                 <a:r>
-                  <a:rPr lang="en-US" sz="1400" dirty="0" smtClean="0"/>
+                  <a:rPr lang="en-US" sz="1400" dirty="0"/>
                   <a:t>= </a:t>
                 </a:r>
                 <a14:m>
@@ -8943,7 +9719,7 @@
                   </m:oMath>
                 </a14:m>
                 <a:r>
-                  <a:rPr lang="en-US" sz="1400" dirty="0" smtClean="0"/>
+                  <a:rPr lang="en-US" sz="1400" dirty="0"/>
                   <a:t> </a:t>
                 </a:r>
                 <a:endParaRPr lang="ru-RU" sz="1400" dirty="0"/>
@@ -8962,14 +9738,14 @@
             </p:nvSpPr>
             <p:spPr>
               <a:xfrm>
-                <a:off x="802200" y="2052308"/>
+                <a:off x="781695" y="2411921"/>
                 <a:ext cx="6442200" cy="398314"/>
               </a:xfrm>
               <a:prstGeom prst="rect">
                 <a:avLst/>
               </a:prstGeom>
               <a:blipFill>
-                <a:blip r:embed="rId4"/>
+                <a:blip r:embed="rId5"/>
                 <a:stretch>
                   <a:fillRect b="-1538"/>
                 </a:stretch>
@@ -9013,7 +9789,7 @@
           <a:lstStyle/>
           <a:p>
             <a:r>
-              <a:rPr lang="en-US" sz="1200" dirty="0" smtClean="0"/>
+              <a:rPr lang="en-US" sz="1200" dirty="0"/>
               <a:t>True</a:t>
             </a:r>
             <a:endParaRPr lang="ru-RU" sz="1200" dirty="0"/>
@@ -9043,7 +9819,7 @@
           <a:lstStyle/>
           <a:p>
             <a:r>
-              <a:rPr lang="en-US" sz="1200" dirty="0" smtClean="0"/>
+              <a:rPr lang="en-US" sz="1200" dirty="0"/>
               <a:t>True</a:t>
             </a:r>
             <a:endParaRPr lang="ru-RU" sz="1200" dirty="0"/>
@@ -9058,7 +9834,7 @@
         </p:nvSpPr>
         <p:spPr>
           <a:xfrm>
-            <a:off x="7086600" y="2441231"/>
+            <a:off x="7033335" y="2447976"/>
             <a:ext cx="813600" cy="276999"/>
           </a:xfrm>
           <a:prstGeom prst="rect">
@@ -9073,7 +9849,7 @@
           <a:lstStyle/>
           <a:p>
             <a:r>
-              <a:rPr lang="en-US" sz="1200" dirty="0" smtClean="0"/>
+              <a:rPr lang="en-US" sz="1200" dirty="0"/>
               <a:t>True</a:t>
             </a:r>
             <a:endParaRPr lang="ru-RU" sz="1200" dirty="0"/>
@@ -9103,7 +9879,7 @@
           <a:lstStyle/>
           <a:p>
             <a:r>
-              <a:rPr lang="en-US" sz="1200" dirty="0" smtClean="0"/>
+              <a:rPr lang="en-US" sz="1200" dirty="0"/>
               <a:t>False</a:t>
             </a:r>
             <a:endParaRPr lang="ru-RU" sz="1200" dirty="0"/>
@@ -9133,7 +9909,7 @@
           <a:lstStyle/>
           <a:p>
             <a:r>
-              <a:rPr lang="en-US" sz="1200" dirty="0" smtClean="0"/>
+              <a:rPr lang="en-US" sz="1200" dirty="0"/>
               <a:t>False</a:t>
             </a:r>
             <a:endParaRPr lang="ru-RU" sz="1200" dirty="0"/>
@@ -9163,7 +9939,7 @@
           <a:lstStyle/>
           <a:p>
             <a:r>
-              <a:rPr lang="en-US" sz="1200" dirty="0" smtClean="0"/>
+              <a:rPr lang="en-US" sz="1200" dirty="0"/>
               <a:t>False</a:t>
             </a:r>
             <a:endParaRPr lang="ru-RU" sz="1200" dirty="0"/>
@@ -9180,7 +9956,7 @@
             </p:nvSpPr>
             <p:spPr>
               <a:xfrm>
-                <a:off x="811489" y="2400747"/>
+                <a:off x="790984" y="2760360"/>
                 <a:ext cx="5884511" cy="948593"/>
               </a:xfrm>
               <a:prstGeom prst="rect">
@@ -9198,7 +9974,10 @@
                     <m:sSub>
                       <m:sSubPr>
                         <m:ctrlPr>
-                          <a:rPr lang="ru-RU" sz="1400" i="1">
+                          <a:rPr lang="ru-RU" sz="1400" i="1" smtClean="0">
+                            <a:solidFill>
+                              <a:srgbClr val="0070C0"/>
+                            </a:solidFill>
                             <a:latin typeface="Cambria Math" panose="02040503050406030204" pitchFamily="18" charset="0"/>
                           </a:rPr>
                         </m:ctrlPr>
@@ -9206,6 +9985,9 @@
                       <m:e>
                         <m:r>
                           <a:rPr lang="ru-RU" sz="1400" i="1">
+                            <a:solidFill>
+                              <a:srgbClr val="0070C0"/>
+                            </a:solidFill>
                             <a:latin typeface="Cambria Math" panose="02040503050406030204" pitchFamily="18" charset="0"/>
                           </a:rPr>
                           <m:t>ф</m:t>
@@ -9214,12 +9996,18 @@
                       <m:sub>
                         <m:r>
                           <a:rPr lang="en-US" sz="1400" i="1">
+                            <a:solidFill>
+                              <a:srgbClr val="0070C0"/>
+                            </a:solidFill>
                             <a:latin typeface="Cambria Math" panose="02040503050406030204" pitchFamily="18" charset="0"/>
                           </a:rPr>
                           <m:t>𝑟𝑎𝑐𝑒</m:t>
                         </m:r>
                         <m:r>
                           <a:rPr lang="en-US" sz="1400" i="1">
+                            <a:solidFill>
+                              <a:srgbClr val="0070C0"/>
+                            </a:solidFill>
                             <a:latin typeface="Cambria Math" panose="02040503050406030204" pitchFamily="18" charset="0"/>
                           </a:rPr>
                           <m:t>1</m:t>
@@ -9230,6 +10018,9 @@
                       <m:dPr>
                         <m:ctrlPr>
                           <a:rPr lang="en-US" sz="1400" i="1">
+                            <a:solidFill>
+                              <a:srgbClr val="0070C0"/>
+                            </a:solidFill>
                             <a:latin typeface="Cambria Math" panose="02040503050406030204" pitchFamily="18" charset="0"/>
                           </a:rPr>
                         </m:ctrlPr>
@@ -9237,6 +10028,9 @@
                       <m:e>
                         <m:r>
                           <a:rPr lang="en-US" sz="1400" i="1">
+                            <a:solidFill>
+                              <a:srgbClr val="0070C0"/>
+                            </a:solidFill>
                             <a:latin typeface="Cambria Math" panose="02040503050406030204" pitchFamily="18" charset="0"/>
                           </a:rPr>
                           <m:t>𝑝</m:t>
@@ -9245,6 +10039,9 @@
                     </m:d>
                     <m:r>
                       <a:rPr lang="en-US" sz="1400" i="1">
+                        <a:solidFill>
+                          <a:srgbClr val="0070C0"/>
+                        </a:solidFill>
                         <a:latin typeface="Cambria Math" panose="02040503050406030204" pitchFamily="18" charset="0"/>
                       </a:rPr>
                       <m:t>=</m:t>
@@ -9454,32 +10251,19 @@
                 </a14:m>
                 <a:r>
                   <a:rPr lang="en-US" sz="1400" dirty="0"/>
-                  <a:t> =</a:t>
-                </a:r>
-                <a:r>
-                  <a:rPr lang="en-US" sz="1400" dirty="0"/>
-                  <a:t>	</a:t>
-                </a:r>
-                <a:endParaRPr lang="en-US" sz="1400" dirty="0"/>
-              </a:p>
-              <a:p>
-                <a:r>
-                  <a:rPr lang="en-US" sz="1400" dirty="0"/>
-                  <a:t>	</a:t>
-                </a:r>
-                <a:r>
-                  <a:rPr lang="en-US" sz="1400" dirty="0"/>
-                  <a:t>	</a:t>
+                  <a:t> =	</a:t>
                 </a:r>
               </a:p>
               <a:p>
                 <a:r>
                   <a:rPr lang="en-US" sz="1400" dirty="0"/>
-                  <a:t>	</a:t>
+                  <a:t>		</a:t>
                 </a:r>
+              </a:p>
+              <a:p>
                 <a:r>
                   <a:rPr lang="en-US" sz="1400" dirty="0"/>
-                  <a:t>			= </a:t>
+                  <a:t>				= </a:t>
                 </a:r>
                 <a14:m>
                   <m:oMath xmlns:m="http://schemas.openxmlformats.org/officeDocument/2006/math">
@@ -9572,14 +10356,14 @@
             </p:nvSpPr>
             <p:spPr>
               <a:xfrm>
-                <a:off x="811489" y="2400747"/>
+                <a:off x="790984" y="2760360"/>
                 <a:ext cx="5884511" cy="948593"/>
               </a:xfrm>
               <a:prstGeom prst="rect">
                 <a:avLst/>
               </a:prstGeom>
               <a:blipFill>
-                <a:blip r:embed="rId5"/>
+                <a:blip r:embed="rId6"/>
                 <a:stretch>
                   <a:fillRect/>
                 </a:stretch>
@@ -9608,8 +10392,8 @@
         </p:nvSpPr>
         <p:spPr>
           <a:xfrm>
-            <a:off x="737460" y="3428197"/>
-            <a:ext cx="3421129" cy="369332"/>
+            <a:off x="759232" y="3625337"/>
+            <a:ext cx="3070071" cy="369332"/>
           </a:xfrm>
           <a:prstGeom prst="rect">
             <a:avLst/>
@@ -9622,32 +10406,32 @@
           <a:lstStyle/>
           <a:p>
             <a:r>
-              <a:rPr lang="en-US" dirty="0" smtClean="0"/>
+              <a:rPr lang="en-US" dirty="0"/>
               <a:t>2.</a:t>
             </a:r>
             <a:r>
-              <a:rPr lang="ru-RU" dirty="0" smtClean="0"/>
-              <a:t> Наличие </a:t>
-            </a:r>
-            <a:r>
-              <a:rPr lang="ru-RU" dirty="0" err="1" smtClean="0"/>
+              <a:rPr lang="ru-RU" dirty="0"/>
+              <a:t> </a:t>
+            </a:r>
+            <a:r>
+              <a:rPr lang="ru-RU" sz="1600" dirty="0"/>
+              <a:t>Наличие</a:t>
+            </a:r>
+            <a:r>
+              <a:rPr lang="ru-RU" dirty="0"/>
+              <a:t> </a:t>
+            </a:r>
+            <a:r>
+              <a:rPr lang="ru-RU" dirty="0" err="1"/>
               <a:t>фичи</a:t>
             </a:r>
             <a:r>
-              <a:rPr lang="ru-RU" dirty="0" smtClean="0"/>
+              <a:rPr lang="ru-RU" dirty="0"/>
               <a:t> </a:t>
             </a:r>
             <a:r>
-              <a:rPr lang="en-US" dirty="0" smtClean="0"/>
-              <a:t>kids </a:t>
-            </a:r>
-            <a:r>
               <a:rPr lang="en-US" dirty="0"/>
-              <a:t>S</a:t>
-            </a:r>
-            <a:r>
-              <a:rPr lang="en-US" dirty="0" smtClean="0"/>
-              <a:t>={kids}</a:t>
+              <a:t>kids S={kids}</a:t>
             </a:r>
             <a:endParaRPr lang="ru-RU" dirty="0"/>
           </a:p>
@@ -9723,7 +10507,7 @@
               <a:buNone/>
               <a:tabLst/>
             </a:pPr>
-            <a:endParaRPr kumimoji="0" lang="ru-RU" altLang="ru-RU" sz="1800" b="0" i="0" u="none" strike="noStrike" cap="none" normalizeH="0" baseline="0" dirty="0" smtClean="0">
+            <a:endParaRPr kumimoji="0" lang="ru-RU" altLang="ru-RU" sz="1800" b="0" i="0" u="none" strike="noStrike" cap="none" normalizeH="0" baseline="0" dirty="0">
               <a:ln>
                 <a:noFill/>
               </a:ln>
@@ -9744,8 +10528,8 @@
         </p:nvSpPr>
         <p:spPr>
           <a:xfrm>
-            <a:off x="5114689" y="466795"/>
-            <a:ext cx="2215200" cy="461665"/>
+            <a:off x="790984" y="416623"/>
+            <a:ext cx="6827563" cy="461665"/>
           </a:xfrm>
           <a:prstGeom prst="rect">
             <a:avLst/>
@@ -9766,19 +10550,29 @@
               </a:spcAft>
             </a:pPr>
             <a:r>
-              <a:rPr lang="ru-RU" altLang="ru-RU" sz="1200" dirty="0" err="1" smtClean="0">
+              <a:rPr lang="ru-RU" altLang="ru-RU" sz="1200" dirty="0">
                 <a:solidFill>
                   <a:srgbClr val="000000"/>
                 </a:solidFill>
                 <a:latin typeface="Arial" panose="020B0604020202020204" pitchFamily="34" charset="0"/>
                 <a:cs typeface="Arial" panose="020B0604020202020204" pitchFamily="34" charset="0"/>
               </a:rPr>
+              <a:t>Расчет проведен для семпла, имеющего следующие значения признаков: </a:t>
+            </a:r>
+            <a:r>
+              <a:rPr lang="ru-RU" altLang="ru-RU" sz="1200" dirty="0" err="1">
+                <a:solidFill>
+                  <a:srgbClr val="00B050"/>
+                </a:solidFill>
+                <a:latin typeface="Arial" panose="020B0604020202020204" pitchFamily="34" charset="0"/>
+                <a:cs typeface="Arial" panose="020B0604020202020204" pitchFamily="34" charset="0"/>
+              </a:rPr>
               <a:t>PctKidsBornNeverMar</a:t>
             </a:r>
             <a:r>
-              <a:rPr lang="en-US" altLang="ru-RU" sz="1200" dirty="0" smtClean="0">
+              <a:rPr lang="en-US" altLang="ru-RU" sz="1200" dirty="0">
                 <a:solidFill>
-                  <a:srgbClr val="000000"/>
+                  <a:srgbClr val="00B050"/>
                 </a:solidFill>
                 <a:latin typeface="Arial" panose="020B0604020202020204" pitchFamily="34" charset="0"/>
                 <a:cs typeface="Arial" panose="020B0604020202020204" pitchFamily="34" charset="0"/>
@@ -9786,36 +10580,19 @@
               <a:t>=</a:t>
             </a:r>
             <a:r>
-              <a:rPr lang="ru-RU" altLang="ru-RU" sz="1200" dirty="0" smtClean="0">
+              <a:rPr lang="ru-RU" altLang="ru-RU" sz="1200" dirty="0">
                 <a:solidFill>
-                  <a:srgbClr val="000000"/>
+                  <a:srgbClr val="00B050"/>
                 </a:solidFill>
                 <a:latin typeface="Arial" panose="020B0604020202020204" pitchFamily="34" charset="0"/>
                 <a:cs typeface="Arial" panose="020B0604020202020204" pitchFamily="34" charset="0"/>
               </a:rPr>
-              <a:t>15.07 </a:t>
-            </a:r>
-            <a:endParaRPr lang="en-US" altLang="ru-RU" sz="1200" dirty="0" smtClean="0">
-              <a:solidFill>
-                <a:srgbClr val="000000"/>
-              </a:solidFill>
-              <a:latin typeface="Arial" panose="020B0604020202020204" pitchFamily="34" charset="0"/>
-              <a:cs typeface="Arial" panose="020B0604020202020204" pitchFamily="34" charset="0"/>
-            </a:endParaRPr>
-          </a:p>
-          <a:p>
-            <a:pPr lvl="0" defTabSz="914400" eaLnBrk="0" fontAlgn="base" hangingPunct="0">
-              <a:spcBef>
-                <a:spcPct val="0"/>
-              </a:spcBef>
-              <a:spcAft>
-                <a:spcPct val="0"/>
-              </a:spcAft>
-            </a:pPr>
-            <a:r>
-              <a:rPr lang="en-US" altLang="ru-RU" sz="1200" dirty="0" smtClean="0">
+              <a:t>15.07  </a:t>
+            </a:r>
+            <a:r>
+              <a:rPr lang="en-US" altLang="ru-RU" sz="1200" dirty="0">
                 <a:solidFill>
-                  <a:srgbClr val="000000"/>
+                  <a:srgbClr val="00B050"/>
                 </a:solidFill>
                 <a:latin typeface="Arial" panose="020B0604020202020204" pitchFamily="34" charset="0"/>
                 <a:cs typeface="Arial" panose="020B0604020202020204" pitchFamily="34" charset="0"/>
@@ -9823,9 +10600,9 @@
               <a:t>R</a:t>
             </a:r>
             <a:r>
-              <a:rPr lang="ru-RU" altLang="ru-RU" sz="1200" dirty="0" err="1" smtClean="0">
+              <a:rPr lang="ru-RU" altLang="ru-RU" sz="1200" dirty="0" err="1">
                 <a:solidFill>
-                  <a:srgbClr val="000000"/>
+                  <a:srgbClr val="00B050"/>
                 </a:solidFill>
                 <a:latin typeface="Arial" panose="020B0604020202020204" pitchFamily="34" charset="0"/>
                 <a:cs typeface="Arial" panose="020B0604020202020204" pitchFamily="34" charset="0"/>
@@ -9835,7 +10612,7 @@
             <a:r>
               <a:rPr lang="en-US" altLang="ru-RU" sz="1200" dirty="0">
                 <a:solidFill>
-                  <a:srgbClr val="000000"/>
+                  <a:srgbClr val="00B050"/>
                 </a:solidFill>
                 <a:latin typeface="Arial" panose="020B0604020202020204" pitchFamily="34" charset="0"/>
                 <a:cs typeface="Arial" panose="020B0604020202020204" pitchFamily="34" charset="0"/>
@@ -9843,26 +10620,15 @@
               <a:t>=</a:t>
             </a:r>
             <a:r>
-              <a:rPr lang="ru-RU" altLang="ru-RU" sz="1200" dirty="0" smtClean="0">
+              <a:rPr lang="ru-RU" altLang="ru-RU" sz="1200" dirty="0">
                 <a:solidFill>
-                  <a:srgbClr val="000000"/>
+                  <a:srgbClr val="00B050"/>
                 </a:solidFill>
                 <a:latin typeface="Arial" panose="020B0604020202020204" pitchFamily="34" charset="0"/>
                 <a:cs typeface="Arial" panose="020B0604020202020204" pitchFamily="34" charset="0"/>
               </a:rPr>
-              <a:t>36.14</a:t>
-            </a:r>
-            <a:r>
-              <a:rPr lang="ru-RU" altLang="ru-RU" sz="1200" dirty="0" smtClean="0">
-                <a:latin typeface="Arial" panose="020B0604020202020204" pitchFamily="34" charset="0"/>
-                <a:cs typeface="Arial" panose="020B0604020202020204" pitchFamily="34" charset="0"/>
-              </a:rPr>
-              <a:t> </a:t>
-            </a:r>
-            <a:endParaRPr lang="ru-RU" altLang="ru-RU" sz="1200" dirty="0">
-              <a:latin typeface="Arial" panose="020B0604020202020204" pitchFamily="34" charset="0"/>
-              <a:cs typeface="Arial" panose="020B0604020202020204" pitchFamily="34" charset="0"/>
-            </a:endParaRPr>
+              <a:t>36.14 </a:t>
+            </a:r>
           </a:p>
         </p:txBody>
       </p:sp>
@@ -9876,7 +10642,7 @@
             </p:nvSpPr>
             <p:spPr>
               <a:xfrm>
-                <a:off x="990600" y="3892490"/>
+                <a:off x="1012372" y="4089630"/>
                 <a:ext cx="9193800" cy="401200"/>
               </a:xfrm>
               <a:prstGeom prst="rect">
@@ -9890,7 +10656,7 @@
               <a:lstStyle/>
               <a:p>
                 <a:r>
-                  <a:rPr lang="en-US" sz="1400" dirty="0" smtClean="0"/>
+                  <a:rPr lang="en-US" sz="1400" dirty="0"/>
                   <a:t>P(S) = </a:t>
                 </a:r>
                 <a14:m>
@@ -10052,17 +10818,17 @@
                   </m:oMath>
                 </a14:m>
                 <a:r>
-                  <a:rPr lang="ru-RU" sz="1400" b="0" dirty="0" smtClean="0"/>
+                  <a:rPr lang="ru-RU" sz="1400" b="0" dirty="0"/>
                   <a:t> </a:t>
                 </a:r>
                 <a:r>
-                  <a:rPr lang="ru-RU" sz="1400" b="0" dirty="0" smtClean="0">
+                  <a:rPr lang="ru-RU" sz="1400" b="0" dirty="0">
                     <a:latin typeface="Cambria Math" panose="02040503050406030204" pitchFamily="18" charset="0"/>
                     <a:ea typeface="Cambria Math" panose="02040503050406030204" pitchFamily="18" charset="0"/>
                   </a:rPr>
                   <a:t>= 613.4</a:t>
                 </a:r>
-                <a:endParaRPr lang="en-US" sz="1400" b="0" dirty="0" smtClean="0">
+                <a:endParaRPr lang="en-US" sz="1400" b="0" dirty="0">
                   <a:latin typeface="Cambria Math" panose="02040503050406030204" pitchFamily="18" charset="0"/>
                   <a:ea typeface="Cambria Math" panose="02040503050406030204" pitchFamily="18" charset="0"/>
                 </a:endParaRPr>
@@ -10081,16 +10847,16 @@
             </p:nvSpPr>
             <p:spPr>
               <a:xfrm>
-                <a:off x="990600" y="3892490"/>
+                <a:off x="1012372" y="4089630"/>
                 <a:ext cx="9193800" cy="401200"/>
               </a:xfrm>
               <a:prstGeom prst="rect">
                 <a:avLst/>
               </a:prstGeom>
               <a:blipFill>
-                <a:blip r:embed="rId6"/>
+                <a:blip r:embed="rId7"/>
                 <a:stretch>
-                  <a:fillRect l="-199" b="-1538"/>
+                  <a:fillRect l="-199"/>
                 </a:stretch>
               </a:blipFill>
             </p:spPr>
@@ -10119,7 +10885,7 @@
             </p:nvSpPr>
             <p:spPr>
               <a:xfrm>
-                <a:off x="990600" y="4372547"/>
+                <a:off x="1012372" y="4569687"/>
                 <a:ext cx="3608616" cy="409086"/>
               </a:xfrm>
               <a:prstGeom prst="rect">
@@ -10133,6 +10899,7 @@
               </a:bodyPr>
               <a:lstStyle/>
               <a:p>
+                <a:pPr/>
                 <a14:m>
                   <m:oMathPara xmlns:m="http://schemas.openxmlformats.org/officeDocument/2006/math">
                     <m:oMathParaPr>
@@ -10232,16 +10999,16 @@
             </p:nvSpPr>
             <p:spPr>
               <a:xfrm>
-                <a:off x="990600" y="4372547"/>
+                <a:off x="1012372" y="4569687"/>
                 <a:ext cx="3608616" cy="409086"/>
               </a:xfrm>
               <a:prstGeom prst="rect">
                 <a:avLst/>
               </a:prstGeom>
               <a:blipFill>
-                <a:blip r:embed="rId7"/>
+                <a:blip r:embed="rId8"/>
                 <a:stretch>
-                  <a:fillRect l="-1184" r="-338" b="-13433"/>
+                  <a:fillRect l="-1014" t="-1493" r="-338" b="-13433"/>
                 </a:stretch>
               </a:blipFill>
             </p:spPr>
@@ -10270,7 +11037,7 @@
             </p:nvSpPr>
             <p:spPr>
               <a:xfrm>
-                <a:off x="918600" y="4892282"/>
+                <a:off x="940372" y="5089422"/>
                 <a:ext cx="1925078" cy="307777"/>
               </a:xfrm>
               <a:prstGeom prst="rect">
@@ -10283,6 +11050,7 @@
               </a:bodyPr>
               <a:lstStyle/>
               <a:p>
+                <a:pPr/>
                 <a14:m>
                   <m:oMathPara xmlns:m="http://schemas.openxmlformats.org/officeDocument/2006/math">
                     <m:oMathParaPr>
@@ -10320,14 +11088,14 @@
             </p:nvSpPr>
             <p:spPr>
               <a:xfrm>
-                <a:off x="918600" y="4892282"/>
+                <a:off x="940372" y="5089422"/>
                 <a:ext cx="1925078" cy="307777"/>
               </a:xfrm>
               <a:prstGeom prst="rect">
                 <a:avLst/>
               </a:prstGeom>
               <a:blipFill>
-                <a:blip r:embed="rId8"/>
+                <a:blip r:embed="rId9"/>
                 <a:stretch>
                   <a:fillRect b="-10000"/>
                 </a:stretch>
@@ -10356,7 +11124,7 @@
         </p:nvSpPr>
         <p:spPr>
           <a:xfrm>
-            <a:off x="918600" y="5314060"/>
+            <a:off x="940372" y="5511200"/>
             <a:ext cx="4095993" cy="307777"/>
           </a:xfrm>
           <a:prstGeom prst="rect">
@@ -10399,7 +11167,7 @@
             </p:nvSpPr>
             <p:spPr>
               <a:xfrm>
-                <a:off x="918600" y="5621837"/>
+                <a:off x="940372" y="5818977"/>
                 <a:ext cx="7563000" cy="523220"/>
               </a:xfrm>
               <a:prstGeom prst="rect">
@@ -10508,16 +11276,16 @@
             </p:nvSpPr>
             <p:spPr>
               <a:xfrm>
-                <a:off x="918600" y="5621837"/>
+                <a:off x="940372" y="5818977"/>
                 <a:ext cx="7563000" cy="523220"/>
               </a:xfrm>
               <a:prstGeom prst="rect">
                 <a:avLst/>
               </a:prstGeom>
               <a:blipFill>
-                <a:blip r:embed="rId9"/>
+                <a:blip r:embed="rId10"/>
                 <a:stretch>
-                  <a:fillRect t="-3488"/>
+                  <a:fillRect t="-3529"/>
                 </a:stretch>
               </a:blipFill>
             </p:spPr>
@@ -10546,7 +11314,7 @@
             </p:nvSpPr>
             <p:spPr>
               <a:xfrm>
-                <a:off x="918600" y="6035763"/>
+                <a:off x="940372" y="6232903"/>
                 <a:ext cx="4564070" cy="724494"/>
               </a:xfrm>
               <a:prstGeom prst="rect">
@@ -10559,6 +11327,7 @@
               </a:bodyPr>
               <a:lstStyle/>
               <a:p>
+                <a:pPr/>
                 <a14:m>
                   <m:oMathPara xmlns:m="http://schemas.openxmlformats.org/officeDocument/2006/math">
                     <m:oMathParaPr>
@@ -10568,7 +11337,10 @@
                       <m:sSub>
                         <m:sSubPr>
                           <m:ctrlPr>
-                            <a:rPr lang="ru-RU" sz="1400" i="1">
+                            <a:rPr lang="ru-RU" sz="1400" i="1" smtClean="0">
+                              <a:solidFill>
+                                <a:srgbClr val="0070C0"/>
+                              </a:solidFill>
                               <a:latin typeface="Cambria Math" panose="02040503050406030204" pitchFamily="18" charset="0"/>
                             </a:rPr>
                           </m:ctrlPr>
@@ -10576,6 +11348,9 @@
                         <m:e>
                           <m:r>
                             <a:rPr lang="ru-RU" sz="1400" i="1">
+                              <a:solidFill>
+                                <a:srgbClr val="0070C0"/>
+                              </a:solidFill>
                               <a:latin typeface="Cambria Math" panose="02040503050406030204" pitchFamily="18" charset="0"/>
                             </a:rPr>
                             <m:t>ф</m:t>
@@ -10584,12 +11359,18 @@
                         <m:sub>
                           <m:r>
                             <a:rPr lang="en-US" sz="1400" i="1">
+                              <a:solidFill>
+                                <a:srgbClr val="0070C0"/>
+                              </a:solidFill>
                               <a:latin typeface="Cambria Math" panose="02040503050406030204" pitchFamily="18" charset="0"/>
                             </a:rPr>
                             <m:t>𝑟𝑎𝑐𝑒</m:t>
                           </m:r>
                           <m:r>
                             <a:rPr lang="ru-RU" sz="1400" i="1">
+                              <a:solidFill>
+                                <a:srgbClr val="0070C0"/>
+                              </a:solidFill>
                               <a:latin typeface="Cambria Math" panose="02040503050406030204" pitchFamily="18" charset="0"/>
                             </a:rPr>
                             <m:t>2</m:t>
@@ -10600,6 +11381,9 @@
                         <m:dPr>
                           <m:ctrlPr>
                             <a:rPr lang="en-US" sz="1400" i="1">
+                              <a:solidFill>
+                                <a:srgbClr val="0070C0"/>
+                              </a:solidFill>
                               <a:latin typeface="Cambria Math" panose="02040503050406030204" pitchFamily="18" charset="0"/>
                             </a:rPr>
                           </m:ctrlPr>
@@ -10607,6 +11391,9 @@
                         <m:e>
                           <m:r>
                             <a:rPr lang="en-US" sz="1400" i="1">
+                              <a:solidFill>
+                                <a:srgbClr val="0070C0"/>
+                              </a:solidFill>
                               <a:latin typeface="Cambria Math" panose="02040503050406030204" pitchFamily="18" charset="0"/>
                             </a:rPr>
                             <m:t>𝑝</m:t>
@@ -10748,14 +11535,14 @@
             </p:nvSpPr>
             <p:spPr>
               <a:xfrm>
-                <a:off x="918600" y="6035763"/>
+                <a:off x="940372" y="6232903"/>
                 <a:ext cx="4564070" cy="724494"/>
               </a:xfrm>
               <a:prstGeom prst="rect">
                 <a:avLst/>
               </a:prstGeom>
               <a:blipFill>
-                <a:blip r:embed="rId10"/>
+                <a:blip r:embed="rId11"/>
                 <a:stretch>
                   <a:fillRect/>
                 </a:stretch>
@@ -10786,7 +11573,7 @@
             </p:nvSpPr>
             <p:spPr>
               <a:xfrm>
-                <a:off x="8015833" y="5407556"/>
+                <a:off x="8037605" y="5432702"/>
                 <a:ext cx="4087534" cy="854978"/>
               </a:xfrm>
               <a:prstGeom prst="rect">
@@ -10799,6 +11586,7 @@
               </a:bodyPr>
               <a:lstStyle/>
               <a:p>
+                <a:pPr/>
                 <a14:m>
                   <m:oMathPara xmlns:m="http://schemas.openxmlformats.org/officeDocument/2006/math">
                     <m:oMathParaPr>
@@ -11002,14 +11790,14 @@
             </p:nvSpPr>
             <p:spPr>
               <a:xfrm>
-                <a:off x="8015833" y="5407556"/>
+                <a:off x="8037605" y="5432702"/>
                 <a:ext cx="4087534" cy="854978"/>
               </a:xfrm>
               <a:prstGeom prst="rect">
                 <a:avLst/>
               </a:prstGeom>
               <a:blipFill>
-                <a:blip r:embed="rId11"/>
+                <a:blip r:embed="rId12"/>
                 <a:stretch>
                   <a:fillRect/>
                 </a:stretch>
@@ -11030,6 +11818,61 @@
           </p:sp>
         </mc:Fallback>
       </mc:AlternateContent>
+      <p:sp>
+        <p:nvSpPr>
+          <p:cNvPr id="3" name="TextBox 2">
+            <a:extLst>
+              <a:ext uri="{FF2B5EF4-FFF2-40B4-BE49-F238E27FC236}">
+                <a16:creationId xmlns:a16="http://schemas.microsoft.com/office/drawing/2014/main" id="{7503D2A7-C95D-4E0D-A9F0-3CE82776C30A}"/>
+              </a:ext>
+            </a:extLst>
+          </p:cNvPr>
+          <p:cNvSpPr txBox="1"/>
+          <p:nvPr/>
+        </p:nvSpPr>
+        <p:spPr>
+          <a:xfrm>
+            <a:off x="8358681" y="4508572"/>
+            <a:ext cx="3694982" cy="646331"/>
+          </a:xfrm>
+          <a:prstGeom prst="rect">
+            <a:avLst/>
+          </a:prstGeom>
+          <a:noFill/>
+        </p:spPr>
+        <p:txBody>
+          <a:bodyPr wrap="square" rtlCol="0">
+            <a:spAutoFit/>
+          </a:bodyPr>
+          <a:lstStyle/>
+          <a:p>
+            <a:r>
+              <a:rPr lang="en-US" dirty="0" err="1"/>
+              <a:t>Shap</a:t>
+            </a:r>
+            <a:r>
+              <a:rPr lang="en-US" dirty="0"/>
+              <a:t> </a:t>
+            </a:r>
+            <a:r>
+              <a:rPr lang="ru-RU" dirty="0"/>
+              <a:t>значение для </a:t>
+            </a:r>
+            <a:r>
+              <a:rPr lang="en-US" sz="1800" dirty="0" err="1"/>
+              <a:t>racepctblack</a:t>
+            </a:r>
+            <a:r>
+              <a:rPr lang="ru-RU" sz="1800" dirty="0"/>
+              <a:t> для выбранного семпла:</a:t>
+            </a:r>
+            <a:r>
+              <a:rPr lang="ru-RU" dirty="0"/>
+              <a:t> </a:t>
+            </a:r>
+          </a:p>
+        </p:txBody>
+      </p:sp>
     </p:spTree>
     <p:extLst>
       <p:ext uri="{BB962C8B-B14F-4D97-AF65-F5344CB8AC3E}">
@@ -11040,21 +11883,2371 @@
   <p:clrMapOvr>
     <a:masterClrMapping/>
   </p:clrMapOvr>
-  <mc:AlternateContent xmlns:mc="http://schemas.openxmlformats.org/markup-compatibility/2006">
-    <mc:Choice xmlns:p14="http://schemas.microsoft.com/office/powerpoint/2010/main" Requires="p14">
-      <p:transition spd="slow" p14:dur="2000"/>
-    </mc:Choice>
-    <mc:Fallback>
-      <p:transition spd="slow"/>
-    </mc:Fallback>
-  </mc:AlternateContent>
-  <p:timing>
-    <p:tnLst>
-      <p:par>
-        <p:cTn id="1" dur="indefinite" restart="never" nodeType="tmRoot"/>
-      </p:par>
-    </p:tnLst>
-  </p:timing>
+</p:sld>
+</file>
+
+<file path=ppt/slides/slide9.xml><?xml version="1.0" encoding="utf-8"?>
+<p:sld xmlns:a="http://schemas.openxmlformats.org/drawingml/2006/main" xmlns:r="http://schemas.openxmlformats.org/officeDocument/2006/relationships" xmlns:p="http://schemas.openxmlformats.org/presentationml/2006/main">
+  <p:cSld>
+    <p:spTree>
+      <p:nvGrpSpPr>
+        <p:cNvPr id="1" name=""/>
+        <p:cNvGrpSpPr/>
+        <p:nvPr/>
+      </p:nvGrpSpPr>
+      <p:grpSpPr>
+        <a:xfrm>
+          <a:off x="0" y="0"/>
+          <a:ext cx="0" cy="0"/>
+          <a:chOff x="0" y="0"/>
+          <a:chExt cx="0" cy="0"/>
+        </a:xfrm>
+      </p:grpSpPr>
+      <p:sp>
+        <p:nvSpPr>
+          <p:cNvPr id="37" name="Прямоугольник 36"/>
+          <p:cNvSpPr/>
+          <p:nvPr/>
+        </p:nvSpPr>
+        <p:spPr>
+          <a:xfrm>
+            <a:off x="8147182" y="4129385"/>
+            <a:ext cx="3694982" cy="2392403"/>
+          </a:xfrm>
+          <a:prstGeom prst="rect">
+            <a:avLst/>
+          </a:prstGeom>
+          <a:noFill/>
+        </p:spPr>
+        <p:style>
+          <a:lnRef idx="2">
+            <a:schemeClr val="accent1">
+              <a:shade val="50000"/>
+            </a:schemeClr>
+          </a:lnRef>
+          <a:fillRef idx="1">
+            <a:schemeClr val="accent1"/>
+          </a:fillRef>
+          <a:effectRef idx="0">
+            <a:schemeClr val="accent1"/>
+          </a:effectRef>
+          <a:fontRef idx="minor">
+            <a:schemeClr val="lt1"/>
+          </a:fontRef>
+        </p:style>
+        <p:txBody>
+          <a:bodyPr rtlCol="0" anchor="ctr"/>
+          <a:lstStyle/>
+          <a:p>
+            <a:pPr algn="ctr"/>
+            <a:endParaRPr lang="ru-RU" dirty="0"/>
+          </a:p>
+        </p:txBody>
+      </p:sp>
+      <p:sp>
+        <p:nvSpPr>
+          <p:cNvPr id="2" name="Заголовок 1"/>
+          <p:cNvSpPr>
+            <a:spLocks noGrp="1"/>
+          </p:cNvSpPr>
+          <p:nvPr>
+            <p:ph type="title"/>
+          </p:nvPr>
+        </p:nvSpPr>
+        <p:spPr>
+          <a:xfrm>
+            <a:off x="1371600" y="0"/>
+            <a:ext cx="9601200" cy="655200"/>
+          </a:xfrm>
+        </p:spPr>
+        <p:txBody>
+          <a:bodyPr>
+            <a:normAutofit/>
+          </a:bodyPr>
+          <a:lstStyle/>
+          <a:p>
+            <a:r>
+              <a:rPr lang="ru-RU" sz="2800" dirty="0"/>
+              <a:t>Пример расчета значений Шепли</a:t>
+            </a:r>
+          </a:p>
+        </p:txBody>
+      </p:sp>
+      <p:pic>
+        <p:nvPicPr>
+          <p:cNvPr id="4" name="Picture 2">
+            <a:extLst>
+              <a:ext uri="{FF2B5EF4-FFF2-40B4-BE49-F238E27FC236}">
+                <a16:creationId xmlns:a16="http://schemas.microsoft.com/office/drawing/2014/main" id="{73F0CB97-5A60-4D78-8EF0-46AEFA08E9B3}"/>
+              </a:ext>
+            </a:extLst>
+          </p:cNvPr>
+          <p:cNvPicPr>
+            <a:picLocks noChangeAspect="1" noChangeArrowheads="1"/>
+          </p:cNvPicPr>
+          <p:nvPr/>
+        </p:nvPicPr>
+        <p:blipFill>
+          <a:blip r:embed="rId3">
+            <a:extLst>
+              <a:ext uri="{28A0092B-C50C-407E-A947-70E740481C1C}">
+                <a14:useLocalDpi xmlns:a14="http://schemas.microsoft.com/office/drawing/2010/main" val="0"/>
+              </a:ext>
+            </a:extLst>
+          </a:blip>
+          <a:srcRect/>
+          <a:stretch>
+            <a:fillRect/>
+          </a:stretch>
+        </p:blipFill>
+        <p:spPr bwMode="auto">
+          <a:xfrm>
+            <a:off x="6386057" y="-311859"/>
+            <a:ext cx="6041111" cy="4431930"/>
+          </a:xfrm>
+          <a:prstGeom prst="rect">
+            <a:avLst/>
+          </a:prstGeom>
+          <a:noFill/>
+          <a:extLst>
+            <a:ext uri="{909E8E84-426E-40DD-AFC4-6F175D3DCCD1}">
+              <a14:hiddenFill xmlns:a14="http://schemas.microsoft.com/office/drawing/2010/main">
+                <a:solidFill>
+                  <a:srgbClr val="FFFFFF"/>
+                </a:solidFill>
+              </a14:hiddenFill>
+            </a:ext>
+          </a:extLst>
+        </p:spPr>
+      </p:pic>
+      <p:sp>
+        <p:nvSpPr>
+          <p:cNvPr id="6" name="Прямоугольник 5"/>
+          <p:cNvSpPr/>
+          <p:nvPr/>
+        </p:nvSpPr>
+        <p:spPr>
+          <a:xfrm>
+            <a:off x="790984" y="875416"/>
+            <a:ext cx="5410800" cy="338554"/>
+          </a:xfrm>
+          <a:prstGeom prst="rect">
+            <a:avLst/>
+          </a:prstGeom>
+        </p:spPr>
+        <p:txBody>
+          <a:bodyPr wrap="square">
+            <a:spAutoFit/>
+          </a:bodyPr>
+          <a:lstStyle/>
+          <a:p>
+            <a:r>
+              <a:rPr lang="ru-RU" sz="1600" dirty="0"/>
+              <a:t>Важность признака </a:t>
+            </a:r>
+            <a:r>
+              <a:rPr lang="en-US" sz="1600" dirty="0" err="1">
+                <a:solidFill>
+                  <a:srgbClr val="00B050"/>
+                </a:solidFill>
+              </a:rPr>
+              <a:t>PctKidsBornNeverMar</a:t>
+            </a:r>
+            <a:r>
+              <a:rPr lang="en-US" sz="1600" dirty="0"/>
+              <a:t> </a:t>
+            </a:r>
+            <a:r>
+              <a:rPr lang="ru-RU" sz="1600" dirty="0"/>
+              <a:t>«</a:t>
+            </a:r>
+            <a:r>
+              <a:rPr lang="en-US" sz="1600" dirty="0"/>
+              <a:t>kids</a:t>
+            </a:r>
+            <a:r>
+              <a:rPr lang="ru-RU" sz="1600" dirty="0"/>
+              <a:t>»</a:t>
+            </a:r>
+          </a:p>
+        </p:txBody>
+      </p:sp>
+      <p:sp>
+        <p:nvSpPr>
+          <p:cNvPr id="7" name="TextBox 6"/>
+          <p:cNvSpPr txBox="1"/>
+          <p:nvPr/>
+        </p:nvSpPr>
+        <p:spPr>
+          <a:xfrm>
+            <a:off x="769817" y="1194888"/>
+            <a:ext cx="3674111" cy="338554"/>
+          </a:xfrm>
+          <a:prstGeom prst="rect">
+            <a:avLst/>
+          </a:prstGeom>
+          <a:noFill/>
+        </p:spPr>
+        <p:txBody>
+          <a:bodyPr wrap="square" rtlCol="0">
+            <a:spAutoFit/>
+          </a:bodyPr>
+          <a:lstStyle/>
+          <a:p>
+            <a:r>
+              <a:rPr lang="en-US" sz="1600" dirty="0"/>
+              <a:t>1.</a:t>
+            </a:r>
+            <a:r>
+              <a:rPr lang="ru-RU" sz="1600" dirty="0"/>
+              <a:t> Случай отсутствия </a:t>
+            </a:r>
+            <a:r>
+              <a:rPr lang="ru-RU" sz="1600" dirty="0" err="1"/>
+              <a:t>фичей</a:t>
+            </a:r>
+            <a:r>
+              <a:rPr lang="en-US" sz="1600" dirty="0"/>
+              <a:t> S={ }</a:t>
+            </a:r>
+            <a:endParaRPr lang="ru-RU" sz="1600" dirty="0"/>
+          </a:p>
+        </p:txBody>
+      </p:sp>
+      <mc:AlternateContent xmlns:mc="http://schemas.openxmlformats.org/markup-compatibility/2006">
+        <mc:Choice xmlns:a14="http://schemas.microsoft.com/office/drawing/2010/main" Requires="a14">
+          <p:sp>
+            <p:nvSpPr>
+              <p:cNvPr id="8" name="TextBox 7"/>
+              <p:cNvSpPr txBox="1"/>
+              <p:nvPr/>
+            </p:nvSpPr>
+            <p:spPr>
+              <a:xfrm>
+                <a:off x="790984" y="1492550"/>
+                <a:ext cx="6694200" cy="307777"/>
+              </a:xfrm>
+              <a:prstGeom prst="rect">
+                <a:avLst/>
+              </a:prstGeom>
+              <a:noFill/>
+            </p:spPr>
+            <p:txBody>
+              <a:bodyPr wrap="square" rtlCol="0">
+                <a:spAutoFit/>
+              </a:bodyPr>
+              <a:lstStyle/>
+              <a:p>
+                <a:r>
+                  <a:rPr lang="en-US" sz="1400" dirty="0"/>
+                  <a:t>P(S) = </a:t>
+                </a:r>
+                <a:r>
+                  <a:rPr lang="en-US" sz="1400" dirty="0" err="1"/>
+                  <a:t>base_value</a:t>
+                </a:r>
+                <a14:m>
+                  <m:oMath xmlns:m="http://schemas.openxmlformats.org/officeDocument/2006/math">
+                    <m:r>
+                      <a:rPr lang="en-US" sz="1400" b="0" i="1" smtClean="0">
+                        <a:latin typeface="Cambria Math" panose="02040503050406030204" pitchFamily="18" charset="0"/>
+                      </a:rPr>
+                      <m:t>=461.6</m:t>
+                    </m:r>
+                  </m:oMath>
+                </a14:m>
+                <a:endParaRPr lang="ru-RU" sz="1400" dirty="0"/>
+              </a:p>
+            </p:txBody>
+          </p:sp>
+        </mc:Choice>
+        <mc:Fallback>
+          <p:sp>
+            <p:nvSpPr>
+              <p:cNvPr id="8" name="TextBox 7"/>
+              <p:cNvSpPr txBox="1">
+                <a:spLocks noRot="1" noChangeAspect="1" noMove="1" noResize="1" noEditPoints="1" noAdjustHandles="1" noChangeArrowheads="1" noChangeShapeType="1" noTextEdit="1"/>
+              </p:cNvSpPr>
+              <p:nvPr/>
+            </p:nvSpPr>
+            <p:spPr>
+              <a:xfrm>
+                <a:off x="790984" y="1492550"/>
+                <a:ext cx="6694200" cy="307777"/>
+              </a:xfrm>
+              <a:prstGeom prst="rect">
+                <a:avLst/>
+              </a:prstGeom>
+              <a:blipFill>
+                <a:blip r:embed="rId4"/>
+                <a:stretch>
+                  <a:fillRect l="-273" t="-6000" b="-18000"/>
+                </a:stretch>
+              </a:blipFill>
+            </p:spPr>
+            <p:txBody>
+              <a:bodyPr/>
+              <a:lstStyle/>
+              <a:p>
+                <a:r>
+                  <a:rPr lang="ru-RU">
+                    <a:noFill/>
+                  </a:rPr>
+                  <a:t> </a:t>
+                </a:r>
+              </a:p>
+            </p:txBody>
+          </p:sp>
+        </mc:Fallback>
+      </mc:AlternateContent>
+      <p:sp>
+        <p:nvSpPr>
+          <p:cNvPr id="9" name="TextBox 8"/>
+          <p:cNvSpPr txBox="1"/>
+          <p:nvPr/>
+        </p:nvSpPr>
+        <p:spPr>
+          <a:xfrm>
+            <a:off x="790984" y="1828232"/>
+            <a:ext cx="5400000" cy="307777"/>
+          </a:xfrm>
+          <a:prstGeom prst="rect">
+            <a:avLst/>
+          </a:prstGeom>
+          <a:noFill/>
+        </p:spPr>
+        <p:txBody>
+          <a:bodyPr wrap="square" rtlCol="0">
+            <a:spAutoFit/>
+          </a:bodyPr>
+          <a:lstStyle/>
+          <a:p>
+            <a:r>
+              <a:rPr lang="ru-RU" sz="1400" dirty="0"/>
+              <a:t>Результат прогноза при добавлении фичи </a:t>
+            </a:r>
+            <a:r>
+              <a:rPr lang="en-US" sz="1400" dirty="0"/>
+              <a:t>kids</a:t>
+            </a:r>
+            <a:endParaRPr lang="ru-RU" sz="1400" dirty="0"/>
+          </a:p>
+        </p:txBody>
+      </p:sp>
+      <mc:AlternateContent xmlns:mc="http://schemas.openxmlformats.org/markup-compatibility/2006">
+        <mc:Choice xmlns:a14="http://schemas.microsoft.com/office/drawing/2010/main" Requires="a14">
+          <p:sp>
+            <p:nvSpPr>
+              <p:cNvPr id="11" name="TextBox 10"/>
+              <p:cNvSpPr txBox="1"/>
+              <p:nvPr/>
+            </p:nvSpPr>
+            <p:spPr>
+              <a:xfrm>
+                <a:off x="802862" y="2138221"/>
+                <a:ext cx="6442200" cy="398314"/>
+              </a:xfrm>
+              <a:prstGeom prst="rect">
+                <a:avLst/>
+              </a:prstGeom>
+              <a:noFill/>
+            </p:spPr>
+            <p:txBody>
+              <a:bodyPr wrap="square" rtlCol="0">
+                <a:spAutoFit/>
+              </a:bodyPr>
+              <a:lstStyle/>
+              <a:p>
+                <a14:m>
+                  <m:oMath xmlns:m="http://schemas.openxmlformats.org/officeDocument/2006/math">
+                    <m:r>
+                      <a:rPr lang="en-US" sz="1400" b="0" i="1" smtClean="0">
+                        <a:latin typeface="Cambria Math" panose="02040503050406030204" pitchFamily="18" charset="0"/>
+                      </a:rPr>
+                      <m:t>𝑃</m:t>
+                    </m:r>
+                    <m:r>
+                      <a:rPr lang="en-US" sz="1400" b="0" i="1" smtClean="0">
+                        <a:latin typeface="Cambria Math" panose="02040503050406030204" pitchFamily="18" charset="0"/>
+                      </a:rPr>
+                      <m:t>(</m:t>
+                    </m:r>
+                    <m:r>
+                      <a:rPr lang="en-US" sz="1400" b="0" i="1" smtClean="0">
+                        <a:latin typeface="Cambria Math" panose="02040503050406030204" pitchFamily="18" charset="0"/>
+                      </a:rPr>
+                      <m:t>𝑆</m:t>
+                    </m:r>
+                    <m:r>
+                      <a:rPr lang="en-US" sz="1400" b="0" i="1" smtClean="0">
+                        <a:latin typeface="Cambria Math" panose="02040503050406030204" pitchFamily="18" charset="0"/>
+                        <a:ea typeface="Cambria Math" panose="02040503050406030204" pitchFamily="18" charset="0"/>
+                      </a:rPr>
+                      <m:t>∪</m:t>
+                    </m:r>
+                    <m:d>
+                      <m:dPr>
+                        <m:begChr m:val="{"/>
+                        <m:endChr m:val="}"/>
+                        <m:ctrlPr>
+                          <a:rPr lang="en-US" sz="1400" b="0" i="1" smtClean="0">
+                            <a:latin typeface="Cambria Math" panose="02040503050406030204" pitchFamily="18" charset="0"/>
+                            <a:ea typeface="Cambria Math" panose="02040503050406030204" pitchFamily="18" charset="0"/>
+                          </a:rPr>
+                        </m:ctrlPr>
+                      </m:dPr>
+                      <m:e>
+                        <m:r>
+                          <m:rPr>
+                            <m:nor/>
+                          </m:rPr>
+                          <a:rPr lang="en-US" sz="1400" b="0" i="0" dirty="0" smtClean="0"/>
+                          <m:t>kids</m:t>
+                        </m:r>
+                      </m:e>
+                    </m:d>
+                    <m:r>
+                      <a:rPr lang="en-US" sz="1400" b="0" i="1" smtClean="0">
+                        <a:latin typeface="Cambria Math" panose="02040503050406030204" pitchFamily="18" charset="0"/>
+                        <a:ea typeface="Cambria Math" panose="02040503050406030204" pitchFamily="18" charset="0"/>
+                      </a:rPr>
+                      <m:t>)</m:t>
+                    </m:r>
+                  </m:oMath>
+                </a14:m>
+                <a:r>
+                  <a:rPr lang="en-US" sz="1400" dirty="0"/>
+                  <a:t>= </a:t>
+                </a:r>
+                <a14:m>
+                  <m:oMath xmlns:m="http://schemas.openxmlformats.org/officeDocument/2006/math">
+                    <m:f>
+                      <m:fPr>
+                        <m:ctrlPr>
+                          <a:rPr lang="en-US" sz="1400" i="1" dirty="0" smtClean="0">
+                            <a:latin typeface="Cambria Math" panose="02040503050406030204" pitchFamily="18" charset="0"/>
+                          </a:rPr>
+                        </m:ctrlPr>
+                      </m:fPr>
+                      <m:num>
+                        <m:r>
+                          <a:rPr lang="en-US" sz="1400" b="0" i="1" dirty="0" smtClean="0">
+                            <a:latin typeface="Cambria Math" panose="02040503050406030204" pitchFamily="18" charset="0"/>
+                          </a:rPr>
+                          <m:t>316</m:t>
+                        </m:r>
+                      </m:num>
+                      <m:den>
+                        <m:r>
+                          <a:rPr lang="en-US" sz="1400" b="0" i="1" dirty="0" smtClean="0">
+                            <a:latin typeface="Cambria Math" panose="02040503050406030204" pitchFamily="18" charset="0"/>
+                          </a:rPr>
+                          <m:t>350</m:t>
+                        </m:r>
+                      </m:den>
+                    </m:f>
+                    <m:r>
+                      <a:rPr lang="en-US" sz="1400" b="0" i="1" dirty="0" smtClean="0">
+                        <a:latin typeface="Cambria Math" panose="02040503050406030204" pitchFamily="18" charset="0"/>
+                      </a:rPr>
+                      <m:t>1127.4+</m:t>
+                    </m:r>
+                    <m:f>
+                      <m:fPr>
+                        <m:ctrlPr>
+                          <a:rPr lang="en-US" sz="1400" b="0" i="1" dirty="0" smtClean="0">
+                            <a:latin typeface="Cambria Math" panose="02040503050406030204" pitchFamily="18" charset="0"/>
+                          </a:rPr>
+                        </m:ctrlPr>
+                      </m:fPr>
+                      <m:num>
+                        <m:r>
+                          <a:rPr lang="en-US" sz="1400" b="0" i="1" dirty="0" smtClean="0">
+                            <a:latin typeface="Cambria Math" panose="02040503050406030204" pitchFamily="18" charset="0"/>
+                          </a:rPr>
+                          <m:t>34</m:t>
+                        </m:r>
+                      </m:num>
+                      <m:den>
+                        <m:r>
+                          <a:rPr lang="en-US" sz="1400" b="0" i="1" dirty="0" smtClean="0">
+                            <a:latin typeface="Cambria Math" panose="02040503050406030204" pitchFamily="18" charset="0"/>
+                          </a:rPr>
+                          <m:t>350</m:t>
+                        </m:r>
+                      </m:den>
+                    </m:f>
+                    <m:r>
+                      <a:rPr lang="en-US" sz="1400" b="0" i="1" dirty="0" smtClean="0">
+                        <a:latin typeface="Cambria Math" panose="02040503050406030204" pitchFamily="18" charset="0"/>
+                      </a:rPr>
+                      <m:t>2085.51=</m:t>
+                    </m:r>
+                    <m:r>
+                      <a:rPr lang="en-US" sz="1400" b="0" i="1" dirty="0" smtClean="0">
+                        <a:latin typeface="Cambria Math" panose="02040503050406030204" pitchFamily="18" charset="0"/>
+                      </a:rPr>
+                      <m:t>613.4 (</m:t>
+                    </m:r>
+                    <m:r>
+                      <a:rPr lang="ru-RU" sz="1400" b="0" i="1" dirty="0" smtClean="0">
+                        <a:latin typeface="Cambria Math" panose="02040503050406030204" pitchFamily="18" charset="0"/>
+                      </a:rPr>
+                      <m:t>значение уже рассчитывали</m:t>
+                    </m:r>
+                    <m:r>
+                      <a:rPr lang="en-US" sz="1400" b="0" i="1" dirty="0" smtClean="0">
+                        <a:latin typeface="Cambria Math" panose="02040503050406030204" pitchFamily="18" charset="0"/>
+                      </a:rPr>
+                      <m:t>)</m:t>
+                    </m:r>
+                  </m:oMath>
+                </a14:m>
+                <a:r>
+                  <a:rPr lang="en-US" sz="1400" dirty="0"/>
+                  <a:t> </a:t>
+                </a:r>
+                <a:endParaRPr lang="ru-RU" sz="1400" dirty="0"/>
+              </a:p>
+            </p:txBody>
+          </p:sp>
+        </mc:Choice>
+        <mc:Fallback>
+          <p:sp>
+            <p:nvSpPr>
+              <p:cNvPr id="11" name="TextBox 10"/>
+              <p:cNvSpPr txBox="1">
+                <a:spLocks noRot="1" noChangeAspect="1" noMove="1" noResize="1" noEditPoints="1" noAdjustHandles="1" noChangeArrowheads="1" noChangeShapeType="1" noTextEdit="1"/>
+              </p:cNvSpPr>
+              <p:nvPr/>
+            </p:nvSpPr>
+            <p:spPr>
+              <a:xfrm>
+                <a:off x="802862" y="2138221"/>
+                <a:ext cx="6442200" cy="398314"/>
+              </a:xfrm>
+              <a:prstGeom prst="rect">
+                <a:avLst/>
+              </a:prstGeom>
+              <a:blipFill>
+                <a:blip r:embed="rId5"/>
+                <a:stretch>
+                  <a:fillRect b="-1538"/>
+                </a:stretch>
+              </a:blipFill>
+            </p:spPr>
+            <p:txBody>
+              <a:bodyPr/>
+              <a:lstStyle/>
+              <a:p>
+                <a:r>
+                  <a:rPr lang="ru-RU">
+                    <a:noFill/>
+                  </a:rPr>
+                  <a:t> </a:t>
+                </a:r>
+              </a:p>
+            </p:txBody>
+          </p:sp>
+        </mc:Fallback>
+      </mc:AlternateContent>
+      <p:sp>
+        <p:nvSpPr>
+          <p:cNvPr id="12" name="TextBox 11"/>
+          <p:cNvSpPr txBox="1"/>
+          <p:nvPr/>
+        </p:nvSpPr>
+        <p:spPr>
+          <a:xfrm>
+            <a:off x="8280000" y="866054"/>
+            <a:ext cx="813600" cy="276999"/>
+          </a:xfrm>
+          <a:prstGeom prst="rect">
+            <a:avLst/>
+          </a:prstGeom>
+          <a:noFill/>
+        </p:spPr>
+        <p:txBody>
+          <a:bodyPr wrap="square" rtlCol="0">
+            <a:spAutoFit/>
+          </a:bodyPr>
+          <a:lstStyle/>
+          <a:p>
+            <a:r>
+              <a:rPr lang="en-US" sz="1200" dirty="0"/>
+              <a:t>True</a:t>
+            </a:r>
+            <a:endParaRPr lang="ru-RU" sz="1200" dirty="0"/>
+          </a:p>
+        </p:txBody>
+      </p:sp>
+      <p:sp>
+        <p:nvSpPr>
+          <p:cNvPr id="13" name="TextBox 12"/>
+          <p:cNvSpPr txBox="1"/>
+          <p:nvPr/>
+        </p:nvSpPr>
+        <p:spPr>
+          <a:xfrm>
+            <a:off x="10059600" y="2441232"/>
+            <a:ext cx="813600" cy="276999"/>
+          </a:xfrm>
+          <a:prstGeom prst="rect">
+            <a:avLst/>
+          </a:prstGeom>
+          <a:noFill/>
+        </p:spPr>
+        <p:txBody>
+          <a:bodyPr wrap="square" rtlCol="0">
+            <a:spAutoFit/>
+          </a:bodyPr>
+          <a:lstStyle/>
+          <a:p>
+            <a:r>
+              <a:rPr lang="en-US" sz="1200" dirty="0"/>
+              <a:t>True</a:t>
+            </a:r>
+            <a:endParaRPr lang="ru-RU" sz="1200" dirty="0"/>
+          </a:p>
+        </p:txBody>
+      </p:sp>
+      <p:sp>
+        <p:nvSpPr>
+          <p:cNvPr id="14" name="TextBox 13"/>
+          <p:cNvSpPr txBox="1"/>
+          <p:nvPr/>
+        </p:nvSpPr>
+        <p:spPr>
+          <a:xfrm>
+            <a:off x="7033335" y="2447976"/>
+            <a:ext cx="813600" cy="276999"/>
+          </a:xfrm>
+          <a:prstGeom prst="rect">
+            <a:avLst/>
+          </a:prstGeom>
+          <a:noFill/>
+        </p:spPr>
+        <p:txBody>
+          <a:bodyPr wrap="square" rtlCol="0">
+            <a:spAutoFit/>
+          </a:bodyPr>
+          <a:lstStyle/>
+          <a:p>
+            <a:r>
+              <a:rPr lang="en-US" sz="1200" dirty="0"/>
+              <a:t>True</a:t>
+            </a:r>
+            <a:endParaRPr lang="ru-RU" sz="1200" dirty="0"/>
+          </a:p>
+        </p:txBody>
+      </p:sp>
+      <p:sp>
+        <p:nvSpPr>
+          <p:cNvPr id="15" name="TextBox 14"/>
+          <p:cNvSpPr txBox="1"/>
+          <p:nvPr/>
+        </p:nvSpPr>
+        <p:spPr>
+          <a:xfrm>
+            <a:off x="8369700" y="2441230"/>
+            <a:ext cx="813600" cy="276999"/>
+          </a:xfrm>
+          <a:prstGeom prst="rect">
+            <a:avLst/>
+          </a:prstGeom>
+          <a:noFill/>
+        </p:spPr>
+        <p:txBody>
+          <a:bodyPr wrap="square" rtlCol="0">
+            <a:spAutoFit/>
+          </a:bodyPr>
+          <a:lstStyle/>
+          <a:p>
+            <a:r>
+              <a:rPr lang="en-US" sz="1200" dirty="0"/>
+              <a:t>False</a:t>
+            </a:r>
+            <a:endParaRPr lang="ru-RU" sz="1200" dirty="0"/>
+          </a:p>
+        </p:txBody>
+      </p:sp>
+      <p:sp>
+        <p:nvSpPr>
+          <p:cNvPr id="16" name="TextBox 15"/>
+          <p:cNvSpPr txBox="1"/>
+          <p:nvPr/>
+        </p:nvSpPr>
+        <p:spPr>
+          <a:xfrm>
+            <a:off x="10184400" y="866053"/>
+            <a:ext cx="813600" cy="276999"/>
+          </a:xfrm>
+          <a:prstGeom prst="rect">
+            <a:avLst/>
+          </a:prstGeom>
+          <a:noFill/>
+        </p:spPr>
+        <p:txBody>
+          <a:bodyPr wrap="square" rtlCol="0">
+            <a:spAutoFit/>
+          </a:bodyPr>
+          <a:lstStyle/>
+          <a:p>
+            <a:r>
+              <a:rPr lang="en-US" sz="1200" dirty="0"/>
+              <a:t>False</a:t>
+            </a:r>
+            <a:endParaRPr lang="ru-RU" sz="1200" dirty="0"/>
+          </a:p>
+        </p:txBody>
+      </p:sp>
+      <p:sp>
+        <p:nvSpPr>
+          <p:cNvPr id="17" name="TextBox 16"/>
+          <p:cNvSpPr txBox="1"/>
+          <p:nvPr/>
+        </p:nvSpPr>
+        <p:spPr>
+          <a:xfrm>
+            <a:off x="11335500" y="2446730"/>
+            <a:ext cx="813600" cy="276999"/>
+          </a:xfrm>
+          <a:prstGeom prst="rect">
+            <a:avLst/>
+          </a:prstGeom>
+          <a:noFill/>
+        </p:spPr>
+        <p:txBody>
+          <a:bodyPr wrap="square" rtlCol="0">
+            <a:spAutoFit/>
+          </a:bodyPr>
+          <a:lstStyle/>
+          <a:p>
+            <a:r>
+              <a:rPr lang="en-US" sz="1200" dirty="0"/>
+              <a:t>False</a:t>
+            </a:r>
+            <a:endParaRPr lang="ru-RU" sz="1200" dirty="0"/>
+          </a:p>
+        </p:txBody>
+      </p:sp>
+      <mc:AlternateContent xmlns:mc="http://schemas.openxmlformats.org/markup-compatibility/2006">
+        <mc:Choice xmlns:a14="http://schemas.microsoft.com/office/drawing/2010/main" Requires="a14">
+          <p:sp>
+            <p:nvSpPr>
+              <p:cNvPr id="18" name="Прямоугольник 17"/>
+              <p:cNvSpPr/>
+              <p:nvPr/>
+            </p:nvSpPr>
+            <p:spPr>
+              <a:xfrm>
+                <a:off x="812151" y="2486660"/>
+                <a:ext cx="5884511" cy="948593"/>
+              </a:xfrm>
+              <a:prstGeom prst="rect">
+                <a:avLst/>
+              </a:prstGeom>
+            </p:spPr>
+            <p:txBody>
+              <a:bodyPr wrap="square">
+                <a:spAutoFit/>
+              </a:bodyPr>
+              <a:lstStyle/>
+              <a:p>
+                <a14:m>
+                  <m:oMath xmlns:m="http://schemas.openxmlformats.org/officeDocument/2006/math">
+                    <m:sSub>
+                      <m:sSubPr>
+                        <m:ctrlPr>
+                          <a:rPr lang="ru-RU" sz="1400" i="1" smtClean="0">
+                            <a:solidFill>
+                              <a:srgbClr val="0070C0"/>
+                            </a:solidFill>
+                            <a:latin typeface="Cambria Math" panose="02040503050406030204" pitchFamily="18" charset="0"/>
+                          </a:rPr>
+                        </m:ctrlPr>
+                      </m:sSubPr>
+                      <m:e>
+                        <m:r>
+                          <a:rPr lang="ru-RU" sz="1400" i="1">
+                            <a:solidFill>
+                              <a:srgbClr val="0070C0"/>
+                            </a:solidFill>
+                            <a:latin typeface="Cambria Math" panose="02040503050406030204" pitchFamily="18" charset="0"/>
+                          </a:rPr>
+                          <m:t>ф</m:t>
+                        </m:r>
+                      </m:e>
+                      <m:sub>
+                        <m:r>
+                          <a:rPr lang="en-US" sz="1400" b="0" i="1" smtClean="0">
+                            <a:solidFill>
+                              <a:srgbClr val="0070C0"/>
+                            </a:solidFill>
+                            <a:latin typeface="Cambria Math" panose="02040503050406030204" pitchFamily="18" charset="0"/>
+                          </a:rPr>
+                          <m:t>𝑘𝑖𝑑𝑠</m:t>
+                        </m:r>
+                        <m:r>
+                          <a:rPr lang="en-US" sz="1400" i="1">
+                            <a:solidFill>
+                              <a:srgbClr val="0070C0"/>
+                            </a:solidFill>
+                            <a:latin typeface="Cambria Math" panose="02040503050406030204" pitchFamily="18" charset="0"/>
+                          </a:rPr>
+                          <m:t>1</m:t>
+                        </m:r>
+                      </m:sub>
+                    </m:sSub>
+                    <m:d>
+                      <m:dPr>
+                        <m:ctrlPr>
+                          <a:rPr lang="en-US" sz="1400" i="1">
+                            <a:solidFill>
+                              <a:srgbClr val="0070C0"/>
+                            </a:solidFill>
+                            <a:latin typeface="Cambria Math" panose="02040503050406030204" pitchFamily="18" charset="0"/>
+                          </a:rPr>
+                        </m:ctrlPr>
+                      </m:dPr>
+                      <m:e>
+                        <m:r>
+                          <a:rPr lang="en-US" sz="1400" i="1">
+                            <a:solidFill>
+                              <a:srgbClr val="0070C0"/>
+                            </a:solidFill>
+                            <a:latin typeface="Cambria Math" panose="02040503050406030204" pitchFamily="18" charset="0"/>
+                          </a:rPr>
+                          <m:t>𝑝</m:t>
+                        </m:r>
+                      </m:e>
+                    </m:d>
+                    <m:r>
+                      <a:rPr lang="en-US" sz="1400" i="1">
+                        <a:solidFill>
+                          <a:srgbClr val="0070C0"/>
+                        </a:solidFill>
+                        <a:latin typeface="Cambria Math" panose="02040503050406030204" pitchFamily="18" charset="0"/>
+                      </a:rPr>
+                      <m:t>=</m:t>
+                    </m:r>
+                    <m:f>
+                      <m:fPr>
+                        <m:ctrlPr>
+                          <a:rPr lang="en-US" sz="1400" i="1">
+                            <a:latin typeface="Cambria Math" panose="02040503050406030204" pitchFamily="18" charset="0"/>
+                          </a:rPr>
+                        </m:ctrlPr>
+                      </m:fPr>
+                      <m:num>
+                        <m:d>
+                          <m:dPr>
+                            <m:begChr m:val="|"/>
+                            <m:endChr m:val="|"/>
+                            <m:ctrlPr>
+                              <a:rPr lang="en-US" sz="1400" i="1">
+                                <a:latin typeface="Cambria Math" panose="02040503050406030204" pitchFamily="18" charset="0"/>
+                              </a:rPr>
+                            </m:ctrlPr>
+                          </m:dPr>
+                          <m:e>
+                            <m:r>
+                              <a:rPr lang="en-US" sz="1400" i="1">
+                                <a:latin typeface="Cambria Math" panose="02040503050406030204" pitchFamily="18" charset="0"/>
+                              </a:rPr>
+                              <m:t>𝑆</m:t>
+                            </m:r>
+                          </m:e>
+                        </m:d>
+                        <m:r>
+                          <a:rPr lang="en-US" sz="1400" i="1">
+                            <a:latin typeface="Cambria Math" panose="02040503050406030204" pitchFamily="18" charset="0"/>
+                          </a:rPr>
+                          <m:t>!</m:t>
+                        </m:r>
+                        <m:d>
+                          <m:dPr>
+                            <m:ctrlPr>
+                              <a:rPr lang="en-US" sz="1400" i="1">
+                                <a:latin typeface="Cambria Math" panose="02040503050406030204" pitchFamily="18" charset="0"/>
+                              </a:rPr>
+                            </m:ctrlPr>
+                          </m:dPr>
+                          <m:e>
+                            <m:r>
+                              <a:rPr lang="en-US" sz="1400" i="1">
+                                <a:latin typeface="Cambria Math" panose="02040503050406030204" pitchFamily="18" charset="0"/>
+                              </a:rPr>
+                              <m:t>𝑛</m:t>
+                            </m:r>
+                            <m:r>
+                              <a:rPr lang="en-US" sz="1400" i="1">
+                                <a:latin typeface="Cambria Math" panose="02040503050406030204" pitchFamily="18" charset="0"/>
+                              </a:rPr>
+                              <m:t>−</m:t>
+                            </m:r>
+                            <m:d>
+                              <m:dPr>
+                                <m:begChr m:val="|"/>
+                                <m:endChr m:val="|"/>
+                                <m:ctrlPr>
+                                  <a:rPr lang="en-US" sz="1400" i="1">
+                                    <a:latin typeface="Cambria Math" panose="02040503050406030204" pitchFamily="18" charset="0"/>
+                                  </a:rPr>
+                                </m:ctrlPr>
+                              </m:dPr>
+                              <m:e>
+                                <m:r>
+                                  <a:rPr lang="en-US" sz="1400" i="1">
+                                    <a:latin typeface="Cambria Math" panose="02040503050406030204" pitchFamily="18" charset="0"/>
+                                  </a:rPr>
+                                  <m:t>𝑆</m:t>
+                                </m:r>
+                              </m:e>
+                            </m:d>
+                            <m:r>
+                              <a:rPr lang="en-US" sz="1400" i="1">
+                                <a:latin typeface="Cambria Math" panose="02040503050406030204" pitchFamily="18" charset="0"/>
+                              </a:rPr>
+                              <m:t>−1</m:t>
+                            </m:r>
+                          </m:e>
+                        </m:d>
+                        <m:r>
+                          <a:rPr lang="en-US" sz="1400" i="1">
+                            <a:latin typeface="Cambria Math" panose="02040503050406030204" pitchFamily="18" charset="0"/>
+                          </a:rPr>
+                          <m:t>!</m:t>
+                        </m:r>
+                      </m:num>
+                      <m:den>
+                        <m:r>
+                          <a:rPr lang="en-US" sz="1400" i="1">
+                            <a:latin typeface="Cambria Math" panose="02040503050406030204" pitchFamily="18" charset="0"/>
+                          </a:rPr>
+                          <m:t>𝑛</m:t>
+                        </m:r>
+                        <m:r>
+                          <a:rPr lang="en-US" sz="1400" i="1">
+                            <a:latin typeface="Cambria Math" panose="02040503050406030204" pitchFamily="18" charset="0"/>
+                          </a:rPr>
+                          <m:t>!</m:t>
+                        </m:r>
+                      </m:den>
+                    </m:f>
+                    <m:r>
+                      <a:rPr lang="en-US" sz="1400" i="1">
+                        <a:latin typeface="Cambria Math" panose="02040503050406030204" pitchFamily="18" charset="0"/>
+                      </a:rPr>
+                      <m:t>(</m:t>
+                    </m:r>
+                    <m:r>
+                      <a:rPr lang="en-US" sz="1400" i="1">
+                        <a:latin typeface="Cambria Math" panose="02040503050406030204" pitchFamily="18" charset="0"/>
+                      </a:rPr>
+                      <m:t>𝑝</m:t>
+                    </m:r>
+                    <m:d>
+                      <m:dPr>
+                        <m:ctrlPr>
+                          <a:rPr lang="en-US" sz="1400" i="1">
+                            <a:latin typeface="Cambria Math" panose="02040503050406030204" pitchFamily="18" charset="0"/>
+                          </a:rPr>
+                        </m:ctrlPr>
+                      </m:dPr>
+                      <m:e>
+                        <m:r>
+                          <a:rPr lang="en-US" sz="1400" i="1">
+                            <a:latin typeface="Cambria Math" panose="02040503050406030204" pitchFamily="18" charset="0"/>
+                          </a:rPr>
+                          <m:t>𝑆</m:t>
+                        </m:r>
+                        <m:r>
+                          <a:rPr lang="en-US" sz="1400" i="1">
+                            <a:latin typeface="Cambria Math" panose="02040503050406030204" pitchFamily="18" charset="0"/>
+                            <a:ea typeface="Cambria Math" panose="02040503050406030204" pitchFamily="18" charset="0"/>
+                          </a:rPr>
+                          <m:t>∪</m:t>
+                        </m:r>
+                        <m:d>
+                          <m:dPr>
+                            <m:begChr m:val="{"/>
+                            <m:endChr m:val="}"/>
+                            <m:ctrlPr>
+                              <a:rPr lang="en-US" sz="1400" i="1">
+                                <a:latin typeface="Cambria Math" panose="02040503050406030204" pitchFamily="18" charset="0"/>
+                                <a:ea typeface="Cambria Math" panose="02040503050406030204" pitchFamily="18" charset="0"/>
+                              </a:rPr>
+                            </m:ctrlPr>
+                          </m:dPr>
+                          <m:e>
+                            <m:r>
+                              <a:rPr lang="en-US" sz="1400" b="0" i="1" smtClean="0">
+                                <a:latin typeface="Cambria Math" panose="02040503050406030204" pitchFamily="18" charset="0"/>
+                                <a:ea typeface="Cambria Math" panose="02040503050406030204" pitchFamily="18" charset="0"/>
+                              </a:rPr>
+                              <m:t>𝑘𝑖𝑑𝑠</m:t>
+                            </m:r>
+                          </m:e>
+                        </m:d>
+                      </m:e>
+                    </m:d>
+                    <m:r>
+                      <a:rPr lang="en-US" sz="1400" i="1">
+                        <a:latin typeface="Cambria Math" panose="02040503050406030204" pitchFamily="18" charset="0"/>
+                        <a:ea typeface="Cambria Math" panose="02040503050406030204" pitchFamily="18" charset="0"/>
+                      </a:rPr>
+                      <m:t>−</m:t>
+                    </m:r>
+                    <m:r>
+                      <a:rPr lang="en-US" sz="1400" i="1">
+                        <a:latin typeface="Cambria Math" panose="02040503050406030204" pitchFamily="18" charset="0"/>
+                        <a:ea typeface="Cambria Math" panose="02040503050406030204" pitchFamily="18" charset="0"/>
+                      </a:rPr>
+                      <m:t>𝑝</m:t>
+                    </m:r>
+                    <m:d>
+                      <m:dPr>
+                        <m:ctrlPr>
+                          <a:rPr lang="en-US" sz="1400" i="1">
+                            <a:latin typeface="Cambria Math" panose="02040503050406030204" pitchFamily="18" charset="0"/>
+                            <a:ea typeface="Cambria Math" panose="02040503050406030204" pitchFamily="18" charset="0"/>
+                          </a:rPr>
+                        </m:ctrlPr>
+                      </m:dPr>
+                      <m:e>
+                        <m:r>
+                          <a:rPr lang="en-US" sz="1400" i="1">
+                            <a:latin typeface="Cambria Math" panose="02040503050406030204" pitchFamily="18" charset="0"/>
+                            <a:ea typeface="Cambria Math" panose="02040503050406030204" pitchFamily="18" charset="0"/>
+                          </a:rPr>
+                          <m:t>𝑆</m:t>
+                        </m:r>
+                      </m:e>
+                    </m:d>
+                    <m:r>
+                      <a:rPr lang="en-US" sz="1400" i="1">
+                        <a:latin typeface="Cambria Math" panose="02040503050406030204" pitchFamily="18" charset="0"/>
+                        <a:ea typeface="Cambria Math" panose="02040503050406030204" pitchFamily="18" charset="0"/>
+                      </a:rPr>
+                      <m:t>)</m:t>
+                    </m:r>
+                  </m:oMath>
+                </a14:m>
+                <a:r>
+                  <a:rPr lang="en-US" sz="1400" dirty="0"/>
+                  <a:t> =	</a:t>
+                </a:r>
+              </a:p>
+              <a:p>
+                <a:r>
+                  <a:rPr lang="en-US" sz="1400" dirty="0"/>
+                  <a:t>		</a:t>
+                </a:r>
+              </a:p>
+              <a:p>
+                <a:r>
+                  <a:rPr lang="en-US" sz="1400" dirty="0"/>
+                  <a:t>				= </a:t>
+                </a:r>
+                <a14:m>
+                  <m:oMath xmlns:m="http://schemas.openxmlformats.org/officeDocument/2006/math">
+                    <m:f>
+                      <m:fPr>
+                        <m:ctrlPr>
+                          <a:rPr lang="en-US" sz="1400" i="1">
+                            <a:latin typeface="Cambria Math" panose="02040503050406030204" pitchFamily="18" charset="0"/>
+                          </a:rPr>
+                        </m:ctrlPr>
+                      </m:fPr>
+                      <m:num>
+                        <m:r>
+                          <a:rPr lang="en-US" sz="1400" i="1">
+                            <a:latin typeface="Cambria Math" panose="02040503050406030204" pitchFamily="18" charset="0"/>
+                          </a:rPr>
+                          <m:t>0!</m:t>
+                        </m:r>
+                        <m:d>
+                          <m:dPr>
+                            <m:ctrlPr>
+                              <a:rPr lang="en-US" sz="1400" i="1">
+                                <a:latin typeface="Cambria Math" panose="02040503050406030204" pitchFamily="18" charset="0"/>
+                              </a:rPr>
+                            </m:ctrlPr>
+                          </m:dPr>
+                          <m:e>
+                            <m:r>
+                              <a:rPr lang="en-US" sz="1400" i="1">
+                                <a:latin typeface="Cambria Math" panose="02040503050406030204" pitchFamily="18" charset="0"/>
+                              </a:rPr>
+                              <m:t>2−0−1</m:t>
+                            </m:r>
+                          </m:e>
+                        </m:d>
+                        <m:r>
+                          <a:rPr lang="en-US" sz="1400" i="1">
+                            <a:latin typeface="Cambria Math" panose="02040503050406030204" pitchFamily="18" charset="0"/>
+                          </a:rPr>
+                          <m:t>!</m:t>
+                        </m:r>
+                      </m:num>
+                      <m:den>
+                        <m:r>
+                          <a:rPr lang="en-US" sz="1400" i="1">
+                            <a:latin typeface="Cambria Math" panose="02040503050406030204" pitchFamily="18" charset="0"/>
+                          </a:rPr>
+                          <m:t>2!</m:t>
+                        </m:r>
+                      </m:den>
+                    </m:f>
+                    <m:d>
+                      <m:dPr>
+                        <m:ctrlPr>
+                          <a:rPr lang="en-US" sz="1400" i="1">
+                            <a:latin typeface="Cambria Math" panose="02040503050406030204" pitchFamily="18" charset="0"/>
+                          </a:rPr>
+                        </m:ctrlPr>
+                      </m:dPr>
+                      <m:e>
+                        <m:r>
+                          <a:rPr lang="en-US" sz="1400" i="1" dirty="0">
+                            <a:latin typeface="Cambria Math" panose="02040503050406030204" pitchFamily="18" charset="0"/>
+                          </a:rPr>
+                          <m:t>613.4</m:t>
+                        </m:r>
+                        <m:r>
+                          <a:rPr lang="en-US" sz="1400" i="1">
+                            <a:latin typeface="Cambria Math" panose="02040503050406030204" pitchFamily="18" charset="0"/>
+                          </a:rPr>
+                          <m:t>−461.6</m:t>
+                        </m:r>
+                      </m:e>
+                    </m:d>
+                    <m:r>
+                      <a:rPr lang="en-US" sz="1400" i="1">
+                        <a:latin typeface="Cambria Math" panose="02040503050406030204" pitchFamily="18" charset="0"/>
+                      </a:rPr>
+                      <m:t>=</m:t>
+                    </m:r>
+                    <m:r>
+                      <a:rPr lang="en-US" sz="1400" b="0" i="1" smtClean="0">
+                        <a:latin typeface="Cambria Math" panose="02040503050406030204" pitchFamily="18" charset="0"/>
+                      </a:rPr>
+                      <m:t>75.92</m:t>
+                    </m:r>
+                  </m:oMath>
+                </a14:m>
+                <a:endParaRPr lang="en-US" sz="1400" dirty="0"/>
+              </a:p>
+            </p:txBody>
+          </p:sp>
+        </mc:Choice>
+        <mc:Fallback>
+          <p:sp>
+            <p:nvSpPr>
+              <p:cNvPr id="18" name="Прямоугольник 17"/>
+              <p:cNvSpPr>
+                <a:spLocks noRot="1" noChangeAspect="1" noMove="1" noResize="1" noEditPoints="1" noAdjustHandles="1" noChangeArrowheads="1" noChangeShapeType="1" noTextEdit="1"/>
+              </p:cNvSpPr>
+              <p:nvPr/>
+            </p:nvSpPr>
+            <p:spPr>
+              <a:xfrm>
+                <a:off x="812151" y="2486660"/>
+                <a:ext cx="5884511" cy="948593"/>
+              </a:xfrm>
+              <a:prstGeom prst="rect">
+                <a:avLst/>
+              </a:prstGeom>
+              <a:blipFill>
+                <a:blip r:embed="rId6"/>
+                <a:stretch>
+                  <a:fillRect/>
+                </a:stretch>
+              </a:blipFill>
+            </p:spPr>
+            <p:txBody>
+              <a:bodyPr/>
+              <a:lstStyle/>
+              <a:p>
+                <a:r>
+                  <a:rPr lang="ru-RU">
+                    <a:noFill/>
+                  </a:rPr>
+                  <a:t> </a:t>
+                </a:r>
+              </a:p>
+            </p:txBody>
+          </p:sp>
+        </mc:Fallback>
+      </mc:AlternateContent>
+      <p:sp>
+        <p:nvSpPr>
+          <p:cNvPr id="19" name="Прямоугольник 18"/>
+          <p:cNvSpPr/>
+          <p:nvPr/>
+        </p:nvSpPr>
+        <p:spPr>
+          <a:xfrm>
+            <a:off x="737460" y="3464492"/>
+            <a:ext cx="3118161" cy="369332"/>
+          </a:xfrm>
+          <a:prstGeom prst="rect">
+            <a:avLst/>
+          </a:prstGeom>
+        </p:spPr>
+        <p:txBody>
+          <a:bodyPr wrap="none">
+            <a:spAutoFit/>
+          </a:bodyPr>
+          <a:lstStyle/>
+          <a:p>
+            <a:r>
+              <a:rPr lang="en-US" dirty="0"/>
+              <a:t>2.</a:t>
+            </a:r>
+            <a:r>
+              <a:rPr lang="ru-RU" dirty="0"/>
+              <a:t> </a:t>
+            </a:r>
+            <a:r>
+              <a:rPr lang="ru-RU" sz="1600" dirty="0"/>
+              <a:t>Наличие</a:t>
+            </a:r>
+            <a:r>
+              <a:rPr lang="ru-RU" dirty="0"/>
+              <a:t> фичи </a:t>
+            </a:r>
+            <a:r>
+              <a:rPr lang="en-US" dirty="0"/>
+              <a:t>race S={race}</a:t>
+            </a:r>
+            <a:endParaRPr lang="ru-RU" dirty="0"/>
+          </a:p>
+        </p:txBody>
+      </p:sp>
+      <p:sp>
+        <p:nvSpPr>
+          <p:cNvPr id="21" name="Rectangle 2"/>
+          <p:cNvSpPr>
+            <a:spLocks noChangeArrowheads="1"/>
+          </p:cNvSpPr>
+          <p:nvPr/>
+        </p:nvSpPr>
+        <p:spPr bwMode="auto">
+          <a:xfrm>
+            <a:off x="0" y="90100"/>
+            <a:ext cx="65" cy="276999"/>
+          </a:xfrm>
+          <a:prstGeom prst="rect">
+            <a:avLst/>
+          </a:prstGeom>
+          <a:solidFill>
+            <a:srgbClr val="FFFFFF"/>
+          </a:solidFill>
+          <a:ln>
+            <a:noFill/>
+          </a:ln>
+          <a:effectLst/>
+          <a:extLst>
+            <a:ext uri="{91240B29-F687-4F45-9708-019B960494DF}">
+              <a14:hiddenLine xmlns:a14="http://schemas.microsoft.com/office/drawing/2010/main" w="9525">
+                <a:solidFill>
+                  <a:schemeClr val="tx1"/>
+                </a:solidFill>
+                <a:miter lim="800000"/>
+                <a:headEnd/>
+                <a:tailEnd/>
+              </a14:hiddenLine>
+            </a:ext>
+            <a:ext uri="{AF507438-7753-43E0-B8FC-AC1667EBCBE1}">
+              <a14:hiddenEffects xmlns:a14="http://schemas.microsoft.com/office/drawing/2010/main">
+                <a:effectLst>
+                  <a:outerShdw dist="35921" dir="2700000" algn="ctr" rotWithShape="0">
+                    <a:schemeClr val="bg2"/>
+                  </a:outerShdw>
+                </a:effectLst>
+              </a14:hiddenEffects>
+            </a:ext>
+          </a:extLst>
+        </p:spPr>
+        <p:txBody>
+          <a:bodyPr vert="horz" wrap="none" lIns="0" tIns="0" rIns="0" bIns="0" numCol="1" anchor="ctr" anchorCtr="0" compatLnSpc="1">
+            <a:prstTxWarp prst="textNoShape">
+              <a:avLst/>
+            </a:prstTxWarp>
+            <a:spAutoFit/>
+          </a:bodyPr>
+          <a:lstStyle/>
+          <a:p>
+            <a:pPr marL="0" marR="0" lvl="0" indent="0" algn="l" defTabSz="914400" rtl="0" eaLnBrk="0" fontAlgn="base" latinLnBrk="0" hangingPunct="0">
+              <a:lnSpc>
+                <a:spcPct val="100000"/>
+              </a:lnSpc>
+              <a:spcBef>
+                <a:spcPct val="0"/>
+              </a:spcBef>
+              <a:spcAft>
+                <a:spcPct val="0"/>
+              </a:spcAft>
+              <a:buClrTx/>
+              <a:buSzTx/>
+              <a:buFontTx/>
+              <a:buNone/>
+              <a:tabLst/>
+            </a:pPr>
+            <a:endParaRPr kumimoji="0" lang="ru-RU" altLang="ru-RU" sz="1800" b="0" i="0" u="none" strike="noStrike" cap="none" normalizeH="0" baseline="0" dirty="0">
+              <a:ln>
+                <a:noFill/>
+              </a:ln>
+              <a:solidFill>
+                <a:schemeClr val="tx1"/>
+              </a:solidFill>
+              <a:effectLst/>
+              <a:latin typeface="Arial" panose="020B0604020202020204" pitchFamily="34" charset="0"/>
+            </a:endParaRPr>
+          </a:p>
+        </p:txBody>
+      </p:sp>
+      <p:sp>
+        <p:nvSpPr>
+          <p:cNvPr id="22" name="Прямоугольник 21"/>
+          <p:cNvSpPr/>
+          <p:nvPr/>
+        </p:nvSpPr>
+        <p:spPr>
+          <a:xfrm>
+            <a:off x="790984" y="416623"/>
+            <a:ext cx="6827563" cy="461665"/>
+          </a:xfrm>
+          <a:prstGeom prst="rect">
+            <a:avLst/>
+          </a:prstGeom>
+        </p:spPr>
+        <p:txBody>
+          <a:bodyPr wrap="square">
+            <a:spAutoFit/>
+          </a:bodyPr>
+          <a:lstStyle/>
+          <a:p>
+            <a:pPr lvl="0" defTabSz="914400" eaLnBrk="0" fontAlgn="base" hangingPunct="0">
+              <a:spcBef>
+                <a:spcPct val="0"/>
+              </a:spcBef>
+              <a:spcAft>
+                <a:spcPct val="0"/>
+              </a:spcAft>
+            </a:pPr>
+            <a:r>
+              <a:rPr lang="ru-RU" altLang="ru-RU" sz="1200" dirty="0">
+                <a:solidFill>
+                  <a:srgbClr val="000000"/>
+                </a:solidFill>
+                <a:latin typeface="Arial" panose="020B0604020202020204" pitchFamily="34" charset="0"/>
+                <a:cs typeface="Arial" panose="020B0604020202020204" pitchFamily="34" charset="0"/>
+              </a:rPr>
+              <a:t>Расчет проведен для семпла, имеющего следующие значения признаков: </a:t>
+            </a:r>
+            <a:r>
+              <a:rPr lang="ru-RU" altLang="ru-RU" sz="1200" dirty="0" err="1">
+                <a:solidFill>
+                  <a:srgbClr val="00B050"/>
+                </a:solidFill>
+                <a:latin typeface="Arial" panose="020B0604020202020204" pitchFamily="34" charset="0"/>
+                <a:cs typeface="Arial" panose="020B0604020202020204" pitchFamily="34" charset="0"/>
+              </a:rPr>
+              <a:t>PctKidsBornNeverMar</a:t>
+            </a:r>
+            <a:r>
+              <a:rPr lang="en-US" altLang="ru-RU" sz="1200" dirty="0">
+                <a:solidFill>
+                  <a:srgbClr val="00B050"/>
+                </a:solidFill>
+                <a:latin typeface="Arial" panose="020B0604020202020204" pitchFamily="34" charset="0"/>
+                <a:cs typeface="Arial" panose="020B0604020202020204" pitchFamily="34" charset="0"/>
+              </a:rPr>
+              <a:t>=</a:t>
+            </a:r>
+            <a:r>
+              <a:rPr lang="ru-RU" altLang="ru-RU" sz="1200" dirty="0">
+                <a:solidFill>
+                  <a:srgbClr val="00B050"/>
+                </a:solidFill>
+                <a:latin typeface="Arial" panose="020B0604020202020204" pitchFamily="34" charset="0"/>
+                <a:cs typeface="Arial" panose="020B0604020202020204" pitchFamily="34" charset="0"/>
+              </a:rPr>
+              <a:t>15.07  </a:t>
+            </a:r>
+            <a:r>
+              <a:rPr lang="en-US" altLang="ru-RU" sz="1200" dirty="0">
+                <a:solidFill>
+                  <a:srgbClr val="00B050"/>
+                </a:solidFill>
+                <a:latin typeface="Arial" panose="020B0604020202020204" pitchFamily="34" charset="0"/>
+                <a:cs typeface="Arial" panose="020B0604020202020204" pitchFamily="34" charset="0"/>
+              </a:rPr>
+              <a:t>R</a:t>
+            </a:r>
+            <a:r>
+              <a:rPr lang="ru-RU" altLang="ru-RU" sz="1200" dirty="0" err="1">
+                <a:solidFill>
+                  <a:srgbClr val="00B050"/>
+                </a:solidFill>
+                <a:latin typeface="Arial" panose="020B0604020202020204" pitchFamily="34" charset="0"/>
+                <a:cs typeface="Arial" panose="020B0604020202020204" pitchFamily="34" charset="0"/>
+              </a:rPr>
+              <a:t>acepctblack</a:t>
+            </a:r>
+            <a:r>
+              <a:rPr lang="en-US" altLang="ru-RU" sz="1200" dirty="0">
+                <a:solidFill>
+                  <a:srgbClr val="00B050"/>
+                </a:solidFill>
+                <a:latin typeface="Arial" panose="020B0604020202020204" pitchFamily="34" charset="0"/>
+                <a:cs typeface="Arial" panose="020B0604020202020204" pitchFamily="34" charset="0"/>
+              </a:rPr>
+              <a:t>=</a:t>
+            </a:r>
+            <a:r>
+              <a:rPr lang="ru-RU" altLang="ru-RU" sz="1200" dirty="0">
+                <a:solidFill>
+                  <a:srgbClr val="00B050"/>
+                </a:solidFill>
+                <a:latin typeface="Arial" panose="020B0604020202020204" pitchFamily="34" charset="0"/>
+                <a:cs typeface="Arial" panose="020B0604020202020204" pitchFamily="34" charset="0"/>
+              </a:rPr>
+              <a:t>36.14 </a:t>
+            </a:r>
+          </a:p>
+        </p:txBody>
+      </p:sp>
+      <mc:AlternateContent xmlns:mc="http://schemas.openxmlformats.org/markup-compatibility/2006">
+        <mc:Choice xmlns:a14="http://schemas.microsoft.com/office/drawing/2010/main" Requires="a14">
+          <p:sp>
+            <p:nvSpPr>
+              <p:cNvPr id="23" name="Прямоугольник 22"/>
+              <p:cNvSpPr/>
+              <p:nvPr/>
+            </p:nvSpPr>
+            <p:spPr>
+              <a:xfrm>
+                <a:off x="990600" y="3928785"/>
+                <a:ext cx="9193800" cy="401200"/>
+              </a:xfrm>
+              <a:prstGeom prst="rect">
+                <a:avLst/>
+              </a:prstGeom>
+            </p:spPr>
+            <p:txBody>
+              <a:bodyPr wrap="square">
+                <a:spAutoFit/>
+              </a:bodyPr>
+              <a:lstStyle/>
+              <a:p>
+                <a:r>
+                  <a:rPr lang="en-US" sz="1400" dirty="0"/>
+                  <a:t>P(S) = </a:t>
+                </a:r>
+                <a14:m>
+                  <m:oMath xmlns:m="http://schemas.openxmlformats.org/officeDocument/2006/math">
+                    <m:f>
+                      <m:fPr>
+                        <m:ctrlPr>
+                          <a:rPr lang="en-US" sz="1400" i="1" dirty="0">
+                            <a:latin typeface="Cambria Math" panose="02040503050406030204" pitchFamily="18" charset="0"/>
+                          </a:rPr>
+                        </m:ctrlPr>
+                      </m:fPr>
+                      <m:num>
+                        <m:r>
+                          <a:rPr lang="en-US" sz="1400" i="1" dirty="0">
+                            <a:latin typeface="Cambria Math" panose="02040503050406030204" pitchFamily="18" charset="0"/>
+                          </a:rPr>
+                          <m:t>316</m:t>
+                        </m:r>
+                      </m:num>
+                      <m:den>
+                        <m:r>
+                          <a:rPr lang="en-US" sz="1400" i="1" dirty="0">
+                            <a:latin typeface="Cambria Math" panose="02040503050406030204" pitchFamily="18" charset="0"/>
+                          </a:rPr>
+                          <m:t>350</m:t>
+                        </m:r>
+                      </m:den>
+                    </m:f>
+                    <m:r>
+                      <a:rPr lang="en-US" sz="1400" i="1" dirty="0">
+                        <a:latin typeface="Cambria Math" panose="02040503050406030204" pitchFamily="18" charset="0"/>
+                      </a:rPr>
+                      <m:t>1127.4+</m:t>
+                    </m:r>
+                    <m:f>
+                      <m:fPr>
+                        <m:ctrlPr>
+                          <a:rPr lang="en-US" sz="1400" i="1" dirty="0">
+                            <a:latin typeface="Cambria Math" panose="02040503050406030204" pitchFamily="18" charset="0"/>
+                          </a:rPr>
+                        </m:ctrlPr>
+                      </m:fPr>
+                      <m:num>
+                        <m:r>
+                          <a:rPr lang="en-US" sz="1400" i="1" dirty="0">
+                            <a:latin typeface="Cambria Math" panose="02040503050406030204" pitchFamily="18" charset="0"/>
+                          </a:rPr>
+                          <m:t>34</m:t>
+                        </m:r>
+                      </m:num>
+                      <m:den>
+                        <m:r>
+                          <a:rPr lang="en-US" sz="1400" i="1" dirty="0">
+                            <a:latin typeface="Cambria Math" panose="02040503050406030204" pitchFamily="18" charset="0"/>
+                          </a:rPr>
+                          <m:t>350</m:t>
+                        </m:r>
+                      </m:den>
+                    </m:f>
+                    <m:r>
+                      <a:rPr lang="en-US" sz="1400" i="1" dirty="0">
+                        <a:latin typeface="Cambria Math" panose="02040503050406030204" pitchFamily="18" charset="0"/>
+                      </a:rPr>
+                      <m:t>2085.51=1220.52</m:t>
+                    </m:r>
+                  </m:oMath>
+                </a14:m>
+                <a:r>
+                  <a:rPr lang="en-US" sz="1400" dirty="0"/>
+                  <a:t> </a:t>
+                </a:r>
+                <a:endParaRPr lang="en-US" sz="1400" b="0" dirty="0">
+                  <a:latin typeface="Cambria Math" panose="02040503050406030204" pitchFamily="18" charset="0"/>
+                  <a:ea typeface="Cambria Math" panose="02040503050406030204" pitchFamily="18" charset="0"/>
+                </a:endParaRPr>
+              </a:p>
+            </p:txBody>
+          </p:sp>
+        </mc:Choice>
+        <mc:Fallback>
+          <p:sp>
+            <p:nvSpPr>
+              <p:cNvPr id="23" name="Прямоугольник 22"/>
+              <p:cNvSpPr>
+                <a:spLocks noRot="1" noChangeAspect="1" noMove="1" noResize="1" noEditPoints="1" noAdjustHandles="1" noChangeArrowheads="1" noChangeShapeType="1" noTextEdit="1"/>
+              </p:cNvSpPr>
+              <p:nvPr/>
+            </p:nvSpPr>
+            <p:spPr>
+              <a:xfrm>
+                <a:off x="990600" y="3928785"/>
+                <a:ext cx="9193800" cy="401200"/>
+              </a:xfrm>
+              <a:prstGeom prst="rect">
+                <a:avLst/>
+              </a:prstGeom>
+              <a:blipFill>
+                <a:blip r:embed="rId7"/>
+                <a:stretch>
+                  <a:fillRect l="-199" b="-1515"/>
+                </a:stretch>
+              </a:blipFill>
+            </p:spPr>
+            <p:txBody>
+              <a:bodyPr/>
+              <a:lstStyle/>
+              <a:p>
+                <a:r>
+                  <a:rPr lang="ru-RU">
+                    <a:noFill/>
+                  </a:rPr>
+                  <a:t> </a:t>
+                </a:r>
+              </a:p>
+            </p:txBody>
+          </p:sp>
+        </mc:Fallback>
+      </mc:AlternateContent>
+      <p:sp>
+        <p:nvSpPr>
+          <p:cNvPr id="27" name="Прямоугольник 26"/>
+          <p:cNvSpPr/>
+          <p:nvPr/>
+        </p:nvSpPr>
+        <p:spPr>
+          <a:xfrm>
+            <a:off x="769817" y="4313696"/>
+            <a:ext cx="3743012" cy="307777"/>
+          </a:xfrm>
+          <a:prstGeom prst="rect">
+            <a:avLst/>
+          </a:prstGeom>
+        </p:spPr>
+        <p:txBody>
+          <a:bodyPr wrap="none">
+            <a:spAutoFit/>
+          </a:bodyPr>
+          <a:lstStyle/>
+          <a:p>
+            <a:r>
+              <a:rPr lang="ru-RU" sz="1400" dirty="0"/>
+              <a:t>Результат прогноза при добавлении фичи </a:t>
+            </a:r>
+            <a:r>
+              <a:rPr lang="en-US" sz="1400" dirty="0"/>
+              <a:t>kids</a:t>
+            </a:r>
+            <a:endParaRPr lang="ru-RU" sz="1400" dirty="0"/>
+          </a:p>
+        </p:txBody>
+      </p:sp>
+      <mc:AlternateContent xmlns:mc="http://schemas.openxmlformats.org/markup-compatibility/2006">
+        <mc:Choice xmlns:a14="http://schemas.microsoft.com/office/drawing/2010/main" Requires="a14">
+          <p:sp>
+            <p:nvSpPr>
+              <p:cNvPr id="28" name="Прямоугольник 27"/>
+              <p:cNvSpPr/>
+              <p:nvPr/>
+            </p:nvSpPr>
+            <p:spPr>
+              <a:xfrm>
+                <a:off x="769817" y="4685675"/>
+                <a:ext cx="7563000" cy="523220"/>
+              </a:xfrm>
+              <a:prstGeom prst="rect">
+                <a:avLst/>
+              </a:prstGeom>
+            </p:spPr>
+            <p:txBody>
+              <a:bodyPr wrap="square">
+                <a:spAutoFit/>
+              </a:bodyPr>
+              <a:lstStyle/>
+              <a:p>
+                <a14:m>
+                  <m:oMath xmlns:m="http://schemas.openxmlformats.org/officeDocument/2006/math">
+                    <m:r>
+                      <a:rPr lang="en-US" sz="1400" i="1" smtClean="0">
+                        <a:latin typeface="Cambria Math" panose="02040503050406030204" pitchFamily="18" charset="0"/>
+                      </a:rPr>
+                      <m:t>𝑃</m:t>
+                    </m:r>
+                    <m:r>
+                      <a:rPr lang="en-US" sz="1400" i="1" smtClean="0">
+                        <a:latin typeface="Cambria Math" panose="02040503050406030204" pitchFamily="18" charset="0"/>
+                      </a:rPr>
+                      <m:t>(</m:t>
+                    </m:r>
+                    <m:r>
+                      <a:rPr lang="en-US" sz="1400" i="1" smtClean="0">
+                        <a:latin typeface="Cambria Math" panose="02040503050406030204" pitchFamily="18" charset="0"/>
+                      </a:rPr>
+                      <m:t>𝑆</m:t>
+                    </m:r>
+                    <m:r>
+                      <a:rPr lang="en-US" sz="1400" i="1">
+                        <a:latin typeface="Cambria Math" panose="02040503050406030204" pitchFamily="18" charset="0"/>
+                        <a:ea typeface="Cambria Math" panose="02040503050406030204" pitchFamily="18" charset="0"/>
+                      </a:rPr>
+                      <m:t>∪</m:t>
+                    </m:r>
+                    <m:d>
+                      <m:dPr>
+                        <m:begChr m:val="{"/>
+                        <m:endChr m:val="}"/>
+                        <m:ctrlPr>
+                          <a:rPr lang="en-US" sz="1400" i="1">
+                            <a:latin typeface="Cambria Math" panose="02040503050406030204" pitchFamily="18" charset="0"/>
+                            <a:ea typeface="Cambria Math" panose="02040503050406030204" pitchFamily="18" charset="0"/>
+                          </a:rPr>
+                        </m:ctrlPr>
+                      </m:dPr>
+                      <m:e>
+                        <m:r>
+                          <m:rPr>
+                            <m:nor/>
+                          </m:rPr>
+                          <a:rPr lang="en-US" sz="1400" b="0" i="0" dirty="0" smtClean="0"/>
+                          <m:t>kids</m:t>
+                        </m:r>
+                      </m:e>
+                    </m:d>
+                    <m:r>
+                      <a:rPr lang="en-US" sz="1400" i="1">
+                        <a:latin typeface="Cambria Math" panose="02040503050406030204" pitchFamily="18" charset="0"/>
+                        <a:ea typeface="Cambria Math" panose="02040503050406030204" pitchFamily="18" charset="0"/>
+                      </a:rPr>
+                      <m:t>)</m:t>
+                    </m:r>
+                  </m:oMath>
+                </a14:m>
+                <a:r>
+                  <a:rPr lang="en-US" sz="1400" dirty="0"/>
+                  <a:t>=</a:t>
+                </a:r>
+                <a14:m>
+                  <m:oMath xmlns:m="http://schemas.openxmlformats.org/officeDocument/2006/math">
+                    <m:r>
+                      <a:rPr lang="en-US" sz="1400" i="1">
+                        <a:latin typeface="Cambria Math" panose="02040503050406030204" pitchFamily="18" charset="0"/>
+                      </a:rPr>
+                      <m:t>2085.51</m:t>
+                    </m:r>
+                    <m:r>
+                      <a:rPr lang="ru-RU" sz="1400" b="0" i="1" smtClean="0">
+                        <a:latin typeface="Cambria Math" panose="02040503050406030204" pitchFamily="18" charset="0"/>
+                      </a:rPr>
+                      <m:t> −тк имея обе фичи мы точно знаем в каком листе лежит семпл</m:t>
+                    </m:r>
+                  </m:oMath>
+                </a14:m>
+                <a:endParaRPr lang="ru-RU" sz="1400" dirty="0"/>
+              </a:p>
+              <a:p>
+                <a:endParaRPr lang="ru-RU" sz="1400" dirty="0"/>
+              </a:p>
+            </p:txBody>
+          </p:sp>
+        </mc:Choice>
+        <mc:Fallback>
+          <p:sp>
+            <p:nvSpPr>
+              <p:cNvPr id="28" name="Прямоугольник 27"/>
+              <p:cNvSpPr>
+                <a:spLocks noRot="1" noChangeAspect="1" noMove="1" noResize="1" noEditPoints="1" noAdjustHandles="1" noChangeArrowheads="1" noChangeShapeType="1" noTextEdit="1"/>
+              </p:cNvSpPr>
+              <p:nvPr/>
+            </p:nvSpPr>
+            <p:spPr>
+              <a:xfrm>
+                <a:off x="769817" y="4685675"/>
+                <a:ext cx="7563000" cy="523220"/>
+              </a:xfrm>
+              <a:prstGeom prst="rect">
+                <a:avLst/>
+              </a:prstGeom>
+              <a:blipFill>
+                <a:blip r:embed="rId8"/>
+                <a:stretch>
+                  <a:fillRect t="-3529"/>
+                </a:stretch>
+              </a:blipFill>
+            </p:spPr>
+            <p:txBody>
+              <a:bodyPr/>
+              <a:lstStyle/>
+              <a:p>
+                <a:r>
+                  <a:rPr lang="ru-RU">
+                    <a:noFill/>
+                  </a:rPr>
+                  <a:t> </a:t>
+                </a:r>
+              </a:p>
+            </p:txBody>
+          </p:sp>
+        </mc:Fallback>
+      </mc:AlternateContent>
+      <mc:AlternateContent xmlns:mc="http://schemas.openxmlformats.org/markup-compatibility/2006">
+        <mc:Choice xmlns:a14="http://schemas.microsoft.com/office/drawing/2010/main" Requires="a14">
+          <p:sp>
+            <p:nvSpPr>
+              <p:cNvPr id="29" name="Прямоугольник 28"/>
+              <p:cNvSpPr/>
+              <p:nvPr/>
+            </p:nvSpPr>
+            <p:spPr>
+              <a:xfrm>
+                <a:off x="737460" y="5040380"/>
+                <a:ext cx="4734758" cy="724494"/>
+              </a:xfrm>
+              <a:prstGeom prst="rect">
+                <a:avLst/>
+              </a:prstGeom>
+            </p:spPr>
+            <p:txBody>
+              <a:bodyPr wrap="none">
+                <a:spAutoFit/>
+              </a:bodyPr>
+              <a:lstStyle/>
+              <a:p>
+                <a:pPr/>
+                <a14:m>
+                  <m:oMathPara xmlns:m="http://schemas.openxmlformats.org/officeDocument/2006/math">
+                    <m:oMathParaPr>
+                      <m:jc m:val="centerGroup"/>
+                    </m:oMathParaPr>
+                    <m:oMath xmlns:m="http://schemas.openxmlformats.org/officeDocument/2006/math">
+                      <m:sSub>
+                        <m:sSubPr>
+                          <m:ctrlPr>
+                            <a:rPr lang="ru-RU" sz="1400" i="1" smtClean="0">
+                              <a:solidFill>
+                                <a:srgbClr val="0070C0"/>
+                              </a:solidFill>
+                              <a:latin typeface="Cambria Math" panose="02040503050406030204" pitchFamily="18" charset="0"/>
+                            </a:rPr>
+                          </m:ctrlPr>
+                        </m:sSubPr>
+                        <m:e>
+                          <m:r>
+                            <a:rPr lang="ru-RU" sz="1400" i="1">
+                              <a:solidFill>
+                                <a:srgbClr val="0070C0"/>
+                              </a:solidFill>
+                              <a:latin typeface="Cambria Math" panose="02040503050406030204" pitchFamily="18" charset="0"/>
+                            </a:rPr>
+                            <m:t>ф</m:t>
+                          </m:r>
+                        </m:e>
+                        <m:sub>
+                          <m:r>
+                            <a:rPr lang="en-US" sz="1400" b="0" i="1" smtClean="0">
+                              <a:solidFill>
+                                <a:srgbClr val="0070C0"/>
+                              </a:solidFill>
+                              <a:latin typeface="Cambria Math" panose="02040503050406030204" pitchFamily="18" charset="0"/>
+                            </a:rPr>
+                            <m:t>𝑘𝑖𝑑𝑠</m:t>
+                          </m:r>
+                          <m:r>
+                            <a:rPr lang="ru-RU" sz="1400" i="1">
+                              <a:solidFill>
+                                <a:srgbClr val="0070C0"/>
+                              </a:solidFill>
+                              <a:latin typeface="Cambria Math" panose="02040503050406030204" pitchFamily="18" charset="0"/>
+                            </a:rPr>
+                            <m:t>2</m:t>
+                          </m:r>
+                        </m:sub>
+                      </m:sSub>
+                      <m:d>
+                        <m:dPr>
+                          <m:ctrlPr>
+                            <a:rPr lang="en-US" sz="1400" i="1">
+                              <a:solidFill>
+                                <a:srgbClr val="0070C0"/>
+                              </a:solidFill>
+                              <a:latin typeface="Cambria Math" panose="02040503050406030204" pitchFamily="18" charset="0"/>
+                            </a:rPr>
+                          </m:ctrlPr>
+                        </m:dPr>
+                        <m:e>
+                          <m:r>
+                            <a:rPr lang="en-US" sz="1400" i="1">
+                              <a:solidFill>
+                                <a:srgbClr val="0070C0"/>
+                              </a:solidFill>
+                              <a:latin typeface="Cambria Math" panose="02040503050406030204" pitchFamily="18" charset="0"/>
+                            </a:rPr>
+                            <m:t>𝑝</m:t>
+                          </m:r>
+                        </m:e>
+                      </m:d>
+                      <m:r>
+                        <a:rPr lang="en-US" sz="1400" i="1">
+                          <a:latin typeface="Cambria Math" panose="02040503050406030204" pitchFamily="18" charset="0"/>
+                        </a:rPr>
+                        <m:t>=</m:t>
+                      </m:r>
+                      <m:f>
+                        <m:fPr>
+                          <m:ctrlPr>
+                            <a:rPr lang="en-US" sz="1400" i="1">
+                              <a:latin typeface="Cambria Math" panose="02040503050406030204" pitchFamily="18" charset="0"/>
+                            </a:rPr>
+                          </m:ctrlPr>
+                        </m:fPr>
+                        <m:num>
+                          <m:r>
+                            <a:rPr lang="ru-RU" sz="1400" b="0" i="1" smtClean="0">
+                              <a:latin typeface="Cambria Math" panose="02040503050406030204" pitchFamily="18" charset="0"/>
+                            </a:rPr>
+                            <m:t>1</m:t>
+                          </m:r>
+                          <m:r>
+                            <a:rPr lang="en-US" sz="1400" i="1">
+                              <a:latin typeface="Cambria Math" panose="02040503050406030204" pitchFamily="18" charset="0"/>
+                            </a:rPr>
+                            <m:t>!</m:t>
+                          </m:r>
+                          <m:d>
+                            <m:dPr>
+                              <m:ctrlPr>
+                                <a:rPr lang="en-US" sz="1400" i="1">
+                                  <a:latin typeface="Cambria Math" panose="02040503050406030204" pitchFamily="18" charset="0"/>
+                                </a:rPr>
+                              </m:ctrlPr>
+                            </m:dPr>
+                            <m:e>
+                              <m:r>
+                                <a:rPr lang="en-US" sz="1400" i="1">
+                                  <a:latin typeface="Cambria Math" panose="02040503050406030204" pitchFamily="18" charset="0"/>
+                                </a:rPr>
+                                <m:t>2−</m:t>
+                              </m:r>
+                              <m:r>
+                                <a:rPr lang="ru-RU" sz="1400" b="0" i="1" smtClean="0">
+                                  <a:latin typeface="Cambria Math" panose="02040503050406030204" pitchFamily="18" charset="0"/>
+                                </a:rPr>
+                                <m:t>1</m:t>
+                              </m:r>
+                              <m:r>
+                                <a:rPr lang="en-US" sz="1400" i="1">
+                                  <a:latin typeface="Cambria Math" panose="02040503050406030204" pitchFamily="18" charset="0"/>
+                                </a:rPr>
+                                <m:t>−1</m:t>
+                              </m:r>
+                            </m:e>
+                          </m:d>
+                          <m:r>
+                            <a:rPr lang="en-US" sz="1400" i="1">
+                              <a:latin typeface="Cambria Math" panose="02040503050406030204" pitchFamily="18" charset="0"/>
+                            </a:rPr>
+                            <m:t>!</m:t>
+                          </m:r>
+                        </m:num>
+                        <m:den>
+                          <m:r>
+                            <a:rPr lang="en-US" sz="1400" i="1">
+                              <a:latin typeface="Cambria Math" panose="02040503050406030204" pitchFamily="18" charset="0"/>
+                            </a:rPr>
+                            <m:t>2!</m:t>
+                          </m:r>
+                        </m:den>
+                      </m:f>
+                      <m:d>
+                        <m:dPr>
+                          <m:ctrlPr>
+                            <a:rPr lang="en-US" sz="1400" i="1">
+                              <a:latin typeface="Cambria Math" panose="02040503050406030204" pitchFamily="18" charset="0"/>
+                            </a:rPr>
+                          </m:ctrlPr>
+                        </m:dPr>
+                        <m:e>
+                          <m:r>
+                            <a:rPr lang="ru-RU" sz="1400" b="0" i="1" smtClean="0">
+                              <a:latin typeface="Cambria Math" panose="02040503050406030204" pitchFamily="18" charset="0"/>
+                            </a:rPr>
+                            <m:t>2085.51</m:t>
+                          </m:r>
+                          <m:r>
+                            <a:rPr lang="en-US" sz="1400" i="1">
+                              <a:latin typeface="Cambria Math" panose="02040503050406030204" pitchFamily="18" charset="0"/>
+                            </a:rPr>
+                            <m:t>−</m:t>
+                          </m:r>
+                          <m:r>
+                            <a:rPr lang="en-US" sz="1400" b="0" i="1" smtClean="0">
+                              <a:latin typeface="Cambria Math" panose="02040503050406030204" pitchFamily="18" charset="0"/>
+                            </a:rPr>
+                            <m:t>1220.52</m:t>
+                          </m:r>
+                        </m:e>
+                      </m:d>
+                      <m:r>
+                        <a:rPr lang="en-US" sz="1400" i="1">
+                          <a:latin typeface="Cambria Math" panose="02040503050406030204" pitchFamily="18" charset="0"/>
+                        </a:rPr>
+                        <m:t>=</m:t>
+                      </m:r>
+                      <m:r>
+                        <a:rPr lang="en-US" sz="1400" b="0" i="1" smtClean="0">
+                          <a:latin typeface="Cambria Math" panose="02040503050406030204" pitchFamily="18" charset="0"/>
+                        </a:rPr>
+                        <m:t>432.5</m:t>
+                      </m:r>
+                    </m:oMath>
+                  </m:oMathPara>
+                </a14:m>
+                <a:endParaRPr lang="en-US" dirty="0"/>
+              </a:p>
+              <a:p>
+                <a:endParaRPr lang="ru-RU" sz="1400" dirty="0"/>
+              </a:p>
+            </p:txBody>
+          </p:sp>
+        </mc:Choice>
+        <mc:Fallback>
+          <p:sp>
+            <p:nvSpPr>
+              <p:cNvPr id="29" name="Прямоугольник 28"/>
+              <p:cNvSpPr>
+                <a:spLocks noRot="1" noChangeAspect="1" noMove="1" noResize="1" noEditPoints="1" noAdjustHandles="1" noChangeArrowheads="1" noChangeShapeType="1" noTextEdit="1"/>
+              </p:cNvSpPr>
+              <p:nvPr/>
+            </p:nvSpPr>
+            <p:spPr>
+              <a:xfrm>
+                <a:off x="737460" y="5040380"/>
+                <a:ext cx="4734758" cy="724494"/>
+              </a:xfrm>
+              <a:prstGeom prst="rect">
+                <a:avLst/>
+              </a:prstGeom>
+              <a:blipFill>
+                <a:blip r:embed="rId9"/>
+                <a:stretch>
+                  <a:fillRect/>
+                </a:stretch>
+              </a:blipFill>
+            </p:spPr>
+            <p:txBody>
+              <a:bodyPr/>
+              <a:lstStyle/>
+              <a:p>
+                <a:r>
+                  <a:rPr lang="ru-RU">
+                    <a:noFill/>
+                  </a:rPr>
+                  <a:t> </a:t>
+                </a:r>
+              </a:p>
+            </p:txBody>
+          </p:sp>
+        </mc:Fallback>
+      </mc:AlternateContent>
+      <mc:AlternateContent xmlns:mc="http://schemas.openxmlformats.org/markup-compatibility/2006">
+        <mc:Choice xmlns:a14="http://schemas.microsoft.com/office/drawing/2010/main" Requires="a14">
+          <p:sp>
+            <p:nvSpPr>
+              <p:cNvPr id="31" name="Прямоугольник 30"/>
+              <p:cNvSpPr/>
+              <p:nvPr/>
+            </p:nvSpPr>
+            <p:spPr>
+              <a:xfrm>
+                <a:off x="8015833" y="5271857"/>
+                <a:ext cx="4087534" cy="854978"/>
+              </a:xfrm>
+              <a:prstGeom prst="rect">
+                <a:avLst/>
+              </a:prstGeom>
+            </p:spPr>
+            <p:txBody>
+              <a:bodyPr wrap="square">
+                <a:spAutoFit/>
+              </a:bodyPr>
+              <a:lstStyle/>
+              <a:p>
+                <a:pPr/>
+                <a14:m>
+                  <m:oMathPara xmlns:m="http://schemas.openxmlformats.org/officeDocument/2006/math">
+                    <m:oMathParaPr>
+                      <m:jc m:val="centerGroup"/>
+                    </m:oMathParaPr>
+                    <m:oMath xmlns:m="http://schemas.openxmlformats.org/officeDocument/2006/math">
+                      <m:sSub>
+                        <m:sSubPr>
+                          <m:ctrlPr>
+                            <a:rPr lang="ru-RU" sz="1600" i="1" smtClean="0">
+                              <a:latin typeface="Cambria Math" panose="02040503050406030204" pitchFamily="18" charset="0"/>
+                            </a:rPr>
+                          </m:ctrlPr>
+                        </m:sSubPr>
+                        <m:e>
+                          <m:r>
+                            <a:rPr lang="ru-RU" sz="1600" i="1">
+                              <a:latin typeface="Cambria Math" panose="02040503050406030204" pitchFamily="18" charset="0"/>
+                            </a:rPr>
+                            <m:t>ф</m:t>
+                          </m:r>
+                        </m:e>
+                        <m:sub>
+                          <m:r>
+                            <a:rPr lang="en-US" sz="1600" b="0" i="1" smtClean="0">
+                              <a:latin typeface="Cambria Math" panose="02040503050406030204" pitchFamily="18" charset="0"/>
+                            </a:rPr>
+                            <m:t>𝑘𝑖𝑑𝑠</m:t>
+                          </m:r>
+                        </m:sub>
+                      </m:sSub>
+                      <m:d>
+                        <m:dPr>
+                          <m:ctrlPr>
+                            <a:rPr lang="en-US" sz="1600" i="1">
+                              <a:latin typeface="Cambria Math" panose="02040503050406030204" pitchFamily="18" charset="0"/>
+                            </a:rPr>
+                          </m:ctrlPr>
+                        </m:dPr>
+                        <m:e>
+                          <m:r>
+                            <a:rPr lang="en-US" sz="1600" i="1">
+                              <a:latin typeface="Cambria Math" panose="02040503050406030204" pitchFamily="18" charset="0"/>
+                            </a:rPr>
+                            <m:t>𝑝</m:t>
+                          </m:r>
+                        </m:e>
+                      </m:d>
+                      <m:r>
+                        <a:rPr lang="en-US" sz="1600" i="1">
+                          <a:latin typeface="Cambria Math" panose="02040503050406030204" pitchFamily="18" charset="0"/>
+                        </a:rPr>
+                        <m:t>=</m:t>
+                      </m:r>
+                      <m:sSub>
+                        <m:sSubPr>
+                          <m:ctrlPr>
+                            <a:rPr lang="ru-RU" sz="1600" i="1">
+                              <a:latin typeface="Cambria Math" panose="02040503050406030204" pitchFamily="18" charset="0"/>
+                            </a:rPr>
+                          </m:ctrlPr>
+                        </m:sSubPr>
+                        <m:e>
+                          <m:r>
+                            <a:rPr lang="ru-RU" sz="1600" i="1">
+                              <a:latin typeface="Cambria Math" panose="02040503050406030204" pitchFamily="18" charset="0"/>
+                            </a:rPr>
+                            <m:t>ф</m:t>
+                          </m:r>
+                        </m:e>
+                        <m:sub>
+                          <m:r>
+                            <a:rPr lang="en-US" sz="1600" b="0" i="1" smtClean="0">
+                              <a:latin typeface="Cambria Math" panose="02040503050406030204" pitchFamily="18" charset="0"/>
+                            </a:rPr>
+                            <m:t>𝑘𝑖𝑑𝑠</m:t>
+                          </m:r>
+                          <m:r>
+                            <a:rPr lang="en-US" sz="1600" b="0" i="1" smtClean="0">
+                              <a:latin typeface="Cambria Math" panose="02040503050406030204" pitchFamily="18" charset="0"/>
+                            </a:rPr>
+                            <m:t>1</m:t>
+                          </m:r>
+                        </m:sub>
+                      </m:sSub>
+                      <m:d>
+                        <m:dPr>
+                          <m:ctrlPr>
+                            <a:rPr lang="en-US" sz="1600" i="1">
+                              <a:latin typeface="Cambria Math" panose="02040503050406030204" pitchFamily="18" charset="0"/>
+                            </a:rPr>
+                          </m:ctrlPr>
+                        </m:dPr>
+                        <m:e>
+                          <m:r>
+                            <a:rPr lang="en-US" sz="1600" i="1">
+                              <a:latin typeface="Cambria Math" panose="02040503050406030204" pitchFamily="18" charset="0"/>
+                            </a:rPr>
+                            <m:t>𝑝</m:t>
+                          </m:r>
+                        </m:e>
+                      </m:d>
+                      <m:r>
+                        <a:rPr lang="en-US" sz="1600" b="0" i="1" smtClean="0">
+                          <a:latin typeface="Cambria Math" panose="02040503050406030204" pitchFamily="18" charset="0"/>
+                        </a:rPr>
+                        <m:t>+</m:t>
+                      </m:r>
+                      <m:sSub>
+                        <m:sSubPr>
+                          <m:ctrlPr>
+                            <a:rPr lang="en-US" sz="1600" b="0" i="1" smtClean="0">
+                              <a:latin typeface="Cambria Math" panose="02040503050406030204" pitchFamily="18" charset="0"/>
+                            </a:rPr>
+                          </m:ctrlPr>
+                        </m:sSubPr>
+                        <m:e>
+                          <m:sSub>
+                            <m:sSubPr>
+                              <m:ctrlPr>
+                                <a:rPr lang="ru-RU" sz="1600" i="1">
+                                  <a:latin typeface="Cambria Math" panose="02040503050406030204" pitchFamily="18" charset="0"/>
+                                </a:rPr>
+                              </m:ctrlPr>
+                            </m:sSubPr>
+                            <m:e>
+                              <m:r>
+                                <a:rPr lang="ru-RU" sz="1600" i="1">
+                                  <a:latin typeface="Cambria Math" panose="02040503050406030204" pitchFamily="18" charset="0"/>
+                                </a:rPr>
+                                <m:t>ф</m:t>
+                              </m:r>
+                            </m:e>
+                            <m:sub>
+                              <m:r>
+                                <a:rPr lang="en-US" sz="1600" b="0" i="1" smtClean="0">
+                                  <a:latin typeface="Cambria Math" panose="02040503050406030204" pitchFamily="18" charset="0"/>
+                                </a:rPr>
+                                <m:t>𝑘𝑖𝑑𝑠</m:t>
+                              </m:r>
+                            </m:sub>
+                          </m:sSub>
+                        </m:e>
+                        <m:sub>
+                          <m:r>
+                            <a:rPr lang="en-US" sz="1600" b="0" i="1" smtClean="0">
+                              <a:latin typeface="Cambria Math" panose="02040503050406030204" pitchFamily="18" charset="0"/>
+                            </a:rPr>
+                            <m:t>2</m:t>
+                          </m:r>
+                        </m:sub>
+                      </m:sSub>
+                      <m:d>
+                        <m:dPr>
+                          <m:ctrlPr>
+                            <a:rPr lang="en-US" sz="1600" i="1">
+                              <a:latin typeface="Cambria Math" panose="02040503050406030204" pitchFamily="18" charset="0"/>
+                            </a:rPr>
+                          </m:ctrlPr>
+                        </m:dPr>
+                        <m:e>
+                          <m:r>
+                            <a:rPr lang="en-US" sz="1600" i="1">
+                              <a:latin typeface="Cambria Math" panose="02040503050406030204" pitchFamily="18" charset="0"/>
+                            </a:rPr>
+                            <m:t>𝑝</m:t>
+                          </m:r>
+                        </m:e>
+                      </m:d>
+                      <m:r>
+                        <a:rPr lang="en-US" sz="1600" i="1">
+                          <a:latin typeface="Cambria Math" panose="02040503050406030204" pitchFamily="18" charset="0"/>
+                        </a:rPr>
+                        <m:t>=</m:t>
+                      </m:r>
+                      <m:r>
+                        <a:rPr lang="en-US" sz="1600" b="0" i="1" smtClean="0">
+                          <a:latin typeface="Cambria Math" panose="02040503050406030204" pitchFamily="18" charset="0"/>
+                        </a:rPr>
+                        <m:t>75.92</m:t>
+                      </m:r>
+                      <m:r>
+                        <a:rPr lang="en-US" sz="1600" b="0" i="1" smtClean="0">
+                          <a:latin typeface="Cambria Math" panose="02040503050406030204" pitchFamily="18" charset="0"/>
+                        </a:rPr>
+                        <m:t>+</m:t>
+                      </m:r>
+                      <m:r>
+                        <a:rPr lang="en-US" sz="1600" b="0" i="1" smtClean="0">
+                          <a:latin typeface="Cambria Math" panose="02040503050406030204" pitchFamily="18" charset="0"/>
+                        </a:rPr>
+                        <m:t>432.5</m:t>
+                      </m:r>
+                      <m:r>
+                        <a:rPr lang="en-US" sz="1600" b="0" i="1" smtClean="0">
+                          <a:latin typeface="Cambria Math" panose="02040503050406030204" pitchFamily="18" charset="0"/>
+                        </a:rPr>
+                        <m:t>=</m:t>
+                      </m:r>
+                      <m:r>
+                        <a:rPr lang="en-US" sz="1600" b="0" i="1" smtClean="0">
+                          <a:latin typeface="Cambria Math" panose="02040503050406030204" pitchFamily="18" charset="0"/>
+                        </a:rPr>
+                        <m:t>508.42</m:t>
+                      </m:r>
+                    </m:oMath>
+                  </m:oMathPara>
+                </a14:m>
+                <a:endParaRPr lang="ru-RU" sz="1600" dirty="0"/>
+              </a:p>
+              <a:p>
+                <a:endParaRPr lang="ru-RU" sz="1600" dirty="0"/>
+              </a:p>
+            </p:txBody>
+          </p:sp>
+        </mc:Choice>
+        <mc:Fallback>
+          <p:sp>
+            <p:nvSpPr>
+              <p:cNvPr id="31" name="Прямоугольник 30"/>
+              <p:cNvSpPr>
+                <a:spLocks noRot="1" noChangeAspect="1" noMove="1" noResize="1" noEditPoints="1" noAdjustHandles="1" noChangeArrowheads="1" noChangeShapeType="1" noTextEdit="1"/>
+              </p:cNvSpPr>
+              <p:nvPr/>
+            </p:nvSpPr>
+            <p:spPr>
+              <a:xfrm>
+                <a:off x="8015833" y="5271857"/>
+                <a:ext cx="4087534" cy="854978"/>
+              </a:xfrm>
+              <a:prstGeom prst="rect">
+                <a:avLst/>
+              </a:prstGeom>
+              <a:blipFill>
+                <a:blip r:embed="rId10"/>
+                <a:stretch>
+                  <a:fillRect/>
+                </a:stretch>
+              </a:blipFill>
+            </p:spPr>
+            <p:txBody>
+              <a:bodyPr/>
+              <a:lstStyle/>
+              <a:p>
+                <a:r>
+                  <a:rPr lang="ru-RU">
+                    <a:noFill/>
+                  </a:rPr>
+                  <a:t> </a:t>
+                </a:r>
+              </a:p>
+            </p:txBody>
+          </p:sp>
+        </mc:Fallback>
+      </mc:AlternateContent>
+      <p:sp>
+        <p:nvSpPr>
+          <p:cNvPr id="3" name="TextBox 2">
+            <a:extLst>
+              <a:ext uri="{FF2B5EF4-FFF2-40B4-BE49-F238E27FC236}">
+                <a16:creationId xmlns:a16="http://schemas.microsoft.com/office/drawing/2014/main" id="{7503D2A7-C95D-4E0D-A9F0-3CE82776C30A}"/>
+              </a:ext>
+            </a:extLst>
+          </p:cNvPr>
+          <p:cNvSpPr txBox="1"/>
+          <p:nvPr/>
+        </p:nvSpPr>
+        <p:spPr>
+          <a:xfrm>
+            <a:off x="8274406" y="4146310"/>
+            <a:ext cx="3819988" cy="923330"/>
+          </a:xfrm>
+          <a:prstGeom prst="rect">
+            <a:avLst/>
+          </a:prstGeom>
+          <a:noFill/>
+        </p:spPr>
+        <p:txBody>
+          <a:bodyPr wrap="square" rtlCol="0">
+            <a:spAutoFit/>
+          </a:bodyPr>
+          <a:lstStyle/>
+          <a:p>
+            <a:r>
+              <a:rPr lang="en-US" dirty="0" err="1"/>
+              <a:t>Shap</a:t>
+            </a:r>
+            <a:r>
+              <a:rPr lang="en-US" dirty="0"/>
+              <a:t> </a:t>
+            </a:r>
+            <a:r>
+              <a:rPr lang="ru-RU" dirty="0"/>
+              <a:t>значение для </a:t>
+            </a:r>
+            <a:r>
+              <a:rPr lang="en-US" sz="1800" dirty="0" err="1"/>
+              <a:t>PctKidsBornNeverMar</a:t>
+            </a:r>
+            <a:r>
+              <a:rPr lang="ru-RU" sz="1800" dirty="0"/>
+              <a:t> для выбранного семпла:</a:t>
+            </a:r>
+            <a:r>
+              <a:rPr lang="ru-RU" dirty="0"/>
+              <a:t> </a:t>
+            </a:r>
+          </a:p>
+        </p:txBody>
+      </p:sp>
+    </p:spTree>
+    <p:extLst>
+      <p:ext uri="{BB962C8B-B14F-4D97-AF65-F5344CB8AC3E}">
+        <p14:creationId xmlns:p14="http://schemas.microsoft.com/office/powerpoint/2010/main" val="3154003568"/>
+      </p:ext>
+    </p:extLst>
+  </p:cSld>
+  <p:clrMapOvr>
+    <a:masterClrMapping/>
+  </p:clrMapOvr>
 </p:sld>
 </file>
 
